--- a/transfer/4.3.pptx
+++ b/transfer/4.3.pptx
@@ -5,38 +5,36 @@
     <p:sldMasterId id="2147483660" r:id="rId1"/>
   </p:sldMasterIdLst>
   <p:notesMasterIdLst>
-    <p:notesMasterId r:id="rId28"/>
+    <p:notesMasterId r:id="rId26"/>
   </p:notesMasterIdLst>
   <p:handoutMasterIdLst>
-    <p:handoutMasterId r:id="rId29"/>
+    <p:handoutMasterId r:id="rId27"/>
   </p:handoutMasterIdLst>
   <p:sldIdLst>
     <p:sldId id="256" r:id="rId2"/>
     <p:sldId id="283" r:id="rId3"/>
     <p:sldId id="298" r:id="rId4"/>
     <p:sldId id="299" r:id="rId5"/>
-    <p:sldId id="284" r:id="rId6"/>
-    <p:sldId id="295" r:id="rId7"/>
-    <p:sldId id="290" r:id="rId8"/>
-    <p:sldId id="300" r:id="rId9"/>
-    <p:sldId id="288" r:id="rId10"/>
-    <p:sldId id="294" r:id="rId11"/>
-    <p:sldId id="291" r:id="rId12"/>
-    <p:sldId id="301" r:id="rId13"/>
-    <p:sldId id="287" r:id="rId14"/>
-    <p:sldId id="296" r:id="rId15"/>
-    <p:sldId id="293" r:id="rId16"/>
-    <p:sldId id="302" r:id="rId17"/>
-    <p:sldId id="286" r:id="rId18"/>
-    <p:sldId id="297" r:id="rId19"/>
-    <p:sldId id="292" r:id="rId20"/>
-    <p:sldId id="303" r:id="rId21"/>
-    <p:sldId id="304" r:id="rId22"/>
-    <p:sldId id="271" r:id="rId23"/>
-    <p:sldId id="279" r:id="rId24"/>
-    <p:sldId id="281" r:id="rId25"/>
-    <p:sldId id="257" r:id="rId26"/>
-    <p:sldId id="282" r:id="rId27"/>
+    <p:sldId id="305" r:id="rId6"/>
+    <p:sldId id="284" r:id="rId7"/>
+    <p:sldId id="295" r:id="rId8"/>
+    <p:sldId id="290" r:id="rId9"/>
+    <p:sldId id="300" r:id="rId10"/>
+    <p:sldId id="288" r:id="rId11"/>
+    <p:sldId id="294" r:id="rId12"/>
+    <p:sldId id="291" r:id="rId13"/>
+    <p:sldId id="301" r:id="rId14"/>
+    <p:sldId id="287" r:id="rId15"/>
+    <p:sldId id="296" r:id="rId16"/>
+    <p:sldId id="293" r:id="rId17"/>
+    <p:sldId id="302" r:id="rId18"/>
+    <p:sldId id="286" r:id="rId19"/>
+    <p:sldId id="297" r:id="rId20"/>
+    <p:sldId id="292" r:id="rId21"/>
+    <p:sldId id="303" r:id="rId22"/>
+    <p:sldId id="304" r:id="rId23"/>
+    <p:sldId id="306" r:id="rId24"/>
+    <p:sldId id="282" r:id="rId25"/>
   </p:sldIdLst>
   <p:sldSz cx="12192000" cy="6858000"/>
   <p:notesSz cx="6858000" cy="9144000"/>
@@ -253,7 +251,7 @@
                 <a:latin typeface="Microsoft YaHei UI" panose="020B0503020204020204" pitchFamily="34" charset="-122"/>
                 <a:ea typeface="Microsoft YaHei UI" panose="020B0503020204020204" pitchFamily="34" charset="-122"/>
               </a:rPr>
-              <a:t>2024/4/1</a:t>
+              <a:t>2024/4/2</a:t>
             </a:fld>
             <a:endParaRPr lang="zh-CN" altLang="en-US">
               <a:latin typeface="Microsoft YaHei UI" panose="020B0503020204020204" pitchFamily="34" charset="-122"/>
@@ -439,7 +437,7 @@
           <a:p>
             <a:fld id="{81DCBD32-5E35-4514-9815-F3DDD3668777}" type="datetime1">
               <a:rPr lang="zh-CN" altLang="en-US" smtClean="0"/>
-              <a:t>2024/4/1</a:t>
+              <a:t>2024/4/2</a:t>
             </a:fld>
             <a:endParaRPr lang="en-US" dirty="0"/>
           </a:p>
@@ -887,7 +885,7 @@
                 <a:latin typeface="Microsoft YaHei UI" panose="020B0503020204020204" pitchFamily="34" charset="-122"/>
                 <a:ea typeface="Microsoft YaHei UI" panose="020B0503020204020204" pitchFamily="34" charset="-122"/>
               </a:rPr>
-              <a:t>22</a:t>
+              <a:t>5</a:t>
             </a:fld>
             <a:endParaRPr lang="zh-CN" altLang="en-US">
               <a:latin typeface="Microsoft YaHei UI" panose="020B0503020204020204" pitchFamily="34" charset="-122"/>
@@ -899,7 +897,7 @@
     </p:spTree>
     <p:extLst>
       <p:ext uri="{BB962C8B-B14F-4D97-AF65-F5344CB8AC3E}">
-        <p14:creationId xmlns:p14="http://schemas.microsoft.com/office/powerpoint/2010/main" val="3675401308"/>
+        <p14:creationId xmlns:p14="http://schemas.microsoft.com/office/powerpoint/2010/main" val="4137255004"/>
       </p:ext>
     </p:extLst>
   </p:cSld>
@@ -910,289 +908,6 @@
 </file>
 
 <file path=ppt/notesSlides/notesSlide3.xml><?xml version="1.0" encoding="utf-8"?>
-<p:notes xmlns:a="http://schemas.openxmlformats.org/drawingml/2006/main" xmlns:r="http://schemas.openxmlformats.org/officeDocument/2006/relationships" xmlns:p="http://schemas.openxmlformats.org/presentationml/2006/main">
-  <p:cSld>
-    <p:spTree>
-      <p:nvGrpSpPr>
-        <p:cNvPr id="1" name=""/>
-        <p:cNvGrpSpPr/>
-        <p:nvPr/>
-      </p:nvGrpSpPr>
-      <p:grpSpPr>
-        <a:xfrm>
-          <a:off x="0" y="0"/>
-          <a:ext cx="0" cy="0"/>
-          <a:chOff x="0" y="0"/>
-          <a:chExt cx="0" cy="0"/>
-        </a:xfrm>
-      </p:grpSpPr>
-      <p:sp>
-        <p:nvSpPr>
-          <p:cNvPr id="2" name="幻灯片图像占位符 1"/>
-          <p:cNvSpPr>
-            <a:spLocks noGrp="1" noRot="1" noChangeAspect="1"/>
-          </p:cNvSpPr>
-          <p:nvPr>
-            <p:ph type="sldImg"/>
-          </p:nvPr>
-        </p:nvSpPr>
-        <p:spPr/>
-      </p:sp>
-      <p:sp>
-        <p:nvSpPr>
-          <p:cNvPr id="3" name="备注占位符 2"/>
-          <p:cNvSpPr>
-            <a:spLocks noGrp="1"/>
-          </p:cNvSpPr>
-          <p:nvPr>
-            <p:ph type="body" idx="1"/>
-          </p:nvPr>
-        </p:nvSpPr>
-        <p:spPr/>
-        <p:txBody>
-          <a:bodyPr/>
-          <a:lstStyle/>
-          <a:p>
-            <a:endParaRPr lang="zh-CN" altLang="en-US">
-              <a:latin typeface="Microsoft YaHei UI" panose="020B0503020204020204" pitchFamily="34" charset="-122"/>
-              <a:ea typeface="Microsoft YaHei UI" panose="020B0503020204020204" pitchFamily="34" charset="-122"/>
-            </a:endParaRPr>
-          </a:p>
-        </p:txBody>
-      </p:sp>
-      <p:sp>
-        <p:nvSpPr>
-          <p:cNvPr id="4" name="灯片编号占位符 3"/>
-          <p:cNvSpPr>
-            <a:spLocks noGrp="1"/>
-          </p:cNvSpPr>
-          <p:nvPr>
-            <p:ph type="sldNum" sz="quarter" idx="5"/>
-          </p:nvPr>
-        </p:nvSpPr>
-        <p:spPr/>
-        <p:txBody>
-          <a:bodyPr/>
-          <a:lstStyle/>
-          <a:p>
-            <a:pPr rtl="0"/>
-            <a:fld id="{DF61EA0F-A667-4B49-8422-0062BC55E249}" type="slidenum">
-              <a:rPr lang="en-US" altLang="zh-CN" smtClean="0">
-                <a:latin typeface="Microsoft YaHei UI" panose="020B0503020204020204" pitchFamily="34" charset="-122"/>
-                <a:ea typeface="Microsoft YaHei UI" panose="020B0503020204020204" pitchFamily="34" charset="-122"/>
-              </a:rPr>
-              <a:t>23</a:t>
-            </a:fld>
-            <a:endParaRPr lang="zh-CN" altLang="en-US">
-              <a:latin typeface="Microsoft YaHei UI" panose="020B0503020204020204" pitchFamily="34" charset="-122"/>
-              <a:ea typeface="Microsoft YaHei UI" panose="020B0503020204020204" pitchFamily="34" charset="-122"/>
-            </a:endParaRPr>
-          </a:p>
-        </p:txBody>
-      </p:sp>
-    </p:spTree>
-    <p:extLst>
-      <p:ext uri="{BB962C8B-B14F-4D97-AF65-F5344CB8AC3E}">
-        <p14:creationId xmlns:p14="http://schemas.microsoft.com/office/powerpoint/2010/main" val="1981118957"/>
-      </p:ext>
-    </p:extLst>
-  </p:cSld>
-  <p:clrMapOvr>
-    <a:masterClrMapping/>
-  </p:clrMapOvr>
-</p:notes>
-</file>
-
-<file path=ppt/notesSlides/notesSlide4.xml><?xml version="1.0" encoding="utf-8"?>
-<p:notes xmlns:a="http://schemas.openxmlformats.org/drawingml/2006/main" xmlns:r="http://schemas.openxmlformats.org/officeDocument/2006/relationships" xmlns:p="http://schemas.openxmlformats.org/presentationml/2006/main">
-  <p:cSld>
-    <p:spTree>
-      <p:nvGrpSpPr>
-        <p:cNvPr id="1" name=""/>
-        <p:cNvGrpSpPr/>
-        <p:nvPr/>
-      </p:nvGrpSpPr>
-      <p:grpSpPr>
-        <a:xfrm>
-          <a:off x="0" y="0"/>
-          <a:ext cx="0" cy="0"/>
-          <a:chOff x="0" y="0"/>
-          <a:chExt cx="0" cy="0"/>
-        </a:xfrm>
-      </p:grpSpPr>
-      <p:sp>
-        <p:nvSpPr>
-          <p:cNvPr id="2" name="幻灯片图像占位符 1"/>
-          <p:cNvSpPr>
-            <a:spLocks noGrp="1" noRot="1" noChangeAspect="1"/>
-          </p:cNvSpPr>
-          <p:nvPr>
-            <p:ph type="sldImg"/>
-          </p:nvPr>
-        </p:nvSpPr>
-        <p:spPr/>
-      </p:sp>
-      <p:sp>
-        <p:nvSpPr>
-          <p:cNvPr id="3" name="备注占位符 2"/>
-          <p:cNvSpPr>
-            <a:spLocks noGrp="1"/>
-          </p:cNvSpPr>
-          <p:nvPr>
-            <p:ph type="body" idx="1"/>
-          </p:nvPr>
-        </p:nvSpPr>
-        <p:spPr/>
-        <p:txBody>
-          <a:bodyPr/>
-          <a:lstStyle/>
-          <a:p>
-            <a:endParaRPr lang="zh-CN" altLang="en-US">
-              <a:latin typeface="Microsoft YaHei UI" panose="020B0503020204020204" pitchFamily="34" charset="-122"/>
-              <a:ea typeface="Microsoft YaHei UI" panose="020B0503020204020204" pitchFamily="34" charset="-122"/>
-            </a:endParaRPr>
-          </a:p>
-        </p:txBody>
-      </p:sp>
-      <p:sp>
-        <p:nvSpPr>
-          <p:cNvPr id="4" name="灯片编号占位符 3"/>
-          <p:cNvSpPr>
-            <a:spLocks noGrp="1"/>
-          </p:cNvSpPr>
-          <p:nvPr>
-            <p:ph type="sldNum" sz="quarter" idx="5"/>
-          </p:nvPr>
-        </p:nvSpPr>
-        <p:spPr/>
-        <p:txBody>
-          <a:bodyPr/>
-          <a:lstStyle/>
-          <a:p>
-            <a:pPr rtl="0"/>
-            <a:fld id="{DF61EA0F-A667-4B49-8422-0062BC55E249}" type="slidenum">
-              <a:rPr lang="en-US" altLang="zh-CN" smtClean="0">
-                <a:latin typeface="Microsoft YaHei UI" panose="020B0503020204020204" pitchFamily="34" charset="-122"/>
-                <a:ea typeface="Microsoft YaHei UI" panose="020B0503020204020204" pitchFamily="34" charset="-122"/>
-              </a:rPr>
-              <a:t>24</a:t>
-            </a:fld>
-            <a:endParaRPr lang="zh-CN" altLang="en-US">
-              <a:latin typeface="Microsoft YaHei UI" panose="020B0503020204020204" pitchFamily="34" charset="-122"/>
-              <a:ea typeface="Microsoft YaHei UI" panose="020B0503020204020204" pitchFamily="34" charset="-122"/>
-            </a:endParaRPr>
-          </a:p>
-        </p:txBody>
-      </p:sp>
-    </p:spTree>
-    <p:extLst>
-      <p:ext uri="{BB962C8B-B14F-4D97-AF65-F5344CB8AC3E}">
-        <p14:creationId xmlns:p14="http://schemas.microsoft.com/office/powerpoint/2010/main" val="3423974897"/>
-      </p:ext>
-    </p:extLst>
-  </p:cSld>
-  <p:clrMapOvr>
-    <a:masterClrMapping/>
-  </p:clrMapOvr>
-</p:notes>
-</file>
-
-<file path=ppt/notesSlides/notesSlide5.xml><?xml version="1.0" encoding="utf-8"?>
-<p:notes xmlns:a="http://schemas.openxmlformats.org/drawingml/2006/main" xmlns:r="http://schemas.openxmlformats.org/officeDocument/2006/relationships" xmlns:p="http://schemas.openxmlformats.org/presentationml/2006/main">
-  <p:cSld>
-    <p:spTree>
-      <p:nvGrpSpPr>
-        <p:cNvPr id="1" name=""/>
-        <p:cNvGrpSpPr/>
-        <p:nvPr/>
-      </p:nvGrpSpPr>
-      <p:grpSpPr>
-        <a:xfrm>
-          <a:off x="0" y="0"/>
-          <a:ext cx="0" cy="0"/>
-          <a:chOff x="0" y="0"/>
-          <a:chExt cx="0" cy="0"/>
-        </a:xfrm>
-      </p:grpSpPr>
-      <p:sp>
-        <p:nvSpPr>
-          <p:cNvPr id="2" name="幻灯片图像占位符 1"/>
-          <p:cNvSpPr>
-            <a:spLocks noGrp="1" noRot="1" noChangeAspect="1"/>
-          </p:cNvSpPr>
-          <p:nvPr>
-            <p:ph type="sldImg"/>
-          </p:nvPr>
-        </p:nvSpPr>
-        <p:spPr/>
-      </p:sp>
-      <p:sp>
-        <p:nvSpPr>
-          <p:cNvPr id="3" name="备注占位符 2"/>
-          <p:cNvSpPr>
-            <a:spLocks noGrp="1"/>
-          </p:cNvSpPr>
-          <p:nvPr>
-            <p:ph type="body" idx="1"/>
-          </p:nvPr>
-        </p:nvSpPr>
-        <p:spPr/>
-        <p:txBody>
-          <a:bodyPr rtlCol="0"/>
-          <a:lstStyle/>
-          <a:p>
-            <a:pPr rtl="0"/>
-            <a:endParaRPr lang="zh-CN" altLang="en-US">
-              <a:latin typeface="Microsoft YaHei UI" panose="020B0503020204020204" pitchFamily="34" charset="-122"/>
-              <a:ea typeface="Microsoft YaHei UI" panose="020B0503020204020204" pitchFamily="34" charset="-122"/>
-            </a:endParaRPr>
-          </a:p>
-        </p:txBody>
-      </p:sp>
-      <p:sp>
-        <p:nvSpPr>
-          <p:cNvPr id="4" name="幻灯片编号占位符 3"/>
-          <p:cNvSpPr>
-            <a:spLocks noGrp="1"/>
-          </p:cNvSpPr>
-          <p:nvPr>
-            <p:ph type="sldNum" sz="quarter" idx="5"/>
-          </p:nvPr>
-        </p:nvSpPr>
-        <p:spPr/>
-        <p:txBody>
-          <a:bodyPr rtlCol="0"/>
-          <a:lstStyle/>
-          <a:p>
-            <a:pPr rtl="0"/>
-            <a:fld id="{DF61EA0F-A667-4B49-8422-0062BC55E249}" type="slidenum">
-              <a:rPr lang="en-US" altLang="zh-CN" smtClean="0">
-                <a:latin typeface="Microsoft YaHei UI" panose="020B0503020204020204" pitchFamily="34" charset="-122"/>
-                <a:ea typeface="Microsoft YaHei UI" panose="020B0503020204020204" pitchFamily="34" charset="-122"/>
-              </a:rPr>
-              <a:t>25</a:t>
-            </a:fld>
-            <a:endParaRPr lang="zh-CN" altLang="en-US">
-              <a:latin typeface="Microsoft YaHei UI" panose="020B0503020204020204" pitchFamily="34" charset="-122"/>
-              <a:ea typeface="Microsoft YaHei UI" panose="020B0503020204020204" pitchFamily="34" charset="-122"/>
-            </a:endParaRPr>
-          </a:p>
-        </p:txBody>
-      </p:sp>
-    </p:spTree>
-    <p:extLst>
-      <p:ext uri="{BB962C8B-B14F-4D97-AF65-F5344CB8AC3E}">
-        <p14:creationId xmlns:p14="http://schemas.microsoft.com/office/powerpoint/2010/main" val="3034230060"/>
-      </p:ext>
-    </p:extLst>
-  </p:cSld>
-  <p:clrMapOvr>
-    <a:masterClrMapping/>
-  </p:clrMapOvr>
-</p:notes>
-</file>
-
-<file path=ppt/notesSlides/notesSlide6.xml><?xml version="1.0" encoding="utf-8"?>
 <p:notes xmlns:a="http://schemas.openxmlformats.org/drawingml/2006/main" xmlns:r="http://schemas.openxmlformats.org/officeDocument/2006/relationships" xmlns:p="http://schemas.openxmlformats.org/presentationml/2006/main">
   <p:cSld>
     <p:spTree>
@@ -1270,7 +985,7 @@
                 <a:latin typeface="Microsoft YaHei UI" panose="020B0503020204020204" pitchFamily="34" charset="-122"/>
                 <a:ea typeface="Microsoft YaHei UI" panose="020B0503020204020204" pitchFamily="34" charset="-122"/>
               </a:rPr>
-              <a:t>26</a:t>
+              <a:t>24</a:t>
             </a:fld>
             <a:endParaRPr lang="zh-CN" altLang="en-US">
               <a:latin typeface="Microsoft YaHei UI" panose="020B0503020204020204" pitchFamily="34" charset="-122"/>
@@ -1758,7 +1473,7 @@
           <a:p>
             <a:fld id="{FC0AFDC1-AB40-4941-83E0-44D5ED544864}" type="datetime1">
               <a:rPr lang="zh-CN" altLang="en-US" noProof="0" smtClean="0"/>
-              <a:t>2024/4/1</a:t>
+              <a:t>2024/4/2</a:t>
             </a:fld>
             <a:endParaRPr lang="zh-CN" altLang="en-US" noProof="0"/>
           </a:p>
@@ -2408,7 +2123,7 @@
           <a:p>
             <a:fld id="{1814A537-FBC6-4533-8B31-767E68D33208}" type="datetime1">
               <a:rPr lang="zh-CN" altLang="en-US" noProof="0" smtClean="0"/>
-              <a:t>2024/4/1</a:t>
+              <a:t>2024/4/2</a:t>
             </a:fld>
             <a:endParaRPr lang="zh-CN" altLang="en-US" noProof="0" dirty="0"/>
           </a:p>
@@ -3036,7 +2751,162 @@
         </p:blipFill>
         <p:spPr>
           <a:xfrm>
-            <a:off x="6966857" y="448056"/>
+            <a:off x="5958269" y="675674"/>
+            <a:ext cx="4703936" cy="2373847"/>
+          </a:xfrm>
+          <a:prstGeom prst="rect">
+            <a:avLst/>
+          </a:prstGeom>
+        </p:spPr>
+      </p:pic>
+      <p:pic>
+        <p:nvPicPr>
+          <p:cNvPr id="4" name="图片 3">
+            <a:extLst>
+              <a:ext uri="{FF2B5EF4-FFF2-40B4-BE49-F238E27FC236}">
+                <a16:creationId xmlns:a16="http://schemas.microsoft.com/office/drawing/2014/main" id="{CB0729D2-3D79-4E82-A037-FF13BE0A20E1}"/>
+              </a:ext>
+            </a:extLst>
+          </p:cNvPr>
+          <p:cNvPicPr>
+            <a:picLocks noChangeAspect="1"/>
+          </p:cNvPicPr>
+          <p:nvPr/>
+        </p:nvPicPr>
+        <p:blipFill>
+          <a:blip r:embed="rId3"/>
+          <a:stretch>
+            <a:fillRect/>
+          </a:stretch>
+        </p:blipFill>
+        <p:spPr>
+          <a:xfrm>
+            <a:off x="435428" y="3429000"/>
+            <a:ext cx="11321143" cy="2624428"/>
+          </a:xfrm>
+          <a:prstGeom prst="rect">
+            <a:avLst/>
+          </a:prstGeom>
+        </p:spPr>
+      </p:pic>
+      <p:sp>
+        <p:nvSpPr>
+          <p:cNvPr id="8" name="文本框 7">
+            <a:extLst>
+              <a:ext uri="{FF2B5EF4-FFF2-40B4-BE49-F238E27FC236}">
+                <a16:creationId xmlns:a16="http://schemas.microsoft.com/office/drawing/2014/main" id="{D7CA6B71-59EB-4865-8510-786B008BBE98}"/>
+              </a:ext>
+            </a:extLst>
+          </p:cNvPr>
+          <p:cNvSpPr txBox="1"/>
+          <p:nvPr/>
+        </p:nvSpPr>
+        <p:spPr>
+          <a:xfrm>
+            <a:off x="584745" y="2883860"/>
+            <a:ext cx="1361789" cy="307777"/>
+          </a:xfrm>
+          <a:prstGeom prst="rect">
+            <a:avLst/>
+          </a:prstGeom>
+          <a:noFill/>
+        </p:spPr>
+        <p:txBody>
+          <a:bodyPr wrap="square" rtlCol="0">
+            <a:spAutoFit/>
+          </a:bodyPr>
+          <a:lstStyle/>
+          <a:p>
+            <a:r>
+              <a:rPr lang="en-US" altLang="zh-CN" sz="1400" dirty="0"/>
+              <a:t>Previous Plan:</a:t>
+            </a:r>
+            <a:endParaRPr lang="zh-CN" altLang="en-US" sz="1400" dirty="0"/>
+          </a:p>
+        </p:txBody>
+      </p:sp>
+    </p:spTree>
+    <p:extLst>
+      <p:ext uri="{BB962C8B-B14F-4D97-AF65-F5344CB8AC3E}">
+        <p14:creationId xmlns:p14="http://schemas.microsoft.com/office/powerpoint/2010/main" val="823803985"/>
+      </p:ext>
+    </p:extLst>
+  </p:cSld>
+  <p:clrMapOvr>
+    <a:masterClrMapping/>
+  </p:clrMapOvr>
+</p:sld>
+</file>
+
+<file path=ppt/slides/slide11.xml><?xml version="1.0" encoding="utf-8"?>
+<p:sld xmlns:a="http://schemas.openxmlformats.org/drawingml/2006/main" xmlns:r="http://schemas.openxmlformats.org/officeDocument/2006/relationships" xmlns:p="http://schemas.openxmlformats.org/presentationml/2006/main">
+  <p:cSld>
+    <p:spTree>
+      <p:nvGrpSpPr>
+        <p:cNvPr id="1" name=""/>
+        <p:cNvGrpSpPr/>
+        <p:nvPr/>
+      </p:nvGrpSpPr>
+      <p:grpSpPr>
+        <a:xfrm>
+          <a:off x="0" y="0"/>
+          <a:ext cx="0" cy="0"/>
+          <a:chOff x="0" y="0"/>
+          <a:chExt cx="0" cy="0"/>
+        </a:xfrm>
+      </p:grpSpPr>
+      <p:sp>
+        <p:nvSpPr>
+          <p:cNvPr id="2" name="标题 1">
+            <a:extLst>
+              <a:ext uri="{FF2B5EF4-FFF2-40B4-BE49-F238E27FC236}">
+                <a16:creationId xmlns:a16="http://schemas.microsoft.com/office/drawing/2014/main" id="{0101B8AD-7B2E-4B6C-8101-3819280863D1}"/>
+              </a:ext>
+            </a:extLst>
+          </p:cNvPr>
+          <p:cNvSpPr>
+            <a:spLocks noGrp="1"/>
+          </p:cNvSpPr>
+          <p:nvPr>
+            <p:ph type="title"/>
+          </p:nvPr>
+        </p:nvSpPr>
+        <p:spPr/>
+        <p:txBody>
+          <a:bodyPr/>
+          <a:lstStyle/>
+          <a:p>
+            <a:r>
+              <a:rPr lang="en-US" altLang="zh-CN" dirty="0"/>
+              <a:t>CR2</a:t>
+            </a:r>
+            <a:endParaRPr lang="zh-CN" altLang="en-US" dirty="0"/>
+          </a:p>
+        </p:txBody>
+      </p:sp>
+      <p:pic>
+        <p:nvPicPr>
+          <p:cNvPr id="7" name="图片 6">
+            <a:extLst>
+              <a:ext uri="{FF2B5EF4-FFF2-40B4-BE49-F238E27FC236}">
+                <a16:creationId xmlns:a16="http://schemas.microsoft.com/office/drawing/2014/main" id="{9AD2ACD2-49C2-42FA-8108-F8B453C32E12}"/>
+              </a:ext>
+            </a:extLst>
+          </p:cNvPr>
+          <p:cNvPicPr>
+            <a:picLocks noChangeAspect="1"/>
+          </p:cNvPicPr>
+          <p:nvPr/>
+        </p:nvPicPr>
+        <p:blipFill>
+          <a:blip r:embed="rId2"/>
+          <a:stretch>
+            <a:fillRect/>
+          </a:stretch>
+        </p:blipFill>
+        <p:spPr>
+          <a:xfrm>
+            <a:off x="5966120" y="675683"/>
             <a:ext cx="4703936" cy="2373847"/>
           </a:xfrm>
           <a:prstGeom prst="rect">
@@ -3074,6 +2944,54 @@
           </a:prstGeom>
         </p:spPr>
       </p:pic>
+      <p:sp>
+        <p:nvSpPr>
+          <p:cNvPr id="6" name="文本框 5">
+            <a:extLst>
+              <a:ext uri="{FF2B5EF4-FFF2-40B4-BE49-F238E27FC236}">
+                <a16:creationId xmlns:a16="http://schemas.microsoft.com/office/drawing/2014/main" id="{78F99827-69FB-43D9-94E7-3586403EF98B}"/>
+              </a:ext>
+            </a:extLst>
+          </p:cNvPr>
+          <p:cNvSpPr txBox="1"/>
+          <p:nvPr/>
+        </p:nvSpPr>
+        <p:spPr>
+          <a:xfrm>
+            <a:off x="521207" y="3133502"/>
+            <a:ext cx="1382392" cy="307777"/>
+          </a:xfrm>
+          <a:prstGeom prst="rect">
+            <a:avLst/>
+          </a:prstGeom>
+          <a:noFill/>
+        </p:spPr>
+        <p:txBody>
+          <a:bodyPr wrap="square">
+            <a:spAutoFit/>
+          </a:bodyPr>
+          <a:lstStyle/>
+          <a:p>
+            <a:r>
+              <a:rPr lang="zh-CN" altLang="en-US" sz="1400" dirty="0"/>
+              <a:t>Current </a:t>
+            </a:r>
+            <a:r>
+              <a:rPr lang="en-US" altLang="zh-CN" sz="1400" dirty="0"/>
+              <a:t>P</a:t>
+            </a:r>
+            <a:r>
+              <a:rPr lang="zh-CN" altLang="en-US" sz="1400" dirty="0"/>
+              <a:t>lan</a:t>
+            </a:r>
+            <a:r>
+              <a:rPr lang="en-US" altLang="zh-CN" sz="1400" dirty="0"/>
+              <a:t>:</a:t>
+            </a:r>
+            <a:endParaRPr lang="zh-CN" altLang="en-US" sz="1400" dirty="0"/>
+          </a:p>
+        </p:txBody>
+      </p:sp>
     </p:spTree>
     <p:extLst>
       <p:ext uri="{BB962C8B-B14F-4D97-AF65-F5344CB8AC3E}">
@@ -3087,7 +3005,7 @@
 </p:sld>
 </file>
 
-<file path=ppt/slides/slide11.xml><?xml version="1.0" encoding="utf-8"?>
+<file path=ppt/slides/slide12.xml><?xml version="1.0" encoding="utf-8"?>
 <p:sld xmlns:a="http://schemas.openxmlformats.org/drawingml/2006/main" xmlns:r="http://schemas.openxmlformats.org/officeDocument/2006/relationships" xmlns:p="http://schemas.openxmlformats.org/presentationml/2006/main">
   <p:cSld>
     <p:spTree>
@@ -3155,8 +3073,8 @@
         </p:blipFill>
         <p:spPr>
           <a:xfrm>
-            <a:off x="690033" y="1507066"/>
-            <a:ext cx="8555567" cy="3778529"/>
+            <a:off x="791633" y="1369192"/>
+            <a:ext cx="8730870" cy="3855951"/>
           </a:xfrm>
           <a:prstGeom prst="rect">
             <a:avLst/>
@@ -3178,14 +3096,14 @@
           <p:nvPr>
             <p:extLst>
               <p:ext uri="{D42A27DB-BD31-4B8C-83A1-F6EECF244321}">
-                <p14:modId xmlns:p14="http://schemas.microsoft.com/office/powerpoint/2010/main" val="2715905335"/>
+                <p14:modId xmlns:p14="http://schemas.microsoft.com/office/powerpoint/2010/main" val="1569199119"/>
               </p:ext>
             </p:extLst>
           </p:nvPr>
         </p:nvGraphicFramePr>
         <p:xfrm>
-          <a:off x="632357" y="5600595"/>
-          <a:ext cx="8241300" cy="731520"/>
+          <a:off x="791633" y="5399750"/>
+          <a:ext cx="9817929" cy="1097280"/>
         </p:xfrm>
         <a:graphic>
           <a:graphicData uri="http://schemas.openxmlformats.org/drawingml/2006/table">
@@ -3194,14 +3112,21 @@
                 <a:tableStyleId>{5C22544A-7EE6-4342-B048-85BDC9FD1C3A}</a:tableStyleId>
               </a:tblPr>
               <a:tblGrid>
-                <a:gridCol w="4120650">
+                <a:gridCol w="3272643">
+                  <a:extLst>
+                    <a:ext uri="{9D8B030D-6E8A-4147-A177-3AD203B41FA5}">
+                      <a16:colId xmlns:a16="http://schemas.microsoft.com/office/drawing/2014/main" val="2839349483"/>
+                    </a:ext>
+                  </a:extLst>
+                </a:gridCol>
+                <a:gridCol w="3272643">
                   <a:extLst>
                     <a:ext uri="{9D8B030D-6E8A-4147-A177-3AD203B41FA5}">
                       <a16:colId xmlns:a16="http://schemas.microsoft.com/office/drawing/2014/main" val="413606176"/>
                     </a:ext>
                   </a:extLst>
                 </a:gridCol>
-                <a:gridCol w="4120650">
+                <a:gridCol w="3272643">
                   <a:extLst>
                     <a:ext uri="{9D8B030D-6E8A-4147-A177-3AD203B41FA5}">
                       <a16:colId xmlns:a16="http://schemas.microsoft.com/office/drawing/2014/main" val="3271263835"/>
@@ -3209,7 +3134,17 @@
                   </a:extLst>
                 </a:gridCol>
               </a:tblGrid>
-              <a:tr h="228870">
+              <a:tr h="209518">
+                <a:tc>
+                  <a:txBody>
+                    <a:bodyPr/>
+                    <a:lstStyle/>
+                    <a:p>
+                      <a:endParaRPr lang="zh-CN" altLang="en-US" dirty="0"/>
+                    </a:p>
+                  </a:txBody>
+                  <a:tcPr/>
+                </a:tc>
                 <a:tc>
                   <a:txBody>
                     <a:bodyPr/>
@@ -3277,6 +3212,20 @@
                     <a:p>
                       <a:r>
                         <a:rPr lang="en-US" altLang="zh-CN" dirty="0"/>
+                        <a:t>Average Time(s)</a:t>
+                      </a:r>
+                      <a:endParaRPr lang="zh-CN" altLang="en-US" dirty="0"/>
+                    </a:p>
+                  </a:txBody>
+                  <a:tcPr/>
+                </a:tc>
+                <a:tc>
+                  <a:txBody>
+                    <a:bodyPr/>
+                    <a:lstStyle/>
+                    <a:p>
+                      <a:r>
+                        <a:rPr lang="en-US" altLang="zh-CN" dirty="0"/>
                         <a:t>0.0189s</a:t>
                       </a:r>
                       <a:endParaRPr lang="zh-CN" altLang="en-US" dirty="0"/>
@@ -3304,6 +3253,55 @@
                   </a:ext>
                 </a:extLst>
               </a:tr>
+              <a:tr h="232049">
+                <a:tc>
+                  <a:txBody>
+                    <a:bodyPr/>
+                    <a:lstStyle/>
+                    <a:p>
+                      <a:r>
+                        <a:rPr lang="en-US" altLang="zh-CN" dirty="0"/>
+                        <a:t>Number of Visited Edges</a:t>
+                      </a:r>
+                      <a:endParaRPr lang="zh-CN" altLang="en-US" dirty="0"/>
+                    </a:p>
+                  </a:txBody>
+                  <a:tcPr/>
+                </a:tc>
+                <a:tc>
+                  <a:txBody>
+                    <a:bodyPr/>
+                    <a:lstStyle/>
+                    <a:p>
+                      <a:r>
+                        <a:rPr lang="en-US" altLang="zh-CN" dirty="0"/>
+                        <a:t>1023</a:t>
+                      </a:r>
+                      <a:endParaRPr lang="zh-CN" altLang="en-US" dirty="0"/>
+                    </a:p>
+                  </a:txBody>
+                  <a:tcPr/>
+                </a:tc>
+                <a:tc>
+                  <a:txBody>
+                    <a:bodyPr/>
+                    <a:lstStyle/>
+                    <a:p>
+                      <a:r>
+                        <a:rPr lang="en-US" altLang="zh-CN" dirty="0"/>
+                        <a:t>417</a:t>
+                      </a:r>
+                      <a:endParaRPr lang="zh-CN" altLang="en-US" dirty="0"/>
+                    </a:p>
+                  </a:txBody>
+                  <a:tcPr/>
+                </a:tc>
+                <a:extLst>
+                  <a:ext uri="{0D108BD9-81ED-4DB2-BD59-A6C34878D82A}">
+                    <a16:rowId xmlns:a16="http://schemas.microsoft.com/office/drawing/2014/main" val="2747208985"/>
+                  </a:ext>
+                </a:extLst>
+              </a:tr>
             </a:tbl>
           </a:graphicData>
         </a:graphic>
@@ -3321,7 +3319,7 @@
 </p:sld>
 </file>
 
-<file path=ppt/slides/slide12.xml><?xml version="1.0" encoding="utf-8"?>
+<file path=ppt/slides/slide13.xml><?xml version="1.0" encoding="utf-8"?>
 <p:sld xmlns:a="http://schemas.openxmlformats.org/drawingml/2006/main" xmlns:r="http://schemas.openxmlformats.org/officeDocument/2006/relationships" xmlns:p="http://schemas.openxmlformats.org/presentationml/2006/main">
   <p:cSld>
     <p:spTree>
@@ -3440,7 +3438,7 @@
 </p:sld>
 </file>
 
-<file path=ppt/slides/slide13.xml><?xml version="1.0" encoding="utf-8"?>
+<file path=ppt/slides/slide14.xml><?xml version="1.0" encoding="utf-8"?>
 <p:sld xmlns:a="http://schemas.openxmlformats.org/drawingml/2006/main" xmlns:r="http://schemas.openxmlformats.org/officeDocument/2006/relationships" xmlns:p="http://schemas.openxmlformats.org/presentationml/2006/main">
   <p:cSld>
     <p:spTree>
@@ -3508,7 +3506,7 @@
         </p:blipFill>
         <p:spPr>
           <a:xfrm>
-            <a:off x="3860433" y="1313691"/>
+            <a:off x="2290052" y="1354766"/>
             <a:ext cx="5288799" cy="2437172"/>
           </a:xfrm>
           <a:prstGeom prst="rect">
@@ -3595,7 +3593,7 @@
 </p:sld>
 </file>
 
-<file path=ppt/slides/slide14.xml><?xml version="1.0" encoding="utf-8"?>
+<file path=ppt/slides/slide15.xml><?xml version="1.0" encoding="utf-8"?>
 <p:sld xmlns:a="http://schemas.openxmlformats.org/drawingml/2006/main" xmlns:r="http://schemas.openxmlformats.org/officeDocument/2006/relationships" xmlns:p="http://schemas.openxmlformats.org/presentationml/2006/main">
   <p:cSld>
     <p:spTree>
@@ -3663,7 +3661,7 @@
         </p:blipFill>
         <p:spPr>
           <a:xfrm>
-            <a:off x="807201" y="1439274"/>
+            <a:off x="2273143" y="1410245"/>
             <a:ext cx="5288799" cy="2437172"/>
           </a:xfrm>
           <a:prstGeom prst="rect">
@@ -3701,6 +3699,54 @@
           </a:prstGeom>
         </p:spPr>
       </p:pic>
+      <p:sp>
+        <p:nvSpPr>
+          <p:cNvPr id="5" name="文本框 4">
+            <a:extLst>
+              <a:ext uri="{FF2B5EF4-FFF2-40B4-BE49-F238E27FC236}">
+                <a16:creationId xmlns:a16="http://schemas.microsoft.com/office/drawing/2014/main" id="{F9335F5F-203B-4B85-A2DF-303F2E1271BF}"/>
+              </a:ext>
+            </a:extLst>
+          </p:cNvPr>
+          <p:cNvSpPr txBox="1"/>
+          <p:nvPr/>
+        </p:nvSpPr>
+        <p:spPr>
+          <a:xfrm>
+            <a:off x="466030" y="3965850"/>
+            <a:ext cx="1382392" cy="307777"/>
+          </a:xfrm>
+          <a:prstGeom prst="rect">
+            <a:avLst/>
+          </a:prstGeom>
+          <a:noFill/>
+        </p:spPr>
+        <p:txBody>
+          <a:bodyPr wrap="square">
+            <a:spAutoFit/>
+          </a:bodyPr>
+          <a:lstStyle/>
+          <a:p>
+            <a:r>
+              <a:rPr lang="zh-CN" altLang="en-US" sz="1400" dirty="0"/>
+              <a:t>Current </a:t>
+            </a:r>
+            <a:r>
+              <a:rPr lang="en-US" altLang="zh-CN" sz="1400" dirty="0"/>
+              <a:t>P</a:t>
+            </a:r>
+            <a:r>
+              <a:rPr lang="zh-CN" altLang="en-US" sz="1400" dirty="0"/>
+              <a:t>lan</a:t>
+            </a:r>
+            <a:r>
+              <a:rPr lang="en-US" altLang="zh-CN" sz="1400" dirty="0"/>
+              <a:t>:</a:t>
+            </a:r>
+            <a:endParaRPr lang="zh-CN" altLang="en-US" sz="1400" dirty="0"/>
+          </a:p>
+        </p:txBody>
+      </p:sp>
     </p:spTree>
     <p:extLst>
       <p:ext uri="{BB962C8B-B14F-4D97-AF65-F5344CB8AC3E}">
@@ -3714,7 +3760,7 @@
 </p:sld>
 </file>
 
-<file path=ppt/slides/slide15.xml><?xml version="1.0" encoding="utf-8"?>
+<file path=ppt/slides/slide16.xml><?xml version="1.0" encoding="utf-8"?>
 <p:sld xmlns:a="http://schemas.openxmlformats.org/drawingml/2006/main" xmlns:r="http://schemas.openxmlformats.org/officeDocument/2006/relationships" xmlns:p="http://schemas.openxmlformats.org/presentationml/2006/main">
   <p:cSld>
     <p:spTree>
@@ -3782,7 +3828,7 @@
         </p:blipFill>
         <p:spPr>
           <a:xfrm>
-            <a:off x="680184" y="1372278"/>
+            <a:off x="864910" y="1306849"/>
             <a:ext cx="6533416" cy="3960160"/>
           </a:xfrm>
           <a:prstGeom prst="rect">
@@ -3805,14 +3851,14 @@
           <p:nvPr>
             <p:extLst>
               <p:ext uri="{D42A27DB-BD31-4B8C-83A1-F6EECF244321}">
-                <p14:modId xmlns:p14="http://schemas.microsoft.com/office/powerpoint/2010/main" val="1344135689"/>
+                <p14:modId xmlns:p14="http://schemas.microsoft.com/office/powerpoint/2010/main" val="4105852174"/>
               </p:ext>
             </p:extLst>
           </p:nvPr>
         </p:nvGraphicFramePr>
         <p:xfrm>
-          <a:off x="632357" y="5600595"/>
-          <a:ext cx="8241300" cy="731520"/>
+          <a:off x="864910" y="5312664"/>
+          <a:ext cx="9686976" cy="1097280"/>
         </p:xfrm>
         <a:graphic>
           <a:graphicData uri="http://schemas.openxmlformats.org/drawingml/2006/table">
@@ -3821,14 +3867,21 @@
                 <a:tableStyleId>{5C22544A-7EE6-4342-B048-85BDC9FD1C3A}</a:tableStyleId>
               </a:tblPr>
               <a:tblGrid>
-                <a:gridCol w="4120650">
+                <a:gridCol w="3228992">
+                  <a:extLst>
+                    <a:ext uri="{9D8B030D-6E8A-4147-A177-3AD203B41FA5}">
+                      <a16:colId xmlns:a16="http://schemas.microsoft.com/office/drawing/2014/main" val="1095762663"/>
+                    </a:ext>
+                  </a:extLst>
+                </a:gridCol>
+                <a:gridCol w="3228992">
                   <a:extLst>
                     <a:ext uri="{9D8B030D-6E8A-4147-A177-3AD203B41FA5}">
                       <a16:colId xmlns:a16="http://schemas.microsoft.com/office/drawing/2014/main" val="413606176"/>
                     </a:ext>
                   </a:extLst>
                 </a:gridCol>
-                <a:gridCol w="4120650">
+                <a:gridCol w="3228992">
                   <a:extLst>
                     <a:ext uri="{9D8B030D-6E8A-4147-A177-3AD203B41FA5}">
                       <a16:colId xmlns:a16="http://schemas.microsoft.com/office/drawing/2014/main" val="3271263835"/>
@@ -3837,6 +3890,16 @@
                 </a:gridCol>
               </a:tblGrid>
               <a:tr h="228870">
+                <a:tc>
+                  <a:txBody>
+                    <a:bodyPr/>
+                    <a:lstStyle/>
+                    <a:p>
+                      <a:endParaRPr lang="zh-CN" altLang="en-US" dirty="0"/>
+                    </a:p>
+                  </a:txBody>
+                  <a:tcPr/>
+                </a:tc>
                 <a:tc>
                   <a:txBody>
                     <a:bodyPr/>
@@ -3904,6 +3967,20 @@
                     <a:p>
                       <a:r>
                         <a:rPr lang="en-US" altLang="zh-CN" dirty="0"/>
+                        <a:t>Average Time(s)</a:t>
+                      </a:r>
+                      <a:endParaRPr lang="zh-CN" altLang="en-US" dirty="0"/>
+                    </a:p>
+                  </a:txBody>
+                  <a:tcPr/>
+                </a:tc>
+                <a:tc>
+                  <a:txBody>
+                    <a:bodyPr/>
+                    <a:lstStyle/>
+                    <a:p>
+                      <a:r>
+                        <a:rPr lang="en-US" altLang="zh-CN" dirty="0"/>
                         <a:t>0.00398s</a:t>
                       </a:r>
                       <a:endParaRPr lang="zh-CN" altLang="en-US" dirty="0"/>
@@ -3931,6 +4008,55 @@
                   </a:ext>
                 </a:extLst>
               </a:tr>
+              <a:tr h="232049">
+                <a:tc>
+                  <a:txBody>
+                    <a:bodyPr/>
+                    <a:lstStyle/>
+                    <a:p>
+                      <a:r>
+                        <a:rPr lang="en-US" altLang="zh-CN" dirty="0"/>
+                        <a:t>Number of Visited Edges</a:t>
+                      </a:r>
+                      <a:endParaRPr lang="zh-CN" altLang="en-US" dirty="0"/>
+                    </a:p>
+                  </a:txBody>
+                  <a:tcPr/>
+                </a:tc>
+                <a:tc>
+                  <a:txBody>
+                    <a:bodyPr/>
+                    <a:lstStyle/>
+                    <a:p>
+                      <a:r>
+                        <a:rPr lang="en-US" altLang="zh-CN" dirty="0"/>
+                        <a:t>145</a:t>
+                      </a:r>
+                      <a:endParaRPr lang="zh-CN" altLang="en-US" dirty="0"/>
+                    </a:p>
+                  </a:txBody>
+                  <a:tcPr/>
+                </a:tc>
+                <a:tc>
+                  <a:txBody>
+                    <a:bodyPr/>
+                    <a:lstStyle/>
+                    <a:p>
+                      <a:r>
+                        <a:rPr lang="en-US" altLang="zh-CN" dirty="0"/>
+                        <a:t>91</a:t>
+                      </a:r>
+                      <a:endParaRPr lang="zh-CN" altLang="en-US" dirty="0"/>
+                    </a:p>
+                  </a:txBody>
+                  <a:tcPr/>
+                </a:tc>
+                <a:extLst>
+                  <a:ext uri="{0D108BD9-81ED-4DB2-BD59-A6C34878D82A}">
+                    <a16:rowId xmlns:a16="http://schemas.microsoft.com/office/drawing/2014/main" val="1589662830"/>
+                  </a:ext>
+                </a:extLst>
+              </a:tr>
             </a:tbl>
           </a:graphicData>
         </a:graphic>
@@ -3948,7 +4074,7 @@
 </p:sld>
 </file>
 
-<file path=ppt/slides/slide16.xml><?xml version="1.0" encoding="utf-8"?>
+<file path=ppt/slides/slide17.xml><?xml version="1.0" encoding="utf-8"?>
 <p:sld xmlns:a="http://schemas.openxmlformats.org/drawingml/2006/main" xmlns:r="http://schemas.openxmlformats.org/officeDocument/2006/relationships" xmlns:p="http://schemas.openxmlformats.org/presentationml/2006/main">
   <p:cSld>
     <p:spTree>
@@ -4067,7 +4193,7 @@
 </p:sld>
 </file>
 
-<file path=ppt/slides/slide17.xml><?xml version="1.0" encoding="utf-8"?>
+<file path=ppt/slides/slide18.xml><?xml version="1.0" encoding="utf-8"?>
 <p:sld xmlns:a="http://schemas.openxmlformats.org/drawingml/2006/main" xmlns:r="http://schemas.openxmlformats.org/officeDocument/2006/relationships" xmlns:p="http://schemas.openxmlformats.org/presentationml/2006/main">
   <p:cSld>
     <p:spTree>
@@ -4222,7 +4348,7 @@
 </p:sld>
 </file>
 
-<file path=ppt/slides/slide18.xml><?xml version="1.0" encoding="utf-8"?>
+<file path=ppt/slides/slide19.xml><?xml version="1.0" encoding="utf-8"?>
 <p:sld xmlns:a="http://schemas.openxmlformats.org/drawingml/2006/main" xmlns:r="http://schemas.openxmlformats.org/officeDocument/2006/relationships" xmlns:p="http://schemas.openxmlformats.org/presentationml/2006/main">
   <p:cSld>
     <p:spTree>
@@ -4328,248 +4454,58 @@
           </a:prstGeom>
         </p:spPr>
       </p:pic>
+      <p:sp>
+        <p:nvSpPr>
+          <p:cNvPr id="5" name="文本框 4">
+            <a:extLst>
+              <a:ext uri="{FF2B5EF4-FFF2-40B4-BE49-F238E27FC236}">
+                <a16:creationId xmlns:a16="http://schemas.microsoft.com/office/drawing/2014/main" id="{F7F085EA-2656-4985-85E4-BCA70CFABB5E}"/>
+              </a:ext>
+            </a:extLst>
+          </p:cNvPr>
+          <p:cNvSpPr txBox="1"/>
+          <p:nvPr/>
+        </p:nvSpPr>
+        <p:spPr>
+          <a:xfrm>
+            <a:off x="521207" y="3712598"/>
+            <a:ext cx="1382392" cy="307777"/>
+          </a:xfrm>
+          <a:prstGeom prst="rect">
+            <a:avLst/>
+          </a:prstGeom>
+          <a:noFill/>
+        </p:spPr>
+        <p:txBody>
+          <a:bodyPr wrap="square">
+            <a:spAutoFit/>
+          </a:bodyPr>
+          <a:lstStyle/>
+          <a:p>
+            <a:r>
+              <a:rPr lang="zh-CN" altLang="en-US" sz="1400" dirty="0"/>
+              <a:t>Current </a:t>
+            </a:r>
+            <a:r>
+              <a:rPr lang="en-US" altLang="zh-CN" sz="1400" dirty="0"/>
+              <a:t>P</a:t>
+            </a:r>
+            <a:r>
+              <a:rPr lang="zh-CN" altLang="en-US" sz="1400" dirty="0"/>
+              <a:t>lan</a:t>
+            </a:r>
+            <a:r>
+              <a:rPr lang="en-US" altLang="zh-CN" sz="1400" dirty="0"/>
+              <a:t>:</a:t>
+            </a:r>
+            <a:endParaRPr lang="zh-CN" altLang="en-US" sz="1400" dirty="0"/>
+          </a:p>
+        </p:txBody>
+      </p:sp>
     </p:spTree>
     <p:extLst>
       <p:ext uri="{BB962C8B-B14F-4D97-AF65-F5344CB8AC3E}">
         <p14:creationId xmlns:p14="http://schemas.microsoft.com/office/powerpoint/2010/main" val="2276732299"/>
-      </p:ext>
-    </p:extLst>
-  </p:cSld>
-  <p:clrMapOvr>
-    <a:masterClrMapping/>
-  </p:clrMapOvr>
-</p:sld>
-</file>
-
-<file path=ppt/slides/slide19.xml><?xml version="1.0" encoding="utf-8"?>
-<p:sld xmlns:a="http://schemas.openxmlformats.org/drawingml/2006/main" xmlns:r="http://schemas.openxmlformats.org/officeDocument/2006/relationships" xmlns:p="http://schemas.openxmlformats.org/presentationml/2006/main">
-  <p:cSld>
-    <p:spTree>
-      <p:nvGrpSpPr>
-        <p:cNvPr id="1" name=""/>
-        <p:cNvGrpSpPr/>
-        <p:nvPr/>
-      </p:nvGrpSpPr>
-      <p:grpSpPr>
-        <a:xfrm>
-          <a:off x="0" y="0"/>
-          <a:ext cx="0" cy="0"/>
-          <a:chOff x="0" y="0"/>
-          <a:chExt cx="0" cy="0"/>
-        </a:xfrm>
-      </p:grpSpPr>
-      <p:sp>
-        <p:nvSpPr>
-          <p:cNvPr id="2" name="标题 1">
-            <a:extLst>
-              <a:ext uri="{FF2B5EF4-FFF2-40B4-BE49-F238E27FC236}">
-                <a16:creationId xmlns:a16="http://schemas.microsoft.com/office/drawing/2014/main" id="{D98791F2-D9D0-4051-96FC-5456255D9FA8}"/>
-              </a:ext>
-            </a:extLst>
-          </p:cNvPr>
-          <p:cNvSpPr>
-            <a:spLocks noGrp="1"/>
-          </p:cNvSpPr>
-          <p:nvPr>
-            <p:ph type="title"/>
-          </p:nvPr>
-        </p:nvSpPr>
-        <p:spPr/>
-        <p:txBody>
-          <a:bodyPr/>
-          <a:lstStyle/>
-          <a:p>
-            <a:r>
-              <a:rPr lang="en-US" altLang="zh-CN" dirty="0"/>
-              <a:t>CR11</a:t>
-            </a:r>
-            <a:endParaRPr lang="zh-CN" altLang="en-US" dirty="0"/>
-          </a:p>
-        </p:txBody>
-      </p:sp>
-      <p:pic>
-        <p:nvPicPr>
-          <p:cNvPr id="5" name="图片 4">
-            <a:extLst>
-              <a:ext uri="{FF2B5EF4-FFF2-40B4-BE49-F238E27FC236}">
-                <a16:creationId xmlns:a16="http://schemas.microsoft.com/office/drawing/2014/main" id="{61DD2542-1E6A-4A17-B830-0BDEDC5470F3}"/>
-              </a:ext>
-            </a:extLst>
-          </p:cNvPr>
-          <p:cNvPicPr>
-            <a:picLocks noChangeAspect="1"/>
-          </p:cNvPicPr>
-          <p:nvPr/>
-        </p:nvPicPr>
-        <p:blipFill>
-          <a:blip r:embed="rId2"/>
-          <a:stretch>
-            <a:fillRect/>
-          </a:stretch>
-        </p:blipFill>
-        <p:spPr>
-          <a:xfrm>
-            <a:off x="656167" y="1637948"/>
-            <a:ext cx="9512300" cy="3207108"/>
-          </a:xfrm>
-          <a:prstGeom prst="rect">
-            <a:avLst/>
-          </a:prstGeom>
-        </p:spPr>
-      </p:pic>
-      <p:graphicFrame>
-        <p:nvGraphicFramePr>
-          <p:cNvPr id="4" name="表格 3">
-            <a:extLst>
-              <a:ext uri="{FF2B5EF4-FFF2-40B4-BE49-F238E27FC236}">
-                <a16:creationId xmlns:a16="http://schemas.microsoft.com/office/drawing/2014/main" id="{DF20ADB2-4D82-4B03-989A-734B84D6EB79}"/>
-              </a:ext>
-            </a:extLst>
-          </p:cNvPr>
-          <p:cNvGraphicFramePr>
-            <a:graphicFrameLocks noGrp="1"/>
-          </p:cNvGraphicFramePr>
-          <p:nvPr>
-            <p:extLst>
-              <p:ext uri="{D42A27DB-BD31-4B8C-83A1-F6EECF244321}">
-                <p14:modId xmlns:p14="http://schemas.microsoft.com/office/powerpoint/2010/main" val="166709270"/>
-              </p:ext>
-            </p:extLst>
-          </p:nvPr>
-        </p:nvGraphicFramePr>
-        <p:xfrm>
-          <a:off x="656167" y="5220052"/>
-          <a:ext cx="7704062" cy="731520"/>
-        </p:xfrm>
-        <a:graphic>
-          <a:graphicData uri="http://schemas.openxmlformats.org/drawingml/2006/table">
-            <a:tbl>
-              <a:tblPr firstRow="1" bandRow="1">
-                <a:tableStyleId>{5C22544A-7EE6-4342-B048-85BDC9FD1C3A}</a:tableStyleId>
-              </a:tblPr>
-              <a:tblGrid>
-                <a:gridCol w="3852031">
-                  <a:extLst>
-                    <a:ext uri="{9D8B030D-6E8A-4147-A177-3AD203B41FA5}">
-                      <a16:colId xmlns:a16="http://schemas.microsoft.com/office/drawing/2014/main" val="413606176"/>
-                    </a:ext>
-                  </a:extLst>
-                </a:gridCol>
-                <a:gridCol w="3852031">
-                  <a:extLst>
-                    <a:ext uri="{9D8B030D-6E8A-4147-A177-3AD203B41FA5}">
-                      <a16:colId xmlns:a16="http://schemas.microsoft.com/office/drawing/2014/main" val="3271263835"/>
-                    </a:ext>
-                  </a:extLst>
-                </a:gridCol>
-              </a:tblGrid>
-              <a:tr h="228870">
-                <a:tc>
-                  <a:txBody>
-                    <a:bodyPr/>
-                    <a:lstStyle/>
-                    <a:p>
-                      <a:r>
-                        <a:rPr lang="en-US" altLang="zh-CN" dirty="0"/>
-                        <a:t>Filter after </a:t>
-                      </a:r>
-                      <a:r>
-                        <a:rPr lang="en-US" altLang="zh-CN" dirty="0" err="1"/>
-                        <a:t>VarLenExpand</a:t>
-                      </a:r>
-                      <a:endParaRPr lang="zh-CN" altLang="en-US" dirty="0"/>
-                    </a:p>
-                  </a:txBody>
-                  <a:tcPr/>
-                </a:tc>
-                <a:tc>
-                  <a:txBody>
-                    <a:bodyPr/>
-                    <a:lstStyle/>
-                    <a:p>
-                      <a:pPr marL="0" marR="0" lvl="0" indent="0" algn="l" defTabSz="914400" rtl="0" eaLnBrk="1" fontAlgn="auto" latinLnBrk="0" hangingPunct="1">
-                        <a:lnSpc>
-                          <a:spcPct val="100000"/>
-                        </a:lnSpc>
-                        <a:spcBef>
-                          <a:spcPts val="0"/>
-                        </a:spcBef>
-                        <a:spcAft>
-                          <a:spcPts val="0"/>
-                        </a:spcAft>
-                        <a:buClrTx/>
-                        <a:buSzTx/>
-                        <a:buFontTx/>
-                        <a:buNone/>
-                        <a:tabLst/>
-                        <a:defRPr/>
-                      </a:pPr>
-                      <a:r>
-                        <a:rPr lang="en-US" altLang="zh-CN" dirty="0" err="1"/>
-                        <a:t>VarLenExpand</a:t>
-                      </a:r>
-                      <a:r>
-                        <a:rPr lang="en-US" altLang="zh-CN" dirty="0"/>
-                        <a:t> </a:t>
-                      </a:r>
-                      <a:r>
-                        <a:rPr lang="en-US" altLang="zh-CN"/>
-                        <a:t>with Filter</a:t>
-                      </a:r>
-                      <a:endParaRPr lang="zh-CN" altLang="en-US" dirty="0"/>
-                    </a:p>
-                  </a:txBody>
-                  <a:tcPr/>
-                </a:tc>
-                <a:extLst>
-                  <a:ext uri="{0D108BD9-81ED-4DB2-BD59-A6C34878D82A}">
-                    <a16:rowId xmlns:a16="http://schemas.microsoft.com/office/drawing/2014/main" val="3396699398"/>
-                  </a:ext>
-                </a:extLst>
-              </a:tr>
-              <a:tr h="232049">
-                <a:tc>
-                  <a:txBody>
-                    <a:bodyPr/>
-                    <a:lstStyle/>
-                    <a:p>
-                      <a:r>
-                        <a:rPr lang="en-US" altLang="zh-CN" dirty="0"/>
-                        <a:t>0.00135s</a:t>
-                      </a:r>
-                      <a:endParaRPr lang="zh-CN" altLang="en-US" dirty="0"/>
-                    </a:p>
-                  </a:txBody>
-                  <a:tcPr/>
-                </a:tc>
-                <a:tc>
-                  <a:txBody>
-                    <a:bodyPr/>
-                    <a:lstStyle/>
-                    <a:p>
-                      <a:r>
-                        <a:rPr lang="en-US" altLang="zh-CN" dirty="0"/>
-                        <a:t>0.00145s</a:t>
-                      </a:r>
-                      <a:endParaRPr lang="zh-CN" altLang="en-US" dirty="0"/>
-                    </a:p>
-                  </a:txBody>
-                  <a:tcPr/>
-                </a:tc>
-                <a:extLst>
-                  <a:ext uri="{0D108BD9-81ED-4DB2-BD59-A6C34878D82A}">
-                    <a16:rowId xmlns:a16="http://schemas.microsoft.com/office/drawing/2014/main" val="1255447802"/>
-                  </a:ext>
-                </a:extLst>
-              </a:tr>
-            </a:tbl>
-          </a:graphicData>
-        </a:graphic>
-      </p:graphicFrame>
-    </p:spTree>
-    <p:extLst>
-      <p:ext uri="{BB962C8B-B14F-4D97-AF65-F5344CB8AC3E}">
-        <p14:creationId xmlns:p14="http://schemas.microsoft.com/office/powerpoint/2010/main" val="936453972"/>
       </p:ext>
     </p:extLst>
   </p:cSld>
@@ -4912,6 +4848,341 @@
       </p:sp>
       <p:pic>
         <p:nvPicPr>
+          <p:cNvPr id="5" name="图片 4">
+            <a:extLst>
+              <a:ext uri="{FF2B5EF4-FFF2-40B4-BE49-F238E27FC236}">
+                <a16:creationId xmlns:a16="http://schemas.microsoft.com/office/drawing/2014/main" id="{61DD2542-1E6A-4A17-B830-0BDEDC5470F3}"/>
+              </a:ext>
+            </a:extLst>
+          </p:cNvPr>
+          <p:cNvPicPr>
+            <a:picLocks noChangeAspect="1"/>
+          </p:cNvPicPr>
+          <p:nvPr/>
+        </p:nvPicPr>
+        <p:blipFill>
+          <a:blip r:embed="rId2"/>
+          <a:stretch>
+            <a:fillRect/>
+          </a:stretch>
+        </p:blipFill>
+        <p:spPr>
+          <a:xfrm>
+            <a:off x="656167" y="1637948"/>
+            <a:ext cx="9512300" cy="3207108"/>
+          </a:xfrm>
+          <a:prstGeom prst="rect">
+            <a:avLst/>
+          </a:prstGeom>
+        </p:spPr>
+      </p:pic>
+      <p:graphicFrame>
+        <p:nvGraphicFramePr>
+          <p:cNvPr id="4" name="表格 3">
+            <a:extLst>
+              <a:ext uri="{FF2B5EF4-FFF2-40B4-BE49-F238E27FC236}">
+                <a16:creationId xmlns:a16="http://schemas.microsoft.com/office/drawing/2014/main" id="{DF20ADB2-4D82-4B03-989A-734B84D6EB79}"/>
+              </a:ext>
+            </a:extLst>
+          </p:cNvPr>
+          <p:cNvGraphicFramePr>
+            <a:graphicFrameLocks noGrp="1"/>
+          </p:cNvGraphicFramePr>
+          <p:nvPr>
+            <p:extLst>
+              <p:ext uri="{D42A27DB-BD31-4B8C-83A1-F6EECF244321}">
+                <p14:modId xmlns:p14="http://schemas.microsoft.com/office/powerpoint/2010/main" val="2356825727"/>
+              </p:ext>
+            </p:extLst>
+          </p:nvPr>
+        </p:nvGraphicFramePr>
+        <p:xfrm>
+          <a:off x="656167" y="5220052"/>
+          <a:ext cx="9512301" cy="1097280"/>
+        </p:xfrm>
+        <a:graphic>
+          <a:graphicData uri="http://schemas.openxmlformats.org/drawingml/2006/table">
+            <a:tbl>
+              <a:tblPr firstRow="1" bandRow="1">
+                <a:tableStyleId>{5C22544A-7EE6-4342-B048-85BDC9FD1C3A}</a:tableStyleId>
+              </a:tblPr>
+              <a:tblGrid>
+                <a:gridCol w="3170767">
+                  <a:extLst>
+                    <a:ext uri="{9D8B030D-6E8A-4147-A177-3AD203B41FA5}">
+                      <a16:colId xmlns:a16="http://schemas.microsoft.com/office/drawing/2014/main" val="2609645232"/>
+                    </a:ext>
+                  </a:extLst>
+                </a:gridCol>
+                <a:gridCol w="3170767">
+                  <a:extLst>
+                    <a:ext uri="{9D8B030D-6E8A-4147-A177-3AD203B41FA5}">
+                      <a16:colId xmlns:a16="http://schemas.microsoft.com/office/drawing/2014/main" val="413606176"/>
+                    </a:ext>
+                  </a:extLst>
+                </a:gridCol>
+                <a:gridCol w="3170767">
+                  <a:extLst>
+                    <a:ext uri="{9D8B030D-6E8A-4147-A177-3AD203B41FA5}">
+                      <a16:colId xmlns:a16="http://schemas.microsoft.com/office/drawing/2014/main" val="3271263835"/>
+                    </a:ext>
+                  </a:extLst>
+                </a:gridCol>
+              </a:tblGrid>
+              <a:tr h="228870">
+                <a:tc>
+                  <a:txBody>
+                    <a:bodyPr/>
+                    <a:lstStyle/>
+                    <a:p>
+                      <a:endParaRPr lang="zh-CN" altLang="en-US" dirty="0"/>
+                    </a:p>
+                  </a:txBody>
+                  <a:tcPr/>
+                </a:tc>
+                <a:tc>
+                  <a:txBody>
+                    <a:bodyPr/>
+                    <a:lstStyle/>
+                    <a:p>
+                      <a:r>
+                        <a:rPr lang="en-US" altLang="zh-CN" dirty="0"/>
+                        <a:t>Filter after </a:t>
+                      </a:r>
+                      <a:r>
+                        <a:rPr lang="en-US" altLang="zh-CN" dirty="0" err="1"/>
+                        <a:t>VarLenExpand</a:t>
+                      </a:r>
+                      <a:endParaRPr lang="zh-CN" altLang="en-US" dirty="0"/>
+                    </a:p>
+                  </a:txBody>
+                  <a:tcPr/>
+                </a:tc>
+                <a:tc>
+                  <a:txBody>
+                    <a:bodyPr/>
+                    <a:lstStyle/>
+                    <a:p>
+                      <a:pPr marL="0" marR="0" lvl="0" indent="0" algn="l" defTabSz="914400" rtl="0" eaLnBrk="1" fontAlgn="auto" latinLnBrk="0" hangingPunct="1">
+                        <a:lnSpc>
+                          <a:spcPct val="100000"/>
+                        </a:lnSpc>
+                        <a:spcBef>
+                          <a:spcPts val="0"/>
+                        </a:spcBef>
+                        <a:spcAft>
+                          <a:spcPts val="0"/>
+                        </a:spcAft>
+                        <a:buClrTx/>
+                        <a:buSzTx/>
+                        <a:buFontTx/>
+                        <a:buNone/>
+                        <a:tabLst/>
+                        <a:defRPr/>
+                      </a:pPr>
+                      <a:r>
+                        <a:rPr lang="en-US" altLang="zh-CN" dirty="0" err="1"/>
+                        <a:t>VarLenExpand</a:t>
+                      </a:r>
+                      <a:r>
+                        <a:rPr lang="en-US" altLang="zh-CN" dirty="0"/>
+                        <a:t> </a:t>
+                      </a:r>
+                      <a:r>
+                        <a:rPr lang="en-US" altLang="zh-CN"/>
+                        <a:t>with Filter</a:t>
+                      </a:r>
+                      <a:endParaRPr lang="zh-CN" altLang="en-US" dirty="0"/>
+                    </a:p>
+                  </a:txBody>
+                  <a:tcPr/>
+                </a:tc>
+                <a:extLst>
+                  <a:ext uri="{0D108BD9-81ED-4DB2-BD59-A6C34878D82A}">
+                    <a16:rowId xmlns:a16="http://schemas.microsoft.com/office/drawing/2014/main" val="3396699398"/>
+                  </a:ext>
+                </a:extLst>
+              </a:tr>
+              <a:tr h="232049">
+                <a:tc>
+                  <a:txBody>
+                    <a:bodyPr/>
+                    <a:lstStyle/>
+                    <a:p>
+                      <a:r>
+                        <a:rPr lang="en-US" altLang="zh-CN" dirty="0"/>
+                        <a:t>Average Time(s)</a:t>
+                      </a:r>
+                      <a:endParaRPr lang="zh-CN" altLang="en-US" dirty="0"/>
+                    </a:p>
+                  </a:txBody>
+                  <a:tcPr/>
+                </a:tc>
+                <a:tc>
+                  <a:txBody>
+                    <a:bodyPr/>
+                    <a:lstStyle/>
+                    <a:p>
+                      <a:r>
+                        <a:rPr lang="en-US" altLang="zh-CN" dirty="0"/>
+                        <a:t>0.00165s</a:t>
+                      </a:r>
+                      <a:endParaRPr lang="zh-CN" altLang="en-US" dirty="0"/>
+                    </a:p>
+                  </a:txBody>
+                  <a:tcPr/>
+                </a:tc>
+                <a:tc>
+                  <a:txBody>
+                    <a:bodyPr/>
+                    <a:lstStyle/>
+                    <a:p>
+                      <a:r>
+                        <a:rPr lang="en-US" altLang="zh-CN" dirty="0"/>
+                        <a:t>0.00158s</a:t>
+                      </a:r>
+                      <a:endParaRPr lang="zh-CN" altLang="en-US" dirty="0"/>
+                    </a:p>
+                  </a:txBody>
+                  <a:tcPr/>
+                </a:tc>
+                <a:extLst>
+                  <a:ext uri="{0D108BD9-81ED-4DB2-BD59-A6C34878D82A}">
+                    <a16:rowId xmlns:a16="http://schemas.microsoft.com/office/drawing/2014/main" val="1255447802"/>
+                  </a:ext>
+                </a:extLst>
+              </a:tr>
+              <a:tr h="232049">
+                <a:tc>
+                  <a:txBody>
+                    <a:bodyPr/>
+                    <a:lstStyle/>
+                    <a:p>
+                      <a:r>
+                        <a:rPr lang="en-US" altLang="zh-CN" dirty="0"/>
+                        <a:t>Number of Visited Edges</a:t>
+                      </a:r>
+                      <a:endParaRPr lang="zh-CN" altLang="en-US" dirty="0"/>
+                    </a:p>
+                  </a:txBody>
+                  <a:tcPr/>
+                </a:tc>
+                <a:tc>
+                  <a:txBody>
+                    <a:bodyPr/>
+                    <a:lstStyle/>
+                    <a:p>
+                      <a:pPr marL="0" marR="0" lvl="0" indent="0" algn="l" defTabSz="914400" rtl="0" eaLnBrk="1" fontAlgn="auto" latinLnBrk="0" hangingPunct="1">
+                        <a:lnSpc>
+                          <a:spcPct val="100000"/>
+                        </a:lnSpc>
+                        <a:spcBef>
+                          <a:spcPts val="0"/>
+                        </a:spcBef>
+                        <a:spcAft>
+                          <a:spcPts val="0"/>
+                        </a:spcAft>
+                        <a:buClrTx/>
+                        <a:buSzTx/>
+                        <a:buFontTx/>
+                        <a:buNone/>
+                        <a:tabLst/>
+                        <a:defRPr/>
+                      </a:pPr>
+                      <a:r>
+                        <a:rPr lang="en-US" altLang="zh-CN" dirty="0"/>
+                        <a:t>37(id:31073) 42(id:58403)</a:t>
+                      </a:r>
+                      <a:endParaRPr lang="zh-CN" altLang="en-US" dirty="0"/>
+                    </a:p>
+                  </a:txBody>
+                  <a:tcPr/>
+                </a:tc>
+                <a:tc>
+                  <a:txBody>
+                    <a:bodyPr/>
+                    <a:lstStyle/>
+                    <a:p>
+                      <a:r>
+                        <a:rPr lang="en-US" altLang="zh-CN" dirty="0"/>
+                        <a:t>7(id:31073) 12(id:58403)</a:t>
+                      </a:r>
+                      <a:endParaRPr lang="zh-CN" altLang="en-US" dirty="0"/>
+                    </a:p>
+                  </a:txBody>
+                  <a:tcPr/>
+                </a:tc>
+                <a:extLst>
+                  <a:ext uri="{0D108BD9-81ED-4DB2-BD59-A6C34878D82A}">
+                    <a16:rowId xmlns:a16="http://schemas.microsoft.com/office/drawing/2014/main" val="894909392"/>
+                  </a:ext>
+                </a:extLst>
+              </a:tr>
+            </a:tbl>
+          </a:graphicData>
+        </a:graphic>
+      </p:graphicFrame>
+    </p:spTree>
+    <p:extLst>
+      <p:ext uri="{BB962C8B-B14F-4D97-AF65-F5344CB8AC3E}">
+        <p14:creationId xmlns:p14="http://schemas.microsoft.com/office/powerpoint/2010/main" val="936453972"/>
+      </p:ext>
+    </p:extLst>
+  </p:cSld>
+  <p:clrMapOvr>
+    <a:masterClrMapping/>
+  </p:clrMapOvr>
+</p:sld>
+</file>
+
+<file path=ppt/slides/slide21.xml><?xml version="1.0" encoding="utf-8"?>
+<p:sld xmlns:a="http://schemas.openxmlformats.org/drawingml/2006/main" xmlns:r="http://schemas.openxmlformats.org/officeDocument/2006/relationships" xmlns:p="http://schemas.openxmlformats.org/presentationml/2006/main">
+  <p:cSld>
+    <p:spTree>
+      <p:nvGrpSpPr>
+        <p:cNvPr id="1" name=""/>
+        <p:cNvGrpSpPr/>
+        <p:nvPr/>
+      </p:nvGrpSpPr>
+      <p:grpSpPr>
+        <a:xfrm>
+          <a:off x="0" y="0"/>
+          <a:ext cx="0" cy="0"/>
+          <a:chOff x="0" y="0"/>
+          <a:chExt cx="0" cy="0"/>
+        </a:xfrm>
+      </p:grpSpPr>
+      <p:sp>
+        <p:nvSpPr>
+          <p:cNvPr id="2" name="标题 1">
+            <a:extLst>
+              <a:ext uri="{FF2B5EF4-FFF2-40B4-BE49-F238E27FC236}">
+                <a16:creationId xmlns:a16="http://schemas.microsoft.com/office/drawing/2014/main" id="{D98791F2-D9D0-4051-96FC-5456255D9FA8}"/>
+              </a:ext>
+            </a:extLst>
+          </p:cNvPr>
+          <p:cNvSpPr>
+            <a:spLocks noGrp="1"/>
+          </p:cNvSpPr>
+          <p:nvPr>
+            <p:ph type="title"/>
+          </p:nvPr>
+        </p:nvSpPr>
+        <p:spPr/>
+        <p:txBody>
+          <a:bodyPr/>
+          <a:lstStyle/>
+          <a:p>
+            <a:r>
+              <a:rPr lang="en-US" altLang="zh-CN" dirty="0"/>
+              <a:t>CR11</a:t>
+            </a:r>
+            <a:endParaRPr lang="zh-CN" altLang="en-US" dirty="0"/>
+          </a:p>
+        </p:txBody>
+      </p:sp>
+      <p:pic>
+        <p:nvPicPr>
           <p:cNvPr id="6" name="图片 5">
             <a:extLst>
               <a:ext uri="{FF2B5EF4-FFF2-40B4-BE49-F238E27FC236}">
@@ -4983,7 +5254,7 @@
 </p:sld>
 </file>
 
-<file path=ppt/slides/slide21.xml><?xml version="1.0" encoding="utf-8"?>
+<file path=ppt/slides/slide22.xml><?xml version="1.0" encoding="utf-8"?>
 <p:sld xmlns:a="http://schemas.openxmlformats.org/drawingml/2006/main" xmlns:r="http://schemas.openxmlformats.org/officeDocument/2006/relationships" xmlns:p="http://schemas.openxmlformats.org/presentationml/2006/main">
   <p:cSld>
     <p:spTree>
@@ -5044,7 +5315,7 @@
           <p:nvPr>
             <p:extLst>
               <p:ext uri="{D42A27DB-BD31-4B8C-83A1-F6EECF244321}">
-                <p14:modId xmlns:p14="http://schemas.microsoft.com/office/powerpoint/2010/main" val="352203663"/>
+                <p14:modId xmlns:p14="http://schemas.microsoft.com/office/powerpoint/2010/main" val="568186750"/>
               </p:ext>
             </p:extLst>
           </p:nvPr>
@@ -5160,7 +5431,7 @@
                     <a:p>
                       <a:r>
                         <a:rPr lang="en-US" altLang="zh-CN" dirty="0"/>
-                        <a:t>125</a:t>
+                        <a:t>125.76</a:t>
                       </a:r>
                       <a:endParaRPr lang="zh-CN" altLang="en-US" dirty="0"/>
                     </a:p>
@@ -5174,7 +5445,7 @@
                     <a:p>
                       <a:r>
                         <a:rPr lang="en-US" altLang="zh-CN" dirty="0"/>
-                        <a:t>145</a:t>
+                        <a:t>145.23</a:t>
                       </a:r>
                       <a:endParaRPr lang="zh-CN" altLang="en-US" dirty="0"/>
                     </a:p>
@@ -5204,7 +5475,1010 @@
 </p:sld>
 </file>
 
-<file path=ppt/slides/slide22.xml><?xml version="1.0" encoding="utf-8"?>
+<file path=ppt/slides/slide23.xml><?xml version="1.0" encoding="utf-8"?>
+<p:sld xmlns:a="http://schemas.openxmlformats.org/drawingml/2006/main" xmlns:r="http://schemas.openxmlformats.org/officeDocument/2006/relationships" xmlns:p="http://schemas.openxmlformats.org/presentationml/2006/main">
+  <p:cSld>
+    <p:spTree>
+      <p:nvGrpSpPr>
+        <p:cNvPr id="1" name=""/>
+        <p:cNvGrpSpPr/>
+        <p:nvPr/>
+      </p:nvGrpSpPr>
+      <p:grpSpPr>
+        <a:xfrm>
+          <a:off x="0" y="0"/>
+          <a:ext cx="0" cy="0"/>
+          <a:chOff x="0" y="0"/>
+          <a:chExt cx="0" cy="0"/>
+        </a:xfrm>
+      </p:grpSpPr>
+      <p:sp>
+        <p:nvSpPr>
+          <p:cNvPr id="2" name="标题 1">
+            <a:extLst>
+              <a:ext uri="{FF2B5EF4-FFF2-40B4-BE49-F238E27FC236}">
+                <a16:creationId xmlns:a16="http://schemas.microsoft.com/office/drawing/2014/main" id="{629F21FD-80D4-4D08-A32A-F9BE06C1B5A0}"/>
+              </a:ext>
+            </a:extLst>
+          </p:cNvPr>
+          <p:cNvSpPr>
+            <a:spLocks noGrp="1"/>
+          </p:cNvSpPr>
+          <p:nvPr>
+            <p:ph type="title"/>
+          </p:nvPr>
+        </p:nvSpPr>
+        <p:spPr/>
+        <p:txBody>
+          <a:bodyPr/>
+          <a:lstStyle/>
+          <a:p>
+            <a:r>
+              <a:rPr lang="en-US" altLang="zh-CN" dirty="0"/>
+              <a:t>Future Work</a:t>
+            </a:r>
+            <a:endParaRPr lang="zh-CN" altLang="en-US" dirty="0"/>
+          </a:p>
+        </p:txBody>
+      </p:sp>
+      <p:sp>
+        <p:nvSpPr>
+          <p:cNvPr id="3" name="内容占位符 2">
+            <a:extLst>
+              <a:ext uri="{FF2B5EF4-FFF2-40B4-BE49-F238E27FC236}">
+                <a16:creationId xmlns:a16="http://schemas.microsoft.com/office/drawing/2014/main" id="{ABFB7277-0CAD-4D6B-84DA-250E466D7C8F}"/>
+              </a:ext>
+            </a:extLst>
+          </p:cNvPr>
+          <p:cNvSpPr>
+            <a:spLocks noGrp="1"/>
+          </p:cNvSpPr>
+          <p:nvPr>
+            <p:ph sz="quarter" idx="10"/>
+          </p:nvPr>
+        </p:nvSpPr>
+        <p:spPr>
+          <a:xfrm>
+            <a:off x="539495" y="1435608"/>
+            <a:ext cx="10868733" cy="3977640"/>
+          </a:xfrm>
+        </p:spPr>
+        <p:txBody>
+          <a:bodyPr>
+            <a:normAutofit/>
+          </a:bodyPr>
+          <a:lstStyle/>
+          <a:p>
+            <a:pPr marL="228600" indent="-228600">
+              <a:buFont typeface="+mj-lt"/>
+              <a:buAutoNum type="arabicPeriod"/>
+            </a:pPr>
+            <a:r>
+              <a:rPr lang="zh-CN" altLang="en-US" sz="1600" dirty="0"/>
+              <a:t>优化代码逻辑，尽量减少</a:t>
+            </a:r>
+            <a:r>
+              <a:rPr lang="en-US" altLang="zh-CN" sz="1600" dirty="0"/>
+              <a:t>flag</a:t>
+            </a:r>
+            <a:r>
+              <a:rPr lang="zh-CN" altLang="en-US" sz="1600" dirty="0"/>
+              <a:t>数量，目前有</a:t>
+            </a:r>
+            <a:r>
+              <a:rPr lang="en-US" altLang="zh-CN" sz="1600" dirty="0" err="1"/>
+              <a:t>needPop</a:t>
+            </a:r>
+            <a:r>
+              <a:rPr lang="zh-CN" altLang="en-US" sz="1600" dirty="0"/>
+              <a:t>和</a:t>
+            </a:r>
+            <a:r>
+              <a:rPr lang="en-US" altLang="zh-CN" sz="1600" dirty="0" err="1"/>
+              <a:t>needNext</a:t>
+            </a:r>
+            <a:r>
+              <a:rPr lang="zh-CN" altLang="en-US" sz="1600" dirty="0"/>
+              <a:t>两个</a:t>
+            </a:r>
+            <a:r>
+              <a:rPr lang="en-US" altLang="zh-CN" sz="1600" dirty="0"/>
+              <a:t>flag</a:t>
+            </a:r>
+            <a:r>
+              <a:rPr lang="zh-CN" altLang="en-US" sz="1600" dirty="0"/>
+              <a:t>变量用于延迟弹出和延迟搜索。</a:t>
+            </a:r>
+            <a:endParaRPr lang="en-US" altLang="zh-CN" sz="1600" dirty="0"/>
+          </a:p>
+          <a:p>
+            <a:pPr marL="228600" indent="-228600">
+              <a:buFont typeface="+mj-lt"/>
+              <a:buAutoNum type="arabicPeriod"/>
+            </a:pPr>
+            <a:r>
+              <a:rPr lang="zh-CN" altLang="en-US" sz="1600" dirty="0"/>
+              <a:t>优化</a:t>
+            </a:r>
+            <a:r>
+              <a:rPr lang="en-US" altLang="zh-CN" sz="1600" dirty="0"/>
+              <a:t>Predicate</a:t>
+            </a:r>
+            <a:r>
+              <a:rPr lang="zh-CN" altLang="en-US" sz="1600" dirty="0"/>
+              <a:t>处理，目前在代码中固定只能获取</a:t>
+            </a:r>
+            <a:r>
+              <a:rPr lang="en-US" altLang="zh-CN" sz="1600" dirty="0"/>
+              <a:t>timestamp</a:t>
+            </a:r>
+            <a:r>
+              <a:rPr lang="zh-CN" altLang="en-US" sz="1600" dirty="0"/>
+              <a:t>属性，可以扩展支持</a:t>
+            </a:r>
+            <a:r>
+              <a:rPr lang="en-US" altLang="zh-CN" sz="1600" dirty="0"/>
+              <a:t>path</a:t>
+            </a:r>
+            <a:r>
+              <a:rPr lang="zh-CN" altLang="en-US" sz="1600" dirty="0"/>
+              <a:t>的不同属性。增加支持的</a:t>
+            </a:r>
+            <a:r>
+              <a:rPr lang="en-US" altLang="zh-CN" sz="1600" dirty="0"/>
+              <a:t>Predicate</a:t>
+            </a:r>
+            <a:r>
+              <a:rPr lang="zh-CN" altLang="en-US" sz="1600" dirty="0"/>
+              <a:t>种类。</a:t>
+            </a:r>
+          </a:p>
+        </p:txBody>
+      </p:sp>
+    </p:spTree>
+    <p:extLst>
+      <p:ext uri="{BB962C8B-B14F-4D97-AF65-F5344CB8AC3E}">
+        <p14:creationId xmlns:p14="http://schemas.microsoft.com/office/powerpoint/2010/main" val="4124291057"/>
+      </p:ext>
+    </p:extLst>
+  </p:cSld>
+  <p:clrMapOvr>
+    <a:masterClrMapping/>
+  </p:clrMapOvr>
+</p:sld>
+</file>
+
+<file path=ppt/slides/slide24.xml><?xml version="1.0" encoding="utf-8"?>
+<p:sld xmlns:a="http://schemas.openxmlformats.org/drawingml/2006/main" xmlns:r="http://schemas.openxmlformats.org/officeDocument/2006/relationships" xmlns:p="http://schemas.openxmlformats.org/presentationml/2006/main">
+  <p:cSld>
+    <p:spTree>
+      <p:nvGrpSpPr>
+        <p:cNvPr id="1" name=""/>
+        <p:cNvGrpSpPr/>
+        <p:nvPr/>
+      </p:nvGrpSpPr>
+      <p:grpSpPr>
+        <a:xfrm>
+          <a:off x="0" y="0"/>
+          <a:ext cx="0" cy="0"/>
+          <a:chOff x="0" y="0"/>
+          <a:chExt cx="0" cy="0"/>
+        </a:xfrm>
+      </p:grpSpPr>
+      <p:sp>
+        <p:nvSpPr>
+          <p:cNvPr id="10" name="标题 9"/>
+          <p:cNvSpPr>
+            <a:spLocks noGrp="1"/>
+          </p:cNvSpPr>
+          <p:nvPr>
+            <p:ph type="title"/>
+          </p:nvPr>
+        </p:nvSpPr>
+        <p:spPr/>
+        <p:txBody>
+          <a:bodyPr rtlCol="0">
+            <a:normAutofit/>
+          </a:bodyPr>
+          <a:lstStyle/>
+          <a:p>
+            <a:pPr rtl="0"/>
+            <a:r>
+              <a:rPr lang="zh-CN" altLang="en-US" dirty="0">
+                <a:cs typeface="Segoe UI Light" panose="020B0502040204020203" pitchFamily="34" charset="0"/>
+              </a:rPr>
+              <a:t>感谢倾听</a:t>
+            </a:r>
+          </a:p>
+        </p:txBody>
+      </p:sp>
+      <p:sp>
+        <p:nvSpPr>
+          <p:cNvPr id="5" name="内容占位符 4"/>
+          <p:cNvSpPr>
+            <a:spLocks noGrp="1"/>
+          </p:cNvSpPr>
+          <p:nvPr>
+            <p:ph sz="half" idx="4294967295"/>
+          </p:nvPr>
+        </p:nvSpPr>
+        <p:spPr>
+          <a:xfrm>
+            <a:off x="541611" y="2614427"/>
+            <a:ext cx="9442648" cy="3978275"/>
+          </a:xfrm>
+        </p:spPr>
+        <p:txBody>
+          <a:bodyPr rtlCol="0">
+            <a:normAutofit/>
+          </a:bodyPr>
+          <a:lstStyle/>
+          <a:p>
+            <a:pPr marL="0" indent="0" rtl="0">
+              <a:lnSpc>
+                <a:spcPts val="3600"/>
+              </a:lnSpc>
+              <a:spcAft>
+                <a:spcPts val="0"/>
+              </a:spcAft>
+              <a:buNone/>
+            </a:pPr>
+            <a:r>
+              <a:rPr lang="en-US" altLang="zh-CN" sz="2000" dirty="0" err="1">
+                <a:latin typeface="Microsoft YaHei UI Light" panose="020B0502040204020203" pitchFamily="34" charset="-122"/>
+                <a:ea typeface="Microsoft YaHei UI Light" panose="020B0502040204020203" pitchFamily="34" charset="-122"/>
+                <a:cs typeface="Segoe UI Light" panose="020B0502040204020203" pitchFamily="34" charset="0"/>
+              </a:rPr>
+              <a:t>Baxujin</a:t>
+            </a:r>
+            <a:endParaRPr lang="en-US" altLang="zh-CN" sz="2000" dirty="0">
+              <a:latin typeface="Microsoft YaHei UI Light" panose="020B0502040204020203" pitchFamily="34" charset="-122"/>
+              <a:ea typeface="Microsoft YaHei UI Light" panose="020B0502040204020203" pitchFamily="34" charset="-122"/>
+              <a:cs typeface="Segoe UI Light" panose="020B0502040204020203" pitchFamily="34" charset="0"/>
+            </a:endParaRPr>
+          </a:p>
+          <a:p>
+            <a:pPr marL="0" indent="0" rtl="0">
+              <a:lnSpc>
+                <a:spcPts val="3600"/>
+              </a:lnSpc>
+              <a:spcAft>
+                <a:spcPts val="0"/>
+              </a:spcAft>
+              <a:buNone/>
+            </a:pPr>
+            <a:r>
+              <a:rPr lang="en-US" altLang="zh-CN" sz="2000" dirty="0">
+                <a:latin typeface="Microsoft YaHei UI Light" panose="020B0502040204020203" pitchFamily="34" charset="-122"/>
+                <a:ea typeface="Microsoft YaHei UI Light" panose="020B0502040204020203" pitchFamily="34" charset="-122"/>
+                <a:cs typeface="Segoe UI Light" panose="020B0502040204020203" pitchFamily="34" charset="0"/>
+              </a:rPr>
+              <a:t>24/4/3</a:t>
+            </a:r>
+            <a:endParaRPr lang="zh-CN" altLang="en-US" sz="2000" dirty="0">
+              <a:latin typeface="Microsoft YaHei UI Light" panose="020B0502040204020203" pitchFamily="34" charset="-122"/>
+              <a:ea typeface="Microsoft YaHei UI Light" panose="020B0502040204020203" pitchFamily="34" charset="-122"/>
+              <a:cs typeface="Segoe UI Light" panose="020B0502040204020203" pitchFamily="34" charset="0"/>
+            </a:endParaRPr>
+          </a:p>
+        </p:txBody>
+      </p:sp>
+    </p:spTree>
+    <p:extLst>
+      <p:ext uri="{BB962C8B-B14F-4D97-AF65-F5344CB8AC3E}">
+        <p14:creationId xmlns:p14="http://schemas.microsoft.com/office/powerpoint/2010/main" val="893025881"/>
+      </p:ext>
+    </p:extLst>
+  </p:cSld>
+  <p:clrMapOvr>
+    <a:masterClrMapping/>
+  </p:clrMapOvr>
+  <mc:AlternateContent xmlns:mc="http://schemas.openxmlformats.org/markup-compatibility/2006" xmlns:p15="http://schemas.microsoft.com/office/powerpoint/2012/main">
+    <mc:Choice Requires="p15">
+      <p:transition xmlns:p14="http://schemas.microsoft.com/office/powerpoint/2010/main" spd="slow" p14:dur="2000">
+        <p15:prstTrans prst="drape"/>
+      </p:transition>
+    </mc:Choice>
+    <mc:Fallback xmlns="">
+      <p:transition xmlns:p14="http://schemas.microsoft.com/office/powerpoint/2010/main" spd="slow">
+        <p:fade/>
+      </p:transition>
+    </mc:Fallback>
+  </mc:AlternateContent>
+</p:sld>
+</file>
+
+<file path=ppt/slides/slide3.xml><?xml version="1.0" encoding="utf-8"?>
+<p:sld xmlns:a="http://schemas.openxmlformats.org/drawingml/2006/main" xmlns:r="http://schemas.openxmlformats.org/officeDocument/2006/relationships" xmlns:p="http://schemas.openxmlformats.org/presentationml/2006/main">
+  <p:cSld>
+    <p:spTree>
+      <p:nvGrpSpPr>
+        <p:cNvPr id="1" name=""/>
+        <p:cNvGrpSpPr/>
+        <p:nvPr/>
+      </p:nvGrpSpPr>
+      <p:grpSpPr>
+        <a:xfrm>
+          <a:off x="0" y="0"/>
+          <a:ext cx="0" cy="0"/>
+          <a:chOff x="0" y="0"/>
+          <a:chExt cx="0" cy="0"/>
+        </a:xfrm>
+      </p:grpSpPr>
+      <p:sp>
+        <p:nvSpPr>
+          <p:cNvPr id="2" name="标题 1">
+            <a:extLst>
+              <a:ext uri="{FF2B5EF4-FFF2-40B4-BE49-F238E27FC236}">
+                <a16:creationId xmlns:a16="http://schemas.microsoft.com/office/drawing/2014/main" id="{5859C19E-8D73-4357-9C95-1DCBFAE220B0}"/>
+              </a:ext>
+            </a:extLst>
+          </p:cNvPr>
+          <p:cNvSpPr>
+            <a:spLocks noGrp="1"/>
+          </p:cNvSpPr>
+          <p:nvPr>
+            <p:ph type="title"/>
+          </p:nvPr>
+        </p:nvSpPr>
+        <p:spPr/>
+        <p:txBody>
+          <a:bodyPr/>
+          <a:lstStyle/>
+          <a:p>
+            <a:r>
+              <a:rPr lang="zh-CN" altLang="en-US" dirty="0"/>
+              <a:t>解决方案 </a:t>
+            </a:r>
+            <a:r>
+              <a:rPr lang="en-US" altLang="zh-CN" dirty="0"/>
+              <a:t>step2</a:t>
+            </a:r>
+            <a:endParaRPr lang="zh-CN" altLang="en-US" dirty="0"/>
+          </a:p>
+        </p:txBody>
+      </p:sp>
+      <p:sp>
+        <p:nvSpPr>
+          <p:cNvPr id="3" name="内容占位符 2">
+            <a:extLst>
+              <a:ext uri="{FF2B5EF4-FFF2-40B4-BE49-F238E27FC236}">
+                <a16:creationId xmlns:a16="http://schemas.microsoft.com/office/drawing/2014/main" id="{FFD62A50-FFD5-4D37-9753-A2EE10FF9582}"/>
+              </a:ext>
+            </a:extLst>
+          </p:cNvPr>
+          <p:cNvSpPr>
+            <a:spLocks noGrp="1"/>
+          </p:cNvSpPr>
+          <p:nvPr>
+            <p:ph sz="quarter" idx="10"/>
+          </p:nvPr>
+        </p:nvSpPr>
+        <p:spPr>
+          <a:xfrm>
+            <a:off x="539496" y="1405975"/>
+            <a:ext cx="10941304" cy="3977640"/>
+          </a:xfrm>
+        </p:spPr>
+        <p:txBody>
+          <a:bodyPr>
+            <a:normAutofit/>
+          </a:bodyPr>
+          <a:lstStyle/>
+          <a:p>
+            <a:pPr marL="342900" indent="-342900">
+              <a:buFont typeface="+mj-lt"/>
+              <a:buAutoNum type="arabicPeriod"/>
+            </a:pPr>
+            <a:r>
+              <a:rPr lang="zh-CN" altLang="en-US" sz="1600" b="0" dirty="0">
+                <a:solidFill>
+                  <a:schemeClr val="tx1"/>
+                </a:solidFill>
+                <a:effectLst/>
+                <a:latin typeface="Consolas" panose="020B0609020204030204" pitchFamily="49" charset="0"/>
+              </a:rPr>
+              <a:t>完成</a:t>
+            </a:r>
+            <a:r>
+              <a:rPr lang="en-US" altLang="zh-CN" sz="1600" b="0" dirty="0">
+                <a:solidFill>
+                  <a:schemeClr val="tx1"/>
+                </a:solidFill>
+                <a:effectLst/>
+                <a:latin typeface="Consolas" panose="020B0609020204030204" pitchFamily="49" charset="0"/>
+              </a:rPr>
+              <a:t>rule </a:t>
+            </a:r>
+            <a:r>
+              <a:rPr lang="en-US" altLang="zh-CN" sz="1600" b="0" dirty="0" err="1">
+                <a:solidFill>
+                  <a:schemeClr val="tx1"/>
+                </a:solidFill>
+                <a:effectLst/>
+                <a:latin typeface="Consolas" panose="020B0609020204030204" pitchFamily="49" charset="0"/>
+              </a:rPr>
+              <a:t>edge_filter_pushdown_varlenexpand</a:t>
+            </a:r>
+            <a:r>
+              <a:rPr lang="en-US" altLang="zh-CN" sz="1600" dirty="0">
+                <a:solidFill>
+                  <a:schemeClr val="tx1"/>
+                </a:solidFill>
+                <a:latin typeface="Consolas" panose="020B0609020204030204" pitchFamily="49" charset="0"/>
+              </a:rPr>
+              <a:t>.</a:t>
+            </a:r>
+            <a:endParaRPr lang="en-US" altLang="zh-CN" sz="1600" b="0" dirty="0">
+              <a:solidFill>
+                <a:schemeClr val="tx1"/>
+              </a:solidFill>
+              <a:effectLst/>
+              <a:latin typeface="Consolas" panose="020B0609020204030204" pitchFamily="49" charset="0"/>
+            </a:endParaRPr>
+          </a:p>
+          <a:p>
+            <a:pPr marL="342900" indent="-342900">
+              <a:buFont typeface="+mj-lt"/>
+              <a:buAutoNum type="arabicPeriod"/>
+            </a:pPr>
+            <a:r>
+              <a:rPr lang="zh-CN" altLang="en-US" sz="1600" dirty="0">
+                <a:solidFill>
+                  <a:schemeClr val="tx1"/>
+                </a:solidFill>
+                <a:latin typeface="Consolas" panose="020B0609020204030204" pitchFamily="49" charset="0"/>
+              </a:rPr>
+              <a:t>在</a:t>
+            </a:r>
+            <a:r>
+              <a:rPr lang="en-US" altLang="zh-CN" sz="1600" dirty="0">
+                <a:solidFill>
+                  <a:schemeClr val="tx1"/>
+                </a:solidFill>
+                <a:latin typeface="Consolas" panose="020B0609020204030204" pitchFamily="49" charset="0"/>
+              </a:rPr>
+              <a:t>push down edge filter</a:t>
+            </a:r>
+            <a:r>
+              <a:rPr lang="zh-CN" altLang="en-US" sz="1600" dirty="0">
+                <a:solidFill>
+                  <a:schemeClr val="tx1"/>
+                </a:solidFill>
+                <a:latin typeface="Consolas" panose="020B0609020204030204" pitchFamily="49" charset="0"/>
+              </a:rPr>
+              <a:t>的基础上修改实现，首先定位到</a:t>
+            </a:r>
+            <a:r>
+              <a:rPr lang="en-US" altLang="zh-CN" sz="1600" dirty="0" err="1">
+                <a:solidFill>
+                  <a:schemeClr val="tx1"/>
+                </a:solidFill>
+                <a:latin typeface="Consolas" panose="020B0609020204030204" pitchFamily="49" charset="0"/>
+              </a:rPr>
+              <a:t>op_filter</a:t>
+            </a:r>
+            <a:r>
+              <a:rPr lang="en-US" altLang="zh-CN" sz="1600" dirty="0">
+                <a:solidFill>
+                  <a:schemeClr val="tx1"/>
+                </a:solidFill>
+                <a:latin typeface="Consolas" panose="020B0609020204030204" pitchFamily="49" charset="0"/>
+              </a:rPr>
+              <a:t>-&gt;</a:t>
+            </a:r>
+            <a:r>
+              <a:rPr lang="en-US" altLang="zh-CN" sz="1600" dirty="0" err="1">
+                <a:solidFill>
+                  <a:schemeClr val="tx1"/>
+                </a:solidFill>
+                <a:latin typeface="Consolas" panose="020B0609020204030204" pitchFamily="49" charset="0"/>
+              </a:rPr>
+              <a:t>op_var_len_expand</a:t>
+            </a:r>
+            <a:r>
+              <a:rPr lang="zh-CN" altLang="en-US" sz="1600" dirty="0">
+                <a:solidFill>
+                  <a:schemeClr val="tx1"/>
+                </a:solidFill>
+                <a:latin typeface="Consolas" panose="020B0609020204030204" pitchFamily="49" charset="0"/>
+              </a:rPr>
+              <a:t>的结构，扫描</a:t>
+            </a:r>
+            <a:r>
+              <a:rPr lang="en-US" altLang="zh-CN" sz="1600" dirty="0">
+                <a:solidFill>
+                  <a:schemeClr val="tx1"/>
+                </a:solidFill>
+                <a:latin typeface="Consolas" panose="020B0609020204030204" pitchFamily="49" charset="0"/>
+              </a:rPr>
+              <a:t>filter</a:t>
+            </a:r>
+            <a:r>
+              <a:rPr lang="zh-CN" altLang="en-US" sz="1600" dirty="0">
+                <a:solidFill>
+                  <a:schemeClr val="tx1"/>
+                </a:solidFill>
+                <a:latin typeface="Consolas" panose="020B0609020204030204" pitchFamily="49" charset="0"/>
+              </a:rPr>
+              <a:t>将其中的条件，按照作用在边上与否分离，再将与不定跳有关的条件</a:t>
+            </a:r>
+            <a:r>
+              <a:rPr lang="en-US" altLang="zh-CN" sz="1600" dirty="0">
+                <a:solidFill>
+                  <a:schemeClr val="tx1"/>
+                </a:solidFill>
+                <a:latin typeface="Consolas" panose="020B0609020204030204" pitchFamily="49" charset="0"/>
+              </a:rPr>
+              <a:t>pushdown</a:t>
+            </a:r>
+            <a:r>
+              <a:rPr lang="zh-CN" altLang="en-US" sz="1600" dirty="0">
+                <a:solidFill>
+                  <a:schemeClr val="tx1"/>
+                </a:solidFill>
+                <a:latin typeface="Consolas" panose="020B0609020204030204" pitchFamily="49" charset="0"/>
+              </a:rPr>
+              <a:t>到算子中解析。</a:t>
+            </a:r>
+            <a:endParaRPr lang="en-US" altLang="zh-CN" sz="1600" dirty="0">
+              <a:solidFill>
+                <a:schemeClr val="tx1"/>
+              </a:solidFill>
+              <a:latin typeface="Consolas" panose="020B0609020204030204" pitchFamily="49" charset="0"/>
+            </a:endParaRPr>
+          </a:p>
+          <a:p>
+            <a:pPr marL="342900" indent="-342900">
+              <a:buFont typeface="+mj-lt"/>
+              <a:buAutoNum type="arabicPeriod"/>
+            </a:pPr>
+            <a:r>
+              <a:rPr lang="zh-CN" altLang="en-US" sz="1600" dirty="0">
+                <a:solidFill>
+                  <a:schemeClr val="tx1"/>
+                </a:solidFill>
+                <a:latin typeface="Consolas" panose="020B0609020204030204" pitchFamily="49" charset="0"/>
+              </a:rPr>
+              <a:t>算子解析</a:t>
+            </a:r>
+            <a:r>
+              <a:rPr lang="en-US" altLang="zh-CN" sz="1600" dirty="0">
+                <a:solidFill>
+                  <a:schemeClr val="tx1"/>
+                </a:solidFill>
+                <a:latin typeface="Consolas" panose="020B0609020204030204" pitchFamily="49" charset="0"/>
+              </a:rPr>
+              <a:t>filter</a:t>
+            </a:r>
+            <a:r>
+              <a:rPr lang="zh-CN" altLang="en-US" sz="1600" dirty="0">
+                <a:solidFill>
+                  <a:schemeClr val="tx1"/>
+                </a:solidFill>
+                <a:latin typeface="Consolas" panose="020B0609020204030204" pitchFamily="49" charset="0"/>
+              </a:rPr>
+              <a:t>，</a:t>
+            </a:r>
+            <a:r>
+              <a:rPr lang="zh-CN" altLang="en-US" sz="1600" b="0" dirty="0">
+                <a:solidFill>
+                  <a:schemeClr val="tx1"/>
+                </a:solidFill>
+                <a:effectLst/>
+                <a:latin typeface="Consolas" panose="020B0609020204030204" pitchFamily="49" charset="0"/>
+              </a:rPr>
+              <a:t>对作用在</a:t>
+            </a:r>
+            <a:r>
+              <a:rPr lang="en-US" altLang="zh-CN" sz="1600" b="0" dirty="0" err="1">
+                <a:solidFill>
+                  <a:schemeClr val="tx1"/>
+                </a:solidFill>
+                <a:effectLst/>
+                <a:latin typeface="Consolas" panose="020B0609020204030204" pitchFamily="49" charset="0"/>
+              </a:rPr>
+              <a:t>path.</a:t>
+            </a:r>
+            <a:r>
+              <a:rPr lang="en-US" altLang="zh-CN" sz="1600" dirty="0" err="1">
+                <a:solidFill>
+                  <a:schemeClr val="tx1"/>
+                </a:solidFill>
+                <a:latin typeface="Consolas" panose="020B0609020204030204" pitchFamily="49" charset="0"/>
+              </a:rPr>
+              <a:t>timestamp</a:t>
+            </a:r>
+            <a:r>
+              <a:rPr lang="zh-CN" altLang="en-US" sz="1600" dirty="0">
+                <a:solidFill>
+                  <a:schemeClr val="tx1"/>
+                </a:solidFill>
+                <a:latin typeface="Consolas" panose="020B0609020204030204" pitchFamily="49" charset="0"/>
+              </a:rPr>
+              <a:t>上的</a:t>
+            </a:r>
+            <a:r>
+              <a:rPr lang="en-US" altLang="zh-CN" sz="1600" dirty="0">
+                <a:solidFill>
+                  <a:schemeClr val="tx1"/>
+                </a:solidFill>
+                <a:latin typeface="Consolas" panose="020B0609020204030204" pitchFamily="49" charset="0"/>
+              </a:rPr>
+              <a:t>6</a:t>
+            </a:r>
+            <a:r>
+              <a:rPr lang="zh-CN" altLang="en-US" sz="1600" dirty="0">
+                <a:solidFill>
+                  <a:schemeClr val="tx1"/>
+                </a:solidFill>
+                <a:latin typeface="Consolas" panose="020B0609020204030204" pitchFamily="49" charset="0"/>
+              </a:rPr>
+              <a:t>种函数</a:t>
+            </a:r>
+            <a:r>
+              <a:rPr lang="en-US" altLang="zh-CN" sz="1600" dirty="0">
+                <a:solidFill>
+                  <a:schemeClr val="tx1"/>
+                </a:solidFill>
+                <a:latin typeface="Consolas" panose="020B0609020204030204" pitchFamily="49" charset="0"/>
+              </a:rPr>
+              <a:t>filter</a:t>
+            </a:r>
+            <a:r>
+              <a:rPr lang="zh-CN" altLang="en-US" sz="1600" dirty="0">
+                <a:solidFill>
+                  <a:schemeClr val="tx1"/>
+                </a:solidFill>
+                <a:latin typeface="Consolas" panose="020B0609020204030204" pitchFamily="49" charset="0"/>
+              </a:rPr>
+              <a:t>，分别处理。构建</a:t>
+            </a:r>
+            <a:r>
+              <a:rPr lang="en-US" altLang="zh-CN" sz="1600" dirty="0">
+                <a:solidFill>
+                  <a:schemeClr val="tx1"/>
+                </a:solidFill>
+                <a:latin typeface="Consolas" panose="020B0609020204030204" pitchFamily="49" charset="0"/>
+              </a:rPr>
+              <a:t>Predicate</a:t>
+            </a:r>
+            <a:r>
+              <a:rPr lang="zh-CN" altLang="en-US" sz="1600" dirty="0">
+                <a:solidFill>
+                  <a:schemeClr val="tx1"/>
+                </a:solidFill>
+                <a:latin typeface="Consolas" panose="020B0609020204030204" pitchFamily="49" charset="0"/>
+              </a:rPr>
+              <a:t>类，用于不同子类对应不同函数类型，其中保存比较运算符以及操作数。</a:t>
+            </a:r>
+            <a:br>
+              <a:rPr lang="zh-CN" altLang="en-US" sz="1600" b="0" dirty="0">
+                <a:solidFill>
+                  <a:schemeClr val="tx1"/>
+                </a:solidFill>
+                <a:effectLst/>
+                <a:latin typeface="Consolas" panose="020B0609020204030204" pitchFamily="49" charset="0"/>
+              </a:rPr>
+            </a:br>
+            <a:endParaRPr lang="zh-CN" altLang="en-US" sz="1600" dirty="0">
+              <a:solidFill>
+                <a:schemeClr val="tx1"/>
+              </a:solidFill>
+            </a:endParaRPr>
+          </a:p>
+        </p:txBody>
+      </p:sp>
+      <p:pic>
+        <p:nvPicPr>
+          <p:cNvPr id="5" name="图片 4">
+            <a:extLst>
+              <a:ext uri="{FF2B5EF4-FFF2-40B4-BE49-F238E27FC236}">
+                <a16:creationId xmlns:a16="http://schemas.microsoft.com/office/drawing/2014/main" id="{D837D8CD-815F-4799-95F0-F7BFB41A4EF5}"/>
+              </a:ext>
+            </a:extLst>
+          </p:cNvPr>
+          <p:cNvPicPr>
+            <a:picLocks noChangeAspect="1"/>
+          </p:cNvPicPr>
+          <p:nvPr/>
+        </p:nvPicPr>
+        <p:blipFill>
+          <a:blip r:embed="rId2"/>
+          <a:stretch>
+            <a:fillRect/>
+          </a:stretch>
+        </p:blipFill>
+        <p:spPr>
+          <a:xfrm>
+            <a:off x="5813003" y="3640729"/>
+            <a:ext cx="5647952" cy="2552073"/>
+          </a:xfrm>
+          <a:prstGeom prst="rect">
+            <a:avLst/>
+          </a:prstGeom>
+        </p:spPr>
+      </p:pic>
+    </p:spTree>
+    <p:extLst>
+      <p:ext uri="{BB962C8B-B14F-4D97-AF65-F5344CB8AC3E}">
+        <p14:creationId xmlns:p14="http://schemas.microsoft.com/office/powerpoint/2010/main" val="527464042"/>
+      </p:ext>
+    </p:extLst>
+  </p:cSld>
+  <p:clrMapOvr>
+    <a:masterClrMapping/>
+  </p:clrMapOvr>
+</p:sld>
+</file>
+
+<file path=ppt/slides/slide4.xml><?xml version="1.0" encoding="utf-8"?>
+<p:sld xmlns:a="http://schemas.openxmlformats.org/drawingml/2006/main" xmlns:r="http://schemas.openxmlformats.org/officeDocument/2006/relationships" xmlns:p="http://schemas.openxmlformats.org/presentationml/2006/main">
+  <p:cSld>
+    <p:spTree>
+      <p:nvGrpSpPr>
+        <p:cNvPr id="1" name=""/>
+        <p:cNvGrpSpPr/>
+        <p:nvPr/>
+      </p:nvGrpSpPr>
+      <p:grpSpPr>
+        <a:xfrm>
+          <a:off x="0" y="0"/>
+          <a:ext cx="0" cy="0"/>
+          <a:chOff x="0" y="0"/>
+          <a:chExt cx="0" cy="0"/>
+        </a:xfrm>
+      </p:grpSpPr>
+      <p:sp>
+        <p:nvSpPr>
+          <p:cNvPr id="2" name="标题 1">
+            <a:extLst>
+              <a:ext uri="{FF2B5EF4-FFF2-40B4-BE49-F238E27FC236}">
+                <a16:creationId xmlns:a16="http://schemas.microsoft.com/office/drawing/2014/main" id="{5859C19E-8D73-4357-9C95-1DCBFAE220B0}"/>
+              </a:ext>
+            </a:extLst>
+          </p:cNvPr>
+          <p:cNvSpPr>
+            <a:spLocks noGrp="1"/>
+          </p:cNvSpPr>
+          <p:nvPr>
+            <p:ph type="title"/>
+          </p:nvPr>
+        </p:nvSpPr>
+        <p:spPr/>
+        <p:txBody>
+          <a:bodyPr/>
+          <a:lstStyle/>
+          <a:p>
+            <a:r>
+              <a:rPr lang="zh-CN" altLang="en-US" dirty="0"/>
+              <a:t>解决方案 </a:t>
+            </a:r>
+            <a:r>
+              <a:rPr lang="en-US" altLang="zh-CN" dirty="0"/>
+              <a:t>step3</a:t>
+            </a:r>
+            <a:endParaRPr lang="zh-CN" altLang="en-US" dirty="0"/>
+          </a:p>
+        </p:txBody>
+      </p:sp>
+      <p:sp>
+        <p:nvSpPr>
+          <p:cNvPr id="3" name="内容占位符 2">
+            <a:extLst>
+              <a:ext uri="{FF2B5EF4-FFF2-40B4-BE49-F238E27FC236}">
+                <a16:creationId xmlns:a16="http://schemas.microsoft.com/office/drawing/2014/main" id="{FFD62A50-FFD5-4D37-9753-A2EE10FF9582}"/>
+              </a:ext>
+            </a:extLst>
+          </p:cNvPr>
+          <p:cNvSpPr>
+            <a:spLocks noGrp="1"/>
+          </p:cNvSpPr>
+          <p:nvPr>
+            <p:ph sz="quarter" idx="10"/>
+          </p:nvPr>
+        </p:nvSpPr>
+        <p:spPr>
+          <a:xfrm>
+            <a:off x="539496" y="1405975"/>
+            <a:ext cx="10941304" cy="3977640"/>
+          </a:xfrm>
+        </p:spPr>
+        <p:txBody>
+          <a:bodyPr>
+            <a:normAutofit/>
+          </a:bodyPr>
+          <a:lstStyle/>
+          <a:p>
+            <a:pPr marL="342900" indent="-342900">
+              <a:buFont typeface="+mj-lt"/>
+              <a:buAutoNum type="arabicPeriod"/>
+            </a:pPr>
+            <a:r>
+              <a:rPr lang="zh-CN" altLang="en-US" sz="1600" dirty="0">
+                <a:solidFill>
+                  <a:schemeClr val="tx1"/>
+                </a:solidFill>
+                <a:latin typeface="Consolas" panose="020B0609020204030204" pitchFamily="49" charset="0"/>
+              </a:rPr>
+              <a:t>在</a:t>
+            </a:r>
+            <a:r>
+              <a:rPr lang="en-US" altLang="zh-CN" sz="1600" dirty="0">
+                <a:solidFill>
+                  <a:schemeClr val="tx1"/>
+                </a:solidFill>
+                <a:latin typeface="Consolas" panose="020B0609020204030204" pitchFamily="49" charset="0"/>
+              </a:rPr>
+              <a:t>step1</a:t>
+            </a:r>
+            <a:r>
+              <a:rPr lang="zh-CN" altLang="en-US" sz="1600" dirty="0">
+                <a:solidFill>
+                  <a:schemeClr val="tx1"/>
+                </a:solidFill>
+                <a:latin typeface="Consolas" panose="020B0609020204030204" pitchFamily="49" charset="0"/>
+              </a:rPr>
+              <a:t>的基础上修改，在每次入栈后，运行检查，只有通过所有条件的</a:t>
+            </a:r>
+            <a:r>
+              <a:rPr lang="en-US" altLang="zh-CN" sz="1600" dirty="0">
+                <a:solidFill>
+                  <a:schemeClr val="tx1"/>
+                </a:solidFill>
+                <a:latin typeface="Consolas" panose="020B0609020204030204" pitchFamily="49" charset="0"/>
+              </a:rPr>
+              <a:t>path</a:t>
+            </a:r>
+            <a:r>
+              <a:rPr lang="zh-CN" altLang="en-US" sz="1600" dirty="0">
+                <a:solidFill>
+                  <a:schemeClr val="tx1"/>
+                </a:solidFill>
+                <a:latin typeface="Consolas" panose="020B0609020204030204" pitchFamily="49" charset="0"/>
+              </a:rPr>
+              <a:t>才会保留。一旦发现当前已经不满足条件了，如升序降序或者最大值最小值要求等，那么执行出栈和</a:t>
+            </a:r>
+            <a:r>
+              <a:rPr lang="en-US" altLang="zh-CN" sz="1600" dirty="0">
+                <a:solidFill>
+                  <a:schemeClr val="tx1"/>
+                </a:solidFill>
+                <a:latin typeface="Consolas" panose="020B0609020204030204" pitchFamily="49" charset="0"/>
+              </a:rPr>
+              <a:t>continue</a:t>
+            </a:r>
+            <a:r>
+              <a:rPr lang="zh-CN" altLang="en-US" sz="1600" dirty="0">
+                <a:solidFill>
+                  <a:schemeClr val="tx1"/>
+                </a:solidFill>
+                <a:latin typeface="Consolas" panose="020B0609020204030204" pitchFamily="49" charset="0"/>
+              </a:rPr>
+              <a:t>的操作，搜索当前点的下一条边，起到了提前过滤的作用。</a:t>
+            </a:r>
+            <a:endParaRPr lang="en-US" altLang="zh-CN" sz="1600" dirty="0">
+              <a:solidFill>
+                <a:schemeClr val="tx1"/>
+              </a:solidFill>
+              <a:latin typeface="Consolas" panose="020B0609020204030204" pitchFamily="49" charset="0"/>
+            </a:endParaRPr>
+          </a:p>
+          <a:p>
+            <a:pPr marL="342900" indent="-342900">
+              <a:buFont typeface="+mj-lt"/>
+              <a:buAutoNum type="arabicPeriod"/>
+            </a:pPr>
+            <a:r>
+              <a:rPr lang="zh-CN" altLang="en-US" sz="1600" b="0" dirty="0">
+                <a:solidFill>
+                  <a:schemeClr val="tx1"/>
+                </a:solidFill>
+                <a:effectLst/>
+                <a:latin typeface="Consolas" panose="020B0609020204030204" pitchFamily="49" charset="0"/>
+              </a:rPr>
+              <a:t>设计没有采用增量维护的方式，而是每一次会检查当前</a:t>
+            </a:r>
+            <a:r>
+              <a:rPr lang="en-US" altLang="zh-CN" sz="1600" b="0" dirty="0">
+                <a:solidFill>
+                  <a:schemeClr val="tx1"/>
+                </a:solidFill>
+                <a:effectLst/>
+                <a:latin typeface="Consolas" panose="020B0609020204030204" pitchFamily="49" charset="0"/>
+              </a:rPr>
+              <a:t>path</a:t>
+            </a:r>
+            <a:r>
+              <a:rPr lang="zh-CN" altLang="en-US" sz="1600" b="0" dirty="0">
+                <a:solidFill>
+                  <a:schemeClr val="tx1"/>
+                </a:solidFill>
+                <a:effectLst/>
+                <a:latin typeface="Consolas" panose="020B0609020204030204" pitchFamily="49" charset="0"/>
+              </a:rPr>
+              <a:t>的所有边</a:t>
+            </a:r>
+            <a:r>
+              <a:rPr lang="zh-CN" altLang="en-US" sz="1600" dirty="0">
+                <a:solidFill>
+                  <a:schemeClr val="tx1"/>
+                </a:solidFill>
+                <a:latin typeface="Consolas" panose="020B0609020204030204" pitchFamily="49" charset="0"/>
+              </a:rPr>
+              <a:t>，例如：要求最小值在某个范围内，就全部扫描找到最小值，再判断是否满足条件。</a:t>
+            </a:r>
+            <a:r>
+              <a:rPr lang="zh-CN" altLang="en-US" sz="1600" b="0" dirty="0">
+                <a:solidFill>
+                  <a:schemeClr val="tx1"/>
+                </a:solidFill>
+                <a:effectLst/>
+                <a:latin typeface="Consolas" panose="020B0609020204030204" pitchFamily="49" charset="0"/>
+              </a:rPr>
+              <a:t>好处在于可以方便迁移到难以实现增量维护的条件要求。</a:t>
+            </a:r>
+            <a:br>
+              <a:rPr lang="zh-CN" altLang="en-US" sz="1600" b="0" dirty="0">
+                <a:solidFill>
+                  <a:schemeClr val="tx1"/>
+                </a:solidFill>
+                <a:effectLst/>
+                <a:latin typeface="Consolas" panose="020B0609020204030204" pitchFamily="49" charset="0"/>
+              </a:rPr>
+            </a:br>
+            <a:endParaRPr lang="zh-CN" altLang="en-US" sz="1600" dirty="0">
+              <a:solidFill>
+                <a:schemeClr val="tx1"/>
+              </a:solidFill>
+            </a:endParaRPr>
+          </a:p>
+        </p:txBody>
+      </p:sp>
+      <p:pic>
+        <p:nvPicPr>
+          <p:cNvPr id="6" name="图片 5">
+            <a:extLst>
+              <a:ext uri="{FF2B5EF4-FFF2-40B4-BE49-F238E27FC236}">
+                <a16:creationId xmlns:a16="http://schemas.microsoft.com/office/drawing/2014/main" id="{4A712C00-DDE9-4050-A619-7D54DBDE90AF}"/>
+              </a:ext>
+            </a:extLst>
+          </p:cNvPr>
+          <p:cNvPicPr>
+            <a:picLocks noChangeAspect="1"/>
+          </p:cNvPicPr>
+          <p:nvPr/>
+        </p:nvPicPr>
+        <p:blipFill>
+          <a:blip r:embed="rId2"/>
+          <a:stretch>
+            <a:fillRect/>
+          </a:stretch>
+        </p:blipFill>
+        <p:spPr>
+          <a:xfrm>
+            <a:off x="813236" y="3968732"/>
+            <a:ext cx="6063311" cy="2087979"/>
+          </a:xfrm>
+          <a:prstGeom prst="rect">
+            <a:avLst/>
+          </a:prstGeom>
+        </p:spPr>
+      </p:pic>
+    </p:spTree>
+    <p:extLst>
+      <p:ext uri="{BB962C8B-B14F-4D97-AF65-F5344CB8AC3E}">
+        <p14:creationId xmlns:p14="http://schemas.microsoft.com/office/powerpoint/2010/main" val="3829620442"/>
+      </p:ext>
+    </p:extLst>
+  </p:cSld>
+  <p:clrMapOvr>
+    <a:masterClrMapping/>
+  </p:clrMapOvr>
+</p:sld>
+</file>
+
+<file path=ppt/slides/slide5.xml><?xml version="1.0" encoding="utf-8"?>
 <p:sld xmlns:a="http://schemas.openxmlformats.org/drawingml/2006/main" xmlns:r="http://schemas.openxmlformats.org/officeDocument/2006/relationships" xmlns:p="http://schemas.openxmlformats.org/presentationml/2006/main">
   <p:cSld>
     <p:spTree>
@@ -5258,7 +6532,7 @@
         </p:nvSpPr>
         <p:spPr>
           <a:xfrm>
-            <a:off x="541610" y="1524708"/>
+            <a:off x="521207" y="1493241"/>
             <a:ext cx="4321704" cy="3871518"/>
           </a:xfrm>
           <a:prstGeom prst="rect">
@@ -5465,10 +6739,13 @@
           </a:lstStyle>
           <a:p>
             <a:pPr marL="0" indent="0">
+              <a:lnSpc>
+                <a:spcPct val="100000"/>
+              </a:lnSpc>
               <a:buNone/>
             </a:pPr>
             <a:r>
-              <a:rPr lang="zh-CN" altLang="en-US" sz="1800" b="1" dirty="0">
+              <a:rPr lang="zh-CN" altLang="en-US" sz="2400" b="1" dirty="0">
                 <a:solidFill>
                   <a:schemeClr val="tx1"/>
                 </a:solidFill>
@@ -5477,7 +6754,7 @@
               </a:rPr>
               <a:t>定义</a:t>
             </a:r>
-            <a:endParaRPr lang="en-US" altLang="zh-CN" sz="1800" b="1" dirty="0">
+            <a:endParaRPr lang="en-US" altLang="zh-CN" sz="2400" b="1" dirty="0">
               <a:solidFill>
                 <a:schemeClr val="tx1"/>
               </a:solidFill>
@@ -5487,82 +6764,24 @@
           </a:p>
           <a:p>
             <a:pPr marL="0" indent="0">
+              <a:lnSpc>
+                <a:spcPct val="100000"/>
+              </a:lnSpc>
               <a:buNone/>
             </a:pPr>
             <a:r>
-              <a:rPr lang="zh-CN" altLang="en-US" sz="1600" b="0" dirty="0">
+              <a:rPr lang="zh-CN" altLang="en-US" sz="2000" dirty="0">
                 <a:solidFill>
                   <a:schemeClr val="tx1"/>
                 </a:solidFill>
-                <a:effectLst/>
                 <a:latin typeface="Consolas" panose="020B0609020204030204" pitchFamily="49" charset="0"/>
               </a:rPr>
-              <a:t>定义一个指标，能够用来证明该方案边剪枝边搜索的优化性能。</a:t>
-            </a:r>
-            <a:endParaRPr lang="en-US" altLang="zh-CN" sz="1600" b="0" dirty="0">
+              <a:t>使用剪枝过滤方案后能够减少的访问边的数量。</a:t>
+            </a:r>
+            <a:endParaRPr lang="en-US" altLang="zh-CN" sz="2000" dirty="0">
               <a:solidFill>
                 <a:schemeClr val="tx1"/>
               </a:solidFill>
-              <a:effectLst/>
-              <a:latin typeface="Consolas" panose="020B0609020204030204" pitchFamily="49" charset="0"/>
-            </a:endParaRPr>
-          </a:p>
-          <a:p>
-            <a:pPr marL="0" indent="0">
-              <a:buNone/>
-            </a:pPr>
-            <a:r>
-              <a:rPr lang="zh-CN" altLang="en-US" sz="1600" b="0" dirty="0">
-                <a:solidFill>
-                  <a:schemeClr val="tx1"/>
-                </a:solidFill>
-                <a:effectLst/>
-                <a:latin typeface="Consolas" panose="020B0609020204030204" pitchFamily="49" charset="0"/>
-              </a:rPr>
-              <a:t>体现为使用该方案能够提早删除的</a:t>
-            </a:r>
-            <a:r>
-              <a:rPr lang="en-US" altLang="zh-CN" sz="1600" b="0" dirty="0">
-                <a:solidFill>
-                  <a:schemeClr val="tx1"/>
-                </a:solidFill>
-                <a:effectLst/>
-                <a:latin typeface="Consolas" panose="020B0609020204030204" pitchFamily="49" charset="0"/>
-              </a:rPr>
-              <a:t>path</a:t>
-            </a:r>
-            <a:r>
-              <a:rPr lang="zh-CN" altLang="en-US" sz="1600" b="0" dirty="0">
-                <a:solidFill>
-                  <a:schemeClr val="tx1"/>
-                </a:solidFill>
-                <a:effectLst/>
-                <a:latin typeface="Consolas" panose="020B0609020204030204" pitchFamily="49" charset="0"/>
-              </a:rPr>
-              <a:t>的数量。</a:t>
-            </a:r>
-            <a:endParaRPr lang="en-US" altLang="zh-CN" sz="1600" b="0" dirty="0">
-              <a:solidFill>
-                <a:schemeClr val="tx1"/>
-              </a:solidFill>
-              <a:effectLst/>
-              <a:latin typeface="Consolas" panose="020B0609020204030204" pitchFamily="49" charset="0"/>
-            </a:endParaRPr>
-          </a:p>
-          <a:p>
-            <a:endParaRPr lang="en-US" altLang="zh-CN" dirty="0">
-              <a:solidFill>
-                <a:schemeClr val="tx1"/>
-              </a:solidFill>
-              <a:latin typeface="Consolas" panose="020B0609020204030204" pitchFamily="49" charset="0"/>
-            </a:endParaRPr>
-          </a:p>
-          <a:p>
-            <a:endParaRPr lang="zh-CN" altLang="en-US" b="0" dirty="0">
-              <a:solidFill>
-                <a:schemeClr val="tx1"/>
-              </a:solidFill>
-              <a:effectLst/>
               <a:latin typeface="Consolas" panose="020B0609020204030204" pitchFamily="49" charset="0"/>
             </a:endParaRPr>
           </a:p>
@@ -5583,7 +6802,7 @@
         <p:spPr>
           <a:xfrm>
             <a:off x="6096000" y="1524708"/>
-            <a:ext cx="5075767" cy="2893100"/>
+            <a:ext cx="5075767" cy="2369880"/>
           </a:xfrm>
           <a:prstGeom prst="rect">
             <a:avLst/>
@@ -5597,269 +6816,84 @@
           <a:lstStyle/>
           <a:p>
             <a:r>
-              <a:rPr lang="zh-CN" altLang="en-US" b="1" dirty="0">
+              <a:rPr lang="zh-CN" altLang="en-US" sz="2400" b="1" dirty="0">
                 <a:effectLst/>
                 <a:latin typeface="Consolas" panose="020B0609020204030204" pitchFamily="49" charset="0"/>
               </a:rPr>
               <a:t>统计方案</a:t>
             </a:r>
-            <a:endParaRPr lang="zh-CN" altLang="en-US" b="0" dirty="0">
+            <a:endParaRPr lang="en-US" altLang="zh-CN" sz="2400" b="1" dirty="0">
               <a:effectLst/>
               <a:latin typeface="Consolas" panose="020B0609020204030204" pitchFamily="49" charset="0"/>
             </a:endParaRPr>
           </a:p>
           <a:p>
-            <a:br>
-              <a:rPr lang="zh-CN" altLang="en-US" b="0" dirty="0">
-                <a:effectLst/>
+            <a:endParaRPr lang="zh-CN" altLang="en-US" sz="2400" b="0" dirty="0">
+              <a:effectLst/>
+              <a:latin typeface="Consolas" panose="020B0609020204030204" pitchFamily="49" charset="0"/>
+            </a:endParaRPr>
+          </a:p>
+          <a:p>
+            <a:pPr marL="342900" indent="-342900">
+              <a:buFont typeface="+mj-lt"/>
+              <a:buAutoNum type="arabicPeriod"/>
+            </a:pPr>
+            <a:r>
+              <a:rPr lang="zh-CN" altLang="en-US" sz="2000" dirty="0">
                 <a:latin typeface="Consolas" panose="020B0609020204030204" pitchFamily="49" charset="0"/>
               </a:rPr>
-            </a:br>
-            <a:r>
-              <a:rPr lang="en-US" altLang="zh-CN" sz="1600" b="0" dirty="0">
-                <a:effectLst/>
+              <a:t>在</a:t>
+            </a:r>
+            <a:r>
+              <a:rPr lang="en-US" altLang="zh-CN" sz="2000" dirty="0" err="1">
                 <a:latin typeface="Consolas" panose="020B0609020204030204" pitchFamily="49" charset="0"/>
               </a:rPr>
-              <a:t>1.</a:t>
-            </a:r>
-            <a:r>
-              <a:rPr lang="zh-CN" altLang="en-US" sz="1600" b="0" dirty="0">
-                <a:effectLst/>
+              <a:t>ctx</a:t>
+            </a:r>
+            <a:r>
+              <a:rPr lang="zh-CN" altLang="en-US" sz="2000" dirty="0">
                 <a:latin typeface="Consolas" panose="020B0609020204030204" pitchFamily="49" charset="0"/>
               </a:rPr>
-              <a:t> 定位到</a:t>
-            </a:r>
-            <a:r>
-              <a:rPr lang="en-US" altLang="zh-CN" sz="1600" b="0" dirty="0" err="1">
-                <a:effectLst/>
+              <a:t>中加入计数器，传入算子。</a:t>
+            </a:r>
+            <a:endParaRPr lang="en-US" altLang="zh-CN" sz="2000" dirty="0">
+              <a:latin typeface="Consolas" panose="020B0609020204030204" pitchFamily="49" charset="0"/>
+            </a:endParaRPr>
+          </a:p>
+          <a:p>
+            <a:pPr marL="342900" indent="-342900">
+              <a:buFont typeface="+mj-lt"/>
+              <a:buAutoNum type="arabicPeriod"/>
+            </a:pPr>
+            <a:r>
+              <a:rPr lang="zh-CN" altLang="en-US" sz="2000" dirty="0">
                 <a:latin typeface="Consolas" panose="020B0609020204030204" pitchFamily="49" charset="0"/>
               </a:rPr>
-              <a:t>op_var_len_expand</a:t>
-            </a:r>
-            <a:r>
-              <a:rPr lang="zh-CN" altLang="en-US" sz="1600" b="0" dirty="0">
-                <a:effectLst/>
+              <a:t>在算子中，每次访问新的边，同步更新计数器，记录下该算子一共访问的边的数量。</a:t>
+            </a:r>
+            <a:endParaRPr lang="en-US" altLang="zh-CN" sz="2000" dirty="0">
+              <a:latin typeface="Consolas" panose="020B0609020204030204" pitchFamily="49" charset="0"/>
+            </a:endParaRPr>
+          </a:p>
+          <a:p>
+            <a:pPr marL="342900" indent="-342900">
+              <a:buFont typeface="+mj-lt"/>
+              <a:buAutoNum type="arabicPeriod"/>
+            </a:pPr>
+            <a:r>
+              <a:rPr lang="zh-CN" altLang="en-US" sz="2000" dirty="0">
                 <a:latin typeface="Consolas" panose="020B0609020204030204" pitchFamily="49" charset="0"/>
               </a:rPr>
-              <a:t>算子上一层的</a:t>
-            </a:r>
-            <a:r>
-              <a:rPr lang="en-US" altLang="zh-CN" sz="1600" b="0" dirty="0">
-                <a:effectLst/>
-                <a:latin typeface="Consolas" panose="020B0609020204030204" pitchFamily="49" charset="0"/>
-              </a:rPr>
-              <a:t>Filter</a:t>
-            </a:r>
-            <a:r>
-              <a:rPr lang="zh-CN" altLang="en-US" sz="1600" b="0" dirty="0">
-                <a:effectLst/>
-                <a:latin typeface="Consolas" panose="020B0609020204030204" pitchFamily="49" charset="0"/>
-              </a:rPr>
-              <a:t>算子</a:t>
-            </a:r>
-          </a:p>
-          <a:p>
-            <a:r>
-              <a:rPr lang="en-US" altLang="zh-CN" sz="1600" b="0" dirty="0">
-                <a:effectLst/>
-                <a:latin typeface="Consolas" panose="020B0609020204030204" pitchFamily="49" charset="0"/>
-              </a:rPr>
-              <a:t>2.</a:t>
-            </a:r>
-            <a:r>
-              <a:rPr lang="zh-CN" altLang="en-US" sz="1600" b="0" dirty="0">
-                <a:effectLst/>
-                <a:latin typeface="Consolas" panose="020B0609020204030204" pitchFamily="49" charset="0"/>
-              </a:rPr>
-              <a:t> 将</a:t>
-            </a:r>
-            <a:r>
-              <a:rPr lang="en-US" altLang="zh-CN" sz="1600" b="0" dirty="0">
-                <a:effectLst/>
-                <a:latin typeface="Consolas" panose="020B0609020204030204" pitchFamily="49" charset="0"/>
-              </a:rPr>
-              <a:t>Filter</a:t>
-            </a:r>
-            <a:r>
-              <a:rPr lang="zh-CN" altLang="en-US" sz="1600" b="0" dirty="0">
-                <a:effectLst/>
-                <a:latin typeface="Consolas" panose="020B0609020204030204" pitchFamily="49" charset="0"/>
-              </a:rPr>
-              <a:t>算子按照条件和</a:t>
-            </a:r>
-            <a:r>
-              <a:rPr lang="en-US" altLang="zh-CN" sz="1600" b="0" dirty="0">
-                <a:effectLst/>
-                <a:latin typeface="Consolas" panose="020B0609020204030204" pitchFamily="49" charset="0"/>
-              </a:rPr>
-              <a:t>path</a:t>
-            </a:r>
-            <a:r>
-              <a:rPr lang="zh-CN" altLang="en-US" sz="1600" b="0" dirty="0">
-                <a:effectLst/>
-                <a:latin typeface="Consolas" panose="020B0609020204030204" pitchFamily="49" charset="0"/>
-              </a:rPr>
-              <a:t>有无关联与否，拆分条件为两个</a:t>
-            </a:r>
-            <a:r>
-              <a:rPr lang="en-US" altLang="zh-CN" sz="1600" b="0" dirty="0">
-                <a:effectLst/>
-                <a:latin typeface="Consolas" panose="020B0609020204030204" pitchFamily="49" charset="0"/>
-              </a:rPr>
-              <a:t>Filter</a:t>
-            </a:r>
-            <a:r>
-              <a:rPr lang="zh-CN" altLang="en-US" sz="1600" b="0" dirty="0">
-                <a:effectLst/>
-                <a:latin typeface="Consolas" panose="020B0609020204030204" pitchFamily="49" charset="0"/>
-              </a:rPr>
-              <a:t>，上层为</a:t>
-            </a:r>
-            <a:r>
-              <a:rPr lang="en-US" altLang="zh-CN" sz="1600" b="0" dirty="0">
-                <a:effectLst/>
-                <a:latin typeface="Consolas" panose="020B0609020204030204" pitchFamily="49" charset="0"/>
-              </a:rPr>
-              <a:t>path</a:t>
-            </a:r>
-            <a:r>
-              <a:rPr lang="zh-CN" altLang="en-US" sz="1600" b="0" dirty="0">
-                <a:effectLst/>
-                <a:latin typeface="Consolas" panose="020B0609020204030204" pitchFamily="49" charset="0"/>
-              </a:rPr>
-              <a:t>无关</a:t>
-            </a:r>
-            <a:r>
-              <a:rPr lang="en-US" altLang="zh-CN" sz="1600" b="0" dirty="0">
-                <a:effectLst/>
-                <a:latin typeface="Consolas" panose="020B0609020204030204" pitchFamily="49" charset="0"/>
-              </a:rPr>
-              <a:t>Filter</a:t>
-            </a:r>
-            <a:r>
-              <a:rPr lang="zh-CN" altLang="en-US" sz="1600" b="0" dirty="0">
-                <a:effectLst/>
-                <a:latin typeface="Consolas" panose="020B0609020204030204" pitchFamily="49" charset="0"/>
-              </a:rPr>
-              <a:t>，下层为</a:t>
-            </a:r>
-            <a:r>
-              <a:rPr lang="en-US" altLang="zh-CN" sz="1600" b="0" dirty="0">
-                <a:effectLst/>
-                <a:latin typeface="Consolas" panose="020B0609020204030204" pitchFamily="49" charset="0"/>
-              </a:rPr>
-              <a:t>path</a:t>
-            </a:r>
-            <a:r>
-              <a:rPr lang="zh-CN" altLang="en-US" sz="1600" b="0" dirty="0">
-                <a:effectLst/>
-                <a:latin typeface="Consolas" panose="020B0609020204030204" pitchFamily="49" charset="0"/>
-              </a:rPr>
-              <a:t>相关</a:t>
-            </a:r>
-            <a:r>
-              <a:rPr lang="en-US" altLang="zh-CN" sz="1600" b="0" dirty="0">
-                <a:effectLst/>
-                <a:latin typeface="Consolas" panose="020B0609020204030204" pitchFamily="49" charset="0"/>
-              </a:rPr>
-              <a:t>Filter</a:t>
-            </a:r>
-          </a:p>
-          <a:p>
-            <a:r>
-              <a:rPr lang="en-US" altLang="zh-CN" sz="1600" b="0" dirty="0">
-                <a:effectLst/>
-                <a:latin typeface="Consolas" panose="020B0609020204030204" pitchFamily="49" charset="0"/>
-              </a:rPr>
-              <a:t>3.</a:t>
-            </a:r>
-            <a:r>
-              <a:rPr lang="zh-CN" altLang="en-US" sz="1600" b="0" dirty="0">
-                <a:effectLst/>
-                <a:latin typeface="Consolas" panose="020B0609020204030204" pitchFamily="49" charset="0"/>
-              </a:rPr>
-              <a:t> 在下层</a:t>
-            </a:r>
-            <a:r>
-              <a:rPr lang="en-US" altLang="zh-CN" sz="1600" b="0" dirty="0">
-                <a:effectLst/>
-                <a:latin typeface="Consolas" panose="020B0609020204030204" pitchFamily="49" charset="0"/>
-              </a:rPr>
-              <a:t>path</a:t>
-            </a:r>
-            <a:r>
-              <a:rPr lang="zh-CN" altLang="en-US" sz="1600" b="0" dirty="0">
-                <a:effectLst/>
-                <a:latin typeface="Consolas" panose="020B0609020204030204" pitchFamily="49" charset="0"/>
-              </a:rPr>
-              <a:t>相关</a:t>
-            </a:r>
-            <a:r>
-              <a:rPr lang="en-US" altLang="zh-CN" sz="1600" b="0" dirty="0">
-                <a:effectLst/>
-                <a:latin typeface="Consolas" panose="020B0609020204030204" pitchFamily="49" charset="0"/>
-              </a:rPr>
-              <a:t>Filter</a:t>
-            </a:r>
-            <a:r>
-              <a:rPr lang="zh-CN" altLang="en-US" sz="1600" b="0" dirty="0">
-                <a:effectLst/>
-                <a:latin typeface="Consolas" panose="020B0609020204030204" pitchFamily="49" charset="0"/>
-              </a:rPr>
-              <a:t>中，统计接收的输入和输出数量，记录对于不同的不定跳</a:t>
-            </a:r>
-            <a:r>
-              <a:rPr lang="en-US" altLang="zh-CN" sz="1600" b="0" dirty="0">
-                <a:effectLst/>
-                <a:latin typeface="Consolas" panose="020B0609020204030204" pitchFamily="49" charset="0"/>
-              </a:rPr>
-              <a:t>query</a:t>
-            </a:r>
-            <a:r>
-              <a:rPr lang="zh-CN" altLang="en-US" sz="1600" b="0" dirty="0">
-                <a:effectLst/>
-                <a:latin typeface="Consolas" panose="020B0609020204030204" pitchFamily="49" charset="0"/>
-              </a:rPr>
-              <a:t>，因为与</a:t>
-            </a:r>
-            <a:r>
-              <a:rPr lang="en-US" altLang="zh-CN" sz="1600" b="0" dirty="0">
-                <a:effectLst/>
-                <a:latin typeface="Consolas" panose="020B0609020204030204" pitchFamily="49" charset="0"/>
-              </a:rPr>
-              <a:t>path</a:t>
-            </a:r>
-            <a:r>
-              <a:rPr lang="zh-CN" altLang="en-US" sz="1600" b="0" dirty="0">
-                <a:effectLst/>
-                <a:latin typeface="Consolas" panose="020B0609020204030204" pitchFamily="49" charset="0"/>
-              </a:rPr>
-              <a:t>相关的</a:t>
-            </a:r>
-            <a:r>
-              <a:rPr lang="en-US" altLang="zh-CN" sz="1600" b="0" dirty="0">
-                <a:effectLst/>
-                <a:latin typeface="Consolas" panose="020B0609020204030204" pitchFamily="49" charset="0"/>
-              </a:rPr>
-              <a:t>Filter</a:t>
-            </a:r>
-            <a:r>
-              <a:rPr lang="zh-CN" altLang="en-US" sz="1600" b="0" dirty="0">
-                <a:effectLst/>
-                <a:latin typeface="Consolas" panose="020B0609020204030204" pitchFamily="49" charset="0"/>
-              </a:rPr>
-              <a:t>条件过滤而减少数量</a:t>
-            </a:r>
-          </a:p>
-          <a:p>
-            <a:endParaRPr lang="zh-CN" altLang="en-US" dirty="0"/>
+              <a:t>执行结束后打印，和原实现对比。</a:t>
+            </a:r>
+            <a:endParaRPr lang="zh-CN" altLang="en-US" sz="2000" dirty="0"/>
           </a:p>
         </p:txBody>
       </p:sp>
     </p:spTree>
     <p:extLst>
       <p:ext uri="{BB962C8B-B14F-4D97-AF65-F5344CB8AC3E}">
-        <p14:creationId xmlns:p14="http://schemas.microsoft.com/office/powerpoint/2010/main" val="3457616166"/>
+        <p14:creationId xmlns:p14="http://schemas.microsoft.com/office/powerpoint/2010/main" val="3864730448"/>
       </p:ext>
     </p:extLst>
   </p:cSld>
@@ -5877,3152 +6911,7 @@
 </p:sld>
 </file>
 
-<file path=ppt/slides/slide23.xml><?xml version="1.0" encoding="utf-8"?>
-<p:sld xmlns:a="http://schemas.openxmlformats.org/drawingml/2006/main" xmlns:r="http://schemas.openxmlformats.org/officeDocument/2006/relationships" xmlns:p="http://schemas.openxmlformats.org/presentationml/2006/main">
-  <p:cSld>
-    <p:spTree>
-      <p:nvGrpSpPr>
-        <p:cNvPr id="1" name=""/>
-        <p:cNvGrpSpPr/>
-        <p:nvPr/>
-      </p:nvGrpSpPr>
-      <p:grpSpPr>
-        <a:xfrm>
-          <a:off x="0" y="0"/>
-          <a:ext cx="0" cy="0"/>
-          <a:chOff x="0" y="0"/>
-          <a:chExt cx="0" cy="0"/>
-        </a:xfrm>
-      </p:grpSpPr>
-      <p:sp>
-        <p:nvSpPr>
-          <p:cNvPr id="4" name="标题 3"/>
-          <p:cNvSpPr>
-            <a:spLocks noGrp="1"/>
-          </p:cNvSpPr>
-          <p:nvPr>
-            <p:ph type="title"/>
-          </p:nvPr>
-        </p:nvSpPr>
-        <p:spPr/>
-        <p:txBody>
-          <a:bodyPr rtlCol="0">
-            <a:normAutofit/>
-          </a:bodyPr>
-          <a:lstStyle/>
-          <a:p>
-            <a:r>
-              <a:rPr lang="zh-CN" altLang="en-US" dirty="0">
-                <a:cs typeface="Segoe UI Light" panose="020B0502040204020203" pitchFamily="34" charset="0"/>
-              </a:rPr>
-              <a:t>算法思路 </a:t>
-            </a:r>
-            <a:r>
-              <a:rPr lang="zh-CN" altLang="en-US" dirty="0">
-                <a:solidFill>
-                  <a:schemeClr val="tx1"/>
-                </a:solidFill>
-                <a:effectLst/>
-                <a:latin typeface="Consolas" panose="020B0609020204030204" pitchFamily="49" charset="0"/>
-              </a:rPr>
-              <a:t>增加</a:t>
-            </a:r>
-            <a:r>
-              <a:rPr lang="en-US" altLang="zh-CN" dirty="0">
-                <a:solidFill>
-                  <a:schemeClr val="tx1"/>
-                </a:solidFill>
-                <a:effectLst/>
-                <a:latin typeface="Consolas" panose="020B0609020204030204" pitchFamily="49" charset="0"/>
-              </a:rPr>
-              <a:t>rule</a:t>
-            </a:r>
-            <a:r>
-              <a:rPr lang="zh-CN" altLang="en-US" dirty="0">
-                <a:solidFill>
-                  <a:schemeClr val="tx1"/>
-                </a:solidFill>
-                <a:effectLst/>
-                <a:latin typeface="Consolas" panose="020B0609020204030204" pitchFamily="49" charset="0"/>
-              </a:rPr>
-              <a:t>下推</a:t>
-            </a:r>
-            <a:r>
-              <a:rPr lang="en-US" altLang="zh-CN" dirty="0">
-                <a:solidFill>
-                  <a:schemeClr val="tx1"/>
-                </a:solidFill>
-                <a:effectLst/>
-                <a:latin typeface="Consolas" panose="020B0609020204030204" pitchFamily="49" charset="0"/>
-              </a:rPr>
-              <a:t>filter</a:t>
-            </a:r>
-            <a:endParaRPr lang="zh-CN" altLang="en-US" dirty="0">
-              <a:cs typeface="Segoe UI Light" panose="020B0502040204020203" pitchFamily="34" charset="0"/>
-            </a:endParaRPr>
-          </a:p>
-        </p:txBody>
-      </p:sp>
-      <p:sp>
-        <p:nvSpPr>
-          <p:cNvPr id="25" name="内容占位符 17"/>
-          <p:cNvSpPr txBox="1">
-            <a:spLocks/>
-          </p:cNvSpPr>
-          <p:nvPr/>
-        </p:nvSpPr>
-        <p:spPr>
-          <a:xfrm>
-            <a:off x="541609" y="1455491"/>
-            <a:ext cx="5110161" cy="4869109"/>
-          </a:xfrm>
-          <a:prstGeom prst="rect">
-            <a:avLst/>
-          </a:prstGeom>
-        </p:spPr>
-        <p:txBody>
-          <a:bodyPr vert="horz" lIns="91440" tIns="45720" rIns="91440" bIns="45720" rtlCol="0">
-            <a:normAutofit/>
-          </a:bodyPr>
-          <a:lstStyle>
-            <a:lvl1pPr marL="228600" indent="-228600" algn="l" defTabSz="914400" rtl="0" eaLnBrk="1" latinLnBrk="0" hangingPunct="1">
-              <a:lnSpc>
-                <a:spcPts val="1800"/>
-              </a:lnSpc>
-              <a:spcBef>
-                <a:spcPts val="1000"/>
-              </a:spcBef>
-              <a:spcAft>
-                <a:spcPts val="1000"/>
-              </a:spcAft>
-              <a:buFont typeface="Arial" panose="020B0604020202020204" pitchFamily="34" charset="0"/>
-              <a:buChar char="•"/>
-              <a:defRPr lang="en-US" sz="1200" kern="1200" smtClean="0">
-                <a:solidFill>
-                  <a:schemeClr val="tx1">
-                    <a:lumMod val="75000"/>
-                    <a:lumOff val="25000"/>
-                  </a:schemeClr>
-                </a:solidFill>
-                <a:latin typeface="+mn-lt"/>
-                <a:ea typeface="+mn-ea"/>
-                <a:cs typeface="+mn-cs"/>
-              </a:defRPr>
-            </a:lvl1pPr>
-            <a:lvl2pPr marL="685800" indent="-228600" algn="l" defTabSz="914400" rtl="0" eaLnBrk="1" latinLnBrk="0" hangingPunct="1">
-              <a:lnSpc>
-                <a:spcPts val="1800"/>
-              </a:lnSpc>
-              <a:spcBef>
-                <a:spcPts val="1000"/>
-              </a:spcBef>
-              <a:spcAft>
-                <a:spcPts val="1000"/>
-              </a:spcAft>
-              <a:buFont typeface="Arial" panose="020B0604020202020204" pitchFamily="34" charset="0"/>
-              <a:buChar char="•"/>
-              <a:defRPr lang="en-US" sz="1200" kern="1200" smtClean="0">
-                <a:solidFill>
-                  <a:schemeClr val="tx1">
-                    <a:lumMod val="75000"/>
-                    <a:lumOff val="25000"/>
-                  </a:schemeClr>
-                </a:solidFill>
-                <a:latin typeface="+mn-lt"/>
-                <a:ea typeface="+mn-ea"/>
-                <a:cs typeface="+mn-cs"/>
-              </a:defRPr>
-            </a:lvl2pPr>
-            <a:lvl3pPr marL="1143000" indent="-228600" algn="l" defTabSz="914400" rtl="0" eaLnBrk="1" latinLnBrk="0" hangingPunct="1">
-              <a:lnSpc>
-                <a:spcPts val="1800"/>
-              </a:lnSpc>
-              <a:spcBef>
-                <a:spcPts val="1000"/>
-              </a:spcBef>
-              <a:spcAft>
-                <a:spcPts val="1000"/>
-              </a:spcAft>
-              <a:buFont typeface="Arial" panose="020B0604020202020204" pitchFamily="34" charset="0"/>
-              <a:buChar char="•"/>
-              <a:defRPr lang="en-US" sz="1200" kern="1200" smtClean="0">
-                <a:solidFill>
-                  <a:schemeClr val="tx1">
-                    <a:lumMod val="75000"/>
-                    <a:lumOff val="25000"/>
-                  </a:schemeClr>
-                </a:solidFill>
-                <a:latin typeface="+mn-lt"/>
-                <a:ea typeface="+mn-ea"/>
-                <a:cs typeface="+mn-cs"/>
-              </a:defRPr>
-            </a:lvl3pPr>
-            <a:lvl4pPr marL="1600200" indent="-228600" algn="l" defTabSz="914400" rtl="0" eaLnBrk="1" latinLnBrk="0" hangingPunct="1">
-              <a:lnSpc>
-                <a:spcPts val="1800"/>
-              </a:lnSpc>
-              <a:spcBef>
-                <a:spcPts val="1000"/>
-              </a:spcBef>
-              <a:spcAft>
-                <a:spcPts val="1000"/>
-              </a:spcAft>
-              <a:buFont typeface="Arial" panose="020B0604020202020204" pitchFamily="34" charset="0"/>
-              <a:buChar char="•"/>
-              <a:defRPr lang="en-US" sz="1200" kern="1200" smtClean="0">
-                <a:solidFill>
-                  <a:schemeClr val="tx1">
-                    <a:lumMod val="75000"/>
-                    <a:lumOff val="25000"/>
-                  </a:schemeClr>
-                </a:solidFill>
-                <a:latin typeface="+mn-lt"/>
-                <a:ea typeface="+mn-ea"/>
-                <a:cs typeface="+mn-cs"/>
-              </a:defRPr>
-            </a:lvl4pPr>
-            <a:lvl5pPr marL="2057400" indent="-228600" algn="l" defTabSz="914400" rtl="0" eaLnBrk="1" latinLnBrk="0" hangingPunct="1">
-              <a:lnSpc>
-                <a:spcPts val="1800"/>
-              </a:lnSpc>
-              <a:spcBef>
-                <a:spcPts val="1000"/>
-              </a:spcBef>
-              <a:spcAft>
-                <a:spcPts val="1000"/>
-              </a:spcAft>
-              <a:buFont typeface="Arial" panose="020B0604020202020204" pitchFamily="34" charset="0"/>
-              <a:buChar char="•"/>
-              <a:defRPr lang="en-US" sz="1200" kern="1200">
-                <a:solidFill>
-                  <a:schemeClr val="tx1">
-                    <a:lumMod val="75000"/>
-                    <a:lumOff val="25000"/>
-                  </a:schemeClr>
-                </a:solidFill>
-                <a:latin typeface="+mn-lt"/>
-                <a:ea typeface="+mn-ea"/>
-                <a:cs typeface="+mn-cs"/>
-              </a:defRPr>
-            </a:lvl5pPr>
-            <a:lvl6pPr marL="2514600" indent="-228600" algn="l" defTabSz="914400" rtl="0" eaLnBrk="1" latinLnBrk="0" hangingPunct="1">
-              <a:lnSpc>
-                <a:spcPct val="90000"/>
-              </a:lnSpc>
-              <a:spcBef>
-                <a:spcPct val="30000"/>
-              </a:spcBef>
-              <a:buFont typeface="Arial" panose="020B0604020202020204" pitchFamily="34" charset="0"/>
-              <a:buChar char="•"/>
-              <a:defRPr sz="1800" kern="1200">
-                <a:solidFill>
-                  <a:schemeClr val="tx1"/>
-                </a:solidFill>
-                <a:latin typeface="+mn-lt"/>
-                <a:ea typeface="+mn-ea"/>
-                <a:cs typeface="+mn-cs"/>
-              </a:defRPr>
-            </a:lvl6pPr>
-            <a:lvl7pPr marL="2971800" indent="-228600" algn="l" defTabSz="914400" rtl="0" eaLnBrk="1" latinLnBrk="0" hangingPunct="1">
-              <a:lnSpc>
-                <a:spcPct val="90000"/>
-              </a:lnSpc>
-              <a:spcBef>
-                <a:spcPct val="30000"/>
-              </a:spcBef>
-              <a:buFont typeface="Arial" panose="020B0604020202020204" pitchFamily="34" charset="0"/>
-              <a:buChar char="•"/>
-              <a:defRPr sz="1800" kern="1200">
-                <a:solidFill>
-                  <a:schemeClr val="tx1"/>
-                </a:solidFill>
-                <a:latin typeface="+mn-lt"/>
-                <a:ea typeface="+mn-ea"/>
-                <a:cs typeface="+mn-cs"/>
-              </a:defRPr>
-            </a:lvl7pPr>
-            <a:lvl8pPr marL="3429000" indent="-228600" algn="l" defTabSz="914400" rtl="0" eaLnBrk="1" latinLnBrk="0" hangingPunct="1">
-              <a:lnSpc>
-                <a:spcPct val="90000"/>
-              </a:lnSpc>
-              <a:spcBef>
-                <a:spcPct val="30000"/>
-              </a:spcBef>
-              <a:buFont typeface="Arial" panose="020B0604020202020204" pitchFamily="34" charset="0"/>
-              <a:buChar char="•"/>
-              <a:defRPr sz="1800" kern="1200">
-                <a:solidFill>
-                  <a:schemeClr val="tx1"/>
-                </a:solidFill>
-                <a:latin typeface="+mn-lt"/>
-                <a:ea typeface="+mn-ea"/>
-                <a:cs typeface="+mn-cs"/>
-              </a:defRPr>
-            </a:lvl8pPr>
-            <a:lvl9pPr marL="3886200" indent="-228600" algn="l" defTabSz="914400" rtl="0" eaLnBrk="1" latinLnBrk="0" hangingPunct="1">
-              <a:lnSpc>
-                <a:spcPct val="90000"/>
-              </a:lnSpc>
-              <a:spcBef>
-                <a:spcPct val="30000"/>
-              </a:spcBef>
-              <a:buFont typeface="Arial" panose="020B0604020202020204" pitchFamily="34" charset="0"/>
-              <a:buChar char="•"/>
-              <a:defRPr sz="1800" kern="1200">
-                <a:solidFill>
-                  <a:schemeClr val="tx1"/>
-                </a:solidFill>
-                <a:latin typeface="+mn-lt"/>
-                <a:ea typeface="+mn-ea"/>
-                <a:cs typeface="+mn-cs"/>
-              </a:defRPr>
-            </a:lvl9pPr>
-          </a:lstStyle>
-          <a:p>
-            <a:pPr marL="0" indent="0">
-              <a:buNone/>
-            </a:pPr>
-            <a:r>
-              <a:rPr lang="zh-CN" altLang="en-US" sz="1600" b="1" dirty="0">
-                <a:solidFill>
-                  <a:schemeClr val="tx1"/>
-                </a:solidFill>
-                <a:effectLst/>
-                <a:latin typeface="Consolas" panose="020B0609020204030204" pitchFamily="49" charset="0"/>
-              </a:rPr>
-              <a:t>目的</a:t>
-            </a:r>
-            <a:br>
-              <a:rPr lang="zh-CN" altLang="en-US" sz="1600" b="0" dirty="0">
-                <a:solidFill>
-                  <a:schemeClr val="tx1"/>
-                </a:solidFill>
-                <a:effectLst/>
-                <a:latin typeface="Consolas" panose="020B0609020204030204" pitchFamily="49" charset="0"/>
-              </a:rPr>
-            </a:br>
-            <a:r>
-              <a:rPr lang="zh-CN" altLang="en-US" sz="1600" b="0" dirty="0">
-                <a:solidFill>
-                  <a:schemeClr val="tx1"/>
-                </a:solidFill>
-                <a:effectLst/>
-                <a:latin typeface="Consolas" panose="020B0609020204030204" pitchFamily="49" charset="0"/>
-              </a:rPr>
-              <a:t>当前</a:t>
-            </a:r>
-            <a:r>
-              <a:rPr lang="en-US" altLang="zh-CN" sz="1600" b="0" dirty="0">
-                <a:solidFill>
-                  <a:schemeClr val="tx1"/>
-                </a:solidFill>
-                <a:effectLst/>
-                <a:latin typeface="Consolas" panose="020B0609020204030204" pitchFamily="49" charset="0"/>
-              </a:rPr>
-              <a:t>rule</a:t>
-            </a:r>
-            <a:r>
-              <a:rPr lang="zh-CN" altLang="en-US" sz="1600" b="0" dirty="0">
-                <a:solidFill>
-                  <a:schemeClr val="tx1"/>
-                </a:solidFill>
-                <a:effectLst/>
-                <a:latin typeface="Consolas" panose="020B0609020204030204" pitchFamily="49" charset="0"/>
-              </a:rPr>
-              <a:t>框架下，会生成一个扩展所有满足上述要求</a:t>
-            </a:r>
-            <a:r>
-              <a:rPr lang="en-US" altLang="zh-CN" sz="1600" b="0" dirty="0">
-                <a:solidFill>
-                  <a:schemeClr val="tx1"/>
-                </a:solidFill>
-                <a:effectLst/>
-                <a:latin typeface="Consolas" panose="020B0609020204030204" pitchFamily="49" charset="0"/>
-              </a:rPr>
-              <a:t>3</a:t>
-            </a:r>
-            <a:r>
-              <a:rPr lang="zh-CN" altLang="en-US" sz="1600" b="0" dirty="0">
-                <a:solidFill>
-                  <a:schemeClr val="tx1"/>
-                </a:solidFill>
-                <a:effectLst/>
-                <a:latin typeface="Consolas" panose="020B0609020204030204" pitchFamily="49" charset="0"/>
-              </a:rPr>
-              <a:t>的</a:t>
-            </a:r>
-            <a:r>
-              <a:rPr lang="en-US" altLang="zh-CN" sz="1600" b="0" dirty="0">
-                <a:solidFill>
-                  <a:schemeClr val="tx1"/>
-                </a:solidFill>
-                <a:effectLst/>
-                <a:latin typeface="Consolas" panose="020B0609020204030204" pitchFamily="49" charset="0"/>
-              </a:rPr>
-              <a:t>path</a:t>
-            </a:r>
-            <a:r>
-              <a:rPr lang="zh-CN" altLang="en-US" sz="1600" b="0" dirty="0">
-                <a:solidFill>
-                  <a:schemeClr val="tx1"/>
-                </a:solidFill>
-                <a:effectLst/>
-                <a:latin typeface="Consolas" panose="020B0609020204030204" pitchFamily="49" charset="0"/>
-              </a:rPr>
-              <a:t>，随后使用上层</a:t>
-            </a:r>
-            <a:r>
-              <a:rPr lang="en-US" altLang="zh-CN" sz="1600" b="0" dirty="0">
-                <a:solidFill>
-                  <a:schemeClr val="tx1"/>
-                </a:solidFill>
-                <a:effectLst/>
-                <a:latin typeface="Consolas" panose="020B0609020204030204" pitchFamily="49" charset="0"/>
-              </a:rPr>
-              <a:t>filter</a:t>
-            </a:r>
-            <a:r>
-              <a:rPr lang="zh-CN" altLang="en-US" sz="1600" b="0" dirty="0">
-                <a:solidFill>
-                  <a:schemeClr val="tx1"/>
-                </a:solidFill>
-                <a:effectLst/>
-                <a:latin typeface="Consolas" panose="020B0609020204030204" pitchFamily="49" charset="0"/>
-              </a:rPr>
-              <a:t>算子过滤，筛选出符合条件的</a:t>
-            </a:r>
-            <a:r>
-              <a:rPr lang="en-US" altLang="zh-CN" sz="1600" b="0" dirty="0">
-                <a:solidFill>
-                  <a:schemeClr val="tx1"/>
-                </a:solidFill>
-                <a:effectLst/>
-                <a:latin typeface="Consolas" panose="020B0609020204030204" pitchFamily="49" charset="0"/>
-              </a:rPr>
-              <a:t>path</a:t>
-            </a:r>
-            <a:r>
-              <a:rPr lang="zh-CN" altLang="en-US" sz="1600" b="0" dirty="0">
-                <a:solidFill>
-                  <a:schemeClr val="tx1"/>
-                </a:solidFill>
-                <a:effectLst/>
-                <a:latin typeface="Consolas" panose="020B0609020204030204" pitchFamily="49" charset="0"/>
-              </a:rPr>
-              <a:t>，这样执行会生成大量中间结果，浪费资源。</a:t>
-            </a:r>
-            <a:endParaRPr lang="en-US" altLang="zh-CN" sz="1600" b="0" dirty="0">
-              <a:solidFill>
-                <a:schemeClr val="tx1"/>
-              </a:solidFill>
-              <a:effectLst/>
-              <a:latin typeface="Consolas" panose="020B0609020204030204" pitchFamily="49" charset="0"/>
-            </a:endParaRPr>
-          </a:p>
-          <a:p>
-            <a:pPr marL="0" indent="0">
-              <a:buNone/>
-            </a:pPr>
-            <a:r>
-              <a:rPr lang="zh-CN" altLang="en-US" sz="1600" b="0" dirty="0">
-                <a:solidFill>
-                  <a:schemeClr val="tx1"/>
-                </a:solidFill>
-                <a:effectLst/>
-                <a:latin typeface="Consolas" panose="020B0609020204030204" pitchFamily="49" charset="0"/>
-              </a:rPr>
-              <a:t>希望能够实现一边</a:t>
-            </a:r>
-            <a:r>
-              <a:rPr lang="en-US" altLang="zh-CN" sz="1600" b="0" dirty="0">
-                <a:solidFill>
-                  <a:schemeClr val="tx1"/>
-                </a:solidFill>
-                <a:effectLst/>
-                <a:latin typeface="Consolas" panose="020B0609020204030204" pitchFamily="49" charset="0"/>
-              </a:rPr>
-              <a:t>expand</a:t>
-            </a:r>
-            <a:r>
-              <a:rPr lang="zh-CN" altLang="en-US" sz="1600" b="0" dirty="0">
-                <a:solidFill>
-                  <a:schemeClr val="tx1"/>
-                </a:solidFill>
-                <a:effectLst/>
-                <a:latin typeface="Consolas" panose="020B0609020204030204" pitchFamily="49" charset="0"/>
-              </a:rPr>
-              <a:t>一边使用</a:t>
-            </a:r>
-            <a:r>
-              <a:rPr lang="en-US" altLang="zh-CN" sz="1600" b="0" dirty="0">
-                <a:solidFill>
-                  <a:schemeClr val="tx1"/>
-                </a:solidFill>
-                <a:effectLst/>
-                <a:latin typeface="Consolas" panose="020B0609020204030204" pitchFamily="49" charset="0"/>
-              </a:rPr>
-              <a:t>filter</a:t>
-            </a:r>
-            <a:r>
-              <a:rPr lang="zh-CN" altLang="en-US" sz="1600" b="0" dirty="0">
-                <a:solidFill>
-                  <a:schemeClr val="tx1"/>
-                </a:solidFill>
-                <a:effectLst/>
-                <a:latin typeface="Consolas" panose="020B0609020204030204" pitchFamily="49" charset="0"/>
-              </a:rPr>
-              <a:t>筛选，通过在当前</a:t>
-            </a:r>
-            <a:r>
-              <a:rPr lang="en-US" altLang="zh-CN" sz="1600" b="0" dirty="0" err="1">
-                <a:solidFill>
-                  <a:schemeClr val="tx1"/>
-                </a:solidFill>
-                <a:effectLst/>
-                <a:latin typeface="Consolas" panose="020B0609020204030204" pitchFamily="49" charset="0"/>
-              </a:rPr>
-              <a:t>rbo</a:t>
-            </a:r>
-            <a:r>
-              <a:rPr lang="zh-CN" altLang="en-US" sz="1600" b="0" dirty="0">
-                <a:solidFill>
-                  <a:schemeClr val="tx1"/>
-                </a:solidFill>
-                <a:effectLst/>
-                <a:latin typeface="Consolas" panose="020B0609020204030204" pitchFamily="49" charset="0"/>
-              </a:rPr>
-              <a:t>框架下添加一条</a:t>
-            </a:r>
-            <a:r>
-              <a:rPr lang="en-US" altLang="zh-CN" sz="1600" b="0" dirty="0">
-                <a:solidFill>
-                  <a:schemeClr val="tx1"/>
-                </a:solidFill>
-                <a:effectLst/>
-                <a:latin typeface="Consolas" panose="020B0609020204030204" pitchFamily="49" charset="0"/>
-              </a:rPr>
-              <a:t>rule</a:t>
-            </a:r>
-            <a:r>
-              <a:rPr lang="zh-CN" altLang="en-US" sz="1600" b="0" dirty="0">
-                <a:solidFill>
-                  <a:schemeClr val="tx1"/>
-                </a:solidFill>
-                <a:effectLst/>
-                <a:latin typeface="Consolas" panose="020B0609020204030204" pitchFamily="49" charset="0"/>
-              </a:rPr>
-              <a:t>，将对</a:t>
-            </a:r>
-            <a:r>
-              <a:rPr lang="en-US" altLang="zh-CN" sz="1600" b="0" dirty="0" err="1">
-                <a:solidFill>
-                  <a:schemeClr val="tx1"/>
-                </a:solidFill>
-                <a:effectLst/>
-                <a:latin typeface="Consolas" panose="020B0609020204030204" pitchFamily="49" charset="0"/>
-              </a:rPr>
-              <a:t>varlen</a:t>
-            </a:r>
-            <a:r>
-              <a:rPr lang="zh-CN" altLang="en-US" sz="1600" b="0" dirty="0">
-                <a:solidFill>
-                  <a:schemeClr val="tx1"/>
-                </a:solidFill>
-                <a:effectLst/>
-                <a:latin typeface="Consolas" panose="020B0609020204030204" pitchFamily="49" charset="0"/>
-              </a:rPr>
-              <a:t>上的约束条件</a:t>
-            </a:r>
-            <a:r>
-              <a:rPr lang="en-US" altLang="zh-CN" sz="1600" b="0" dirty="0">
-                <a:solidFill>
-                  <a:schemeClr val="tx1"/>
-                </a:solidFill>
-                <a:effectLst/>
-                <a:latin typeface="Consolas" panose="020B0609020204030204" pitchFamily="49" charset="0"/>
-              </a:rPr>
-              <a:t>filter</a:t>
-            </a:r>
-            <a:r>
-              <a:rPr lang="zh-CN" altLang="en-US" sz="1600" b="0" dirty="0">
-                <a:solidFill>
-                  <a:schemeClr val="tx1"/>
-                </a:solidFill>
-                <a:effectLst/>
-                <a:latin typeface="Consolas" panose="020B0609020204030204" pitchFamily="49" charset="0"/>
-              </a:rPr>
-              <a:t>下推到算子</a:t>
-            </a:r>
-            <a:r>
-              <a:rPr lang="en-US" altLang="zh-CN" sz="1600" b="0" dirty="0" err="1">
-                <a:solidFill>
-                  <a:schemeClr val="tx1"/>
-                </a:solidFill>
-                <a:effectLst/>
-                <a:latin typeface="Consolas" panose="020B0609020204030204" pitchFamily="49" charset="0"/>
-              </a:rPr>
-              <a:t>op_var_len_expand</a:t>
-            </a:r>
-            <a:r>
-              <a:rPr lang="zh-CN" altLang="en-US" sz="1600" b="0" dirty="0">
-                <a:solidFill>
-                  <a:schemeClr val="tx1"/>
-                </a:solidFill>
-                <a:effectLst/>
-                <a:latin typeface="Consolas" panose="020B0609020204030204" pitchFamily="49" charset="0"/>
-              </a:rPr>
-              <a:t>中，记录下</a:t>
-            </a:r>
-            <a:r>
-              <a:rPr lang="en-US" altLang="zh-CN" sz="1600" b="0" dirty="0">
-                <a:solidFill>
-                  <a:schemeClr val="tx1"/>
-                </a:solidFill>
-                <a:effectLst/>
-                <a:latin typeface="Consolas" panose="020B0609020204030204" pitchFamily="49" charset="0"/>
-              </a:rPr>
-              <a:t>filter</a:t>
-            </a:r>
-            <a:r>
-              <a:rPr lang="zh-CN" altLang="en-US" sz="1600" b="0" dirty="0">
-                <a:solidFill>
-                  <a:schemeClr val="tx1"/>
-                </a:solidFill>
-                <a:effectLst/>
-                <a:latin typeface="Consolas" panose="020B0609020204030204" pitchFamily="49" charset="0"/>
-              </a:rPr>
-              <a:t>使用的函数，以及需要处理的对象。</a:t>
-            </a:r>
-          </a:p>
-        </p:txBody>
-      </p:sp>
-      <p:sp>
-        <p:nvSpPr>
-          <p:cNvPr id="26" name="内容占位符 17">
-            <a:extLst>
-              <a:ext uri="{FF2B5EF4-FFF2-40B4-BE49-F238E27FC236}">
-                <a16:creationId xmlns:a16="http://schemas.microsoft.com/office/drawing/2014/main" id="{4D0375F2-A5C3-4C44-9978-A8258EEE271A}"/>
-              </a:ext>
-            </a:extLst>
-          </p:cNvPr>
-          <p:cNvSpPr txBox="1">
-            <a:spLocks/>
-          </p:cNvSpPr>
-          <p:nvPr/>
-        </p:nvSpPr>
-        <p:spPr>
-          <a:xfrm>
-            <a:off x="6341276" y="1540835"/>
-            <a:ext cx="5110161" cy="4869109"/>
-          </a:xfrm>
-          <a:prstGeom prst="rect">
-            <a:avLst/>
-          </a:prstGeom>
-        </p:spPr>
-        <p:txBody>
-          <a:bodyPr vert="horz" lIns="91440" tIns="45720" rIns="91440" bIns="45720" rtlCol="0">
-            <a:normAutofit/>
-          </a:bodyPr>
-          <a:lstStyle>
-            <a:lvl1pPr marL="228600" indent="-228600" algn="l" defTabSz="914400" rtl="0" eaLnBrk="1" latinLnBrk="0" hangingPunct="1">
-              <a:lnSpc>
-                <a:spcPts val="1800"/>
-              </a:lnSpc>
-              <a:spcBef>
-                <a:spcPts val="1000"/>
-              </a:spcBef>
-              <a:spcAft>
-                <a:spcPts val="1000"/>
-              </a:spcAft>
-              <a:buFont typeface="Arial" panose="020B0604020202020204" pitchFamily="34" charset="0"/>
-              <a:buChar char="•"/>
-              <a:defRPr lang="en-US" sz="1200" kern="1200" smtClean="0">
-                <a:solidFill>
-                  <a:schemeClr val="tx1">
-                    <a:lumMod val="75000"/>
-                    <a:lumOff val="25000"/>
-                  </a:schemeClr>
-                </a:solidFill>
-                <a:latin typeface="+mn-lt"/>
-                <a:ea typeface="+mn-ea"/>
-                <a:cs typeface="+mn-cs"/>
-              </a:defRPr>
-            </a:lvl1pPr>
-            <a:lvl2pPr marL="685800" indent="-228600" algn="l" defTabSz="914400" rtl="0" eaLnBrk="1" latinLnBrk="0" hangingPunct="1">
-              <a:lnSpc>
-                <a:spcPts val="1800"/>
-              </a:lnSpc>
-              <a:spcBef>
-                <a:spcPts val="1000"/>
-              </a:spcBef>
-              <a:spcAft>
-                <a:spcPts val="1000"/>
-              </a:spcAft>
-              <a:buFont typeface="Arial" panose="020B0604020202020204" pitchFamily="34" charset="0"/>
-              <a:buChar char="•"/>
-              <a:defRPr lang="en-US" sz="1200" kern="1200" smtClean="0">
-                <a:solidFill>
-                  <a:schemeClr val="tx1">
-                    <a:lumMod val="75000"/>
-                    <a:lumOff val="25000"/>
-                  </a:schemeClr>
-                </a:solidFill>
-                <a:latin typeface="+mn-lt"/>
-                <a:ea typeface="+mn-ea"/>
-                <a:cs typeface="+mn-cs"/>
-              </a:defRPr>
-            </a:lvl2pPr>
-            <a:lvl3pPr marL="1143000" indent="-228600" algn="l" defTabSz="914400" rtl="0" eaLnBrk="1" latinLnBrk="0" hangingPunct="1">
-              <a:lnSpc>
-                <a:spcPts val="1800"/>
-              </a:lnSpc>
-              <a:spcBef>
-                <a:spcPts val="1000"/>
-              </a:spcBef>
-              <a:spcAft>
-                <a:spcPts val="1000"/>
-              </a:spcAft>
-              <a:buFont typeface="Arial" panose="020B0604020202020204" pitchFamily="34" charset="0"/>
-              <a:buChar char="•"/>
-              <a:defRPr lang="en-US" sz="1200" kern="1200" smtClean="0">
-                <a:solidFill>
-                  <a:schemeClr val="tx1">
-                    <a:lumMod val="75000"/>
-                    <a:lumOff val="25000"/>
-                  </a:schemeClr>
-                </a:solidFill>
-                <a:latin typeface="+mn-lt"/>
-                <a:ea typeface="+mn-ea"/>
-                <a:cs typeface="+mn-cs"/>
-              </a:defRPr>
-            </a:lvl3pPr>
-            <a:lvl4pPr marL="1600200" indent="-228600" algn="l" defTabSz="914400" rtl="0" eaLnBrk="1" latinLnBrk="0" hangingPunct="1">
-              <a:lnSpc>
-                <a:spcPts val="1800"/>
-              </a:lnSpc>
-              <a:spcBef>
-                <a:spcPts val="1000"/>
-              </a:spcBef>
-              <a:spcAft>
-                <a:spcPts val="1000"/>
-              </a:spcAft>
-              <a:buFont typeface="Arial" panose="020B0604020202020204" pitchFamily="34" charset="0"/>
-              <a:buChar char="•"/>
-              <a:defRPr lang="en-US" sz="1200" kern="1200" smtClean="0">
-                <a:solidFill>
-                  <a:schemeClr val="tx1">
-                    <a:lumMod val="75000"/>
-                    <a:lumOff val="25000"/>
-                  </a:schemeClr>
-                </a:solidFill>
-                <a:latin typeface="+mn-lt"/>
-                <a:ea typeface="+mn-ea"/>
-                <a:cs typeface="+mn-cs"/>
-              </a:defRPr>
-            </a:lvl4pPr>
-            <a:lvl5pPr marL="2057400" indent="-228600" algn="l" defTabSz="914400" rtl="0" eaLnBrk="1" latinLnBrk="0" hangingPunct="1">
-              <a:lnSpc>
-                <a:spcPts val="1800"/>
-              </a:lnSpc>
-              <a:spcBef>
-                <a:spcPts val="1000"/>
-              </a:spcBef>
-              <a:spcAft>
-                <a:spcPts val="1000"/>
-              </a:spcAft>
-              <a:buFont typeface="Arial" panose="020B0604020202020204" pitchFamily="34" charset="0"/>
-              <a:buChar char="•"/>
-              <a:defRPr lang="en-US" sz="1200" kern="1200">
-                <a:solidFill>
-                  <a:schemeClr val="tx1">
-                    <a:lumMod val="75000"/>
-                    <a:lumOff val="25000"/>
-                  </a:schemeClr>
-                </a:solidFill>
-                <a:latin typeface="+mn-lt"/>
-                <a:ea typeface="+mn-ea"/>
-                <a:cs typeface="+mn-cs"/>
-              </a:defRPr>
-            </a:lvl5pPr>
-            <a:lvl6pPr marL="2514600" indent="-228600" algn="l" defTabSz="914400" rtl="0" eaLnBrk="1" latinLnBrk="0" hangingPunct="1">
-              <a:lnSpc>
-                <a:spcPct val="90000"/>
-              </a:lnSpc>
-              <a:spcBef>
-                <a:spcPct val="30000"/>
-              </a:spcBef>
-              <a:buFont typeface="Arial" panose="020B0604020202020204" pitchFamily="34" charset="0"/>
-              <a:buChar char="•"/>
-              <a:defRPr sz="1800" kern="1200">
-                <a:solidFill>
-                  <a:schemeClr val="tx1"/>
-                </a:solidFill>
-                <a:latin typeface="+mn-lt"/>
-                <a:ea typeface="+mn-ea"/>
-                <a:cs typeface="+mn-cs"/>
-              </a:defRPr>
-            </a:lvl6pPr>
-            <a:lvl7pPr marL="2971800" indent="-228600" algn="l" defTabSz="914400" rtl="0" eaLnBrk="1" latinLnBrk="0" hangingPunct="1">
-              <a:lnSpc>
-                <a:spcPct val="90000"/>
-              </a:lnSpc>
-              <a:spcBef>
-                <a:spcPct val="30000"/>
-              </a:spcBef>
-              <a:buFont typeface="Arial" panose="020B0604020202020204" pitchFamily="34" charset="0"/>
-              <a:buChar char="•"/>
-              <a:defRPr sz="1800" kern="1200">
-                <a:solidFill>
-                  <a:schemeClr val="tx1"/>
-                </a:solidFill>
-                <a:latin typeface="+mn-lt"/>
-                <a:ea typeface="+mn-ea"/>
-                <a:cs typeface="+mn-cs"/>
-              </a:defRPr>
-            </a:lvl7pPr>
-            <a:lvl8pPr marL="3429000" indent="-228600" algn="l" defTabSz="914400" rtl="0" eaLnBrk="1" latinLnBrk="0" hangingPunct="1">
-              <a:lnSpc>
-                <a:spcPct val="90000"/>
-              </a:lnSpc>
-              <a:spcBef>
-                <a:spcPct val="30000"/>
-              </a:spcBef>
-              <a:buFont typeface="Arial" panose="020B0604020202020204" pitchFamily="34" charset="0"/>
-              <a:buChar char="•"/>
-              <a:defRPr sz="1800" kern="1200">
-                <a:solidFill>
-                  <a:schemeClr val="tx1"/>
-                </a:solidFill>
-                <a:latin typeface="+mn-lt"/>
-                <a:ea typeface="+mn-ea"/>
-                <a:cs typeface="+mn-cs"/>
-              </a:defRPr>
-            </a:lvl8pPr>
-            <a:lvl9pPr marL="3886200" indent="-228600" algn="l" defTabSz="914400" rtl="0" eaLnBrk="1" latinLnBrk="0" hangingPunct="1">
-              <a:lnSpc>
-                <a:spcPct val="90000"/>
-              </a:lnSpc>
-              <a:spcBef>
-                <a:spcPct val="30000"/>
-              </a:spcBef>
-              <a:buFont typeface="Arial" panose="020B0604020202020204" pitchFamily="34" charset="0"/>
-              <a:buChar char="•"/>
-              <a:defRPr sz="1800" kern="1200">
-                <a:solidFill>
-                  <a:schemeClr val="tx1"/>
-                </a:solidFill>
-                <a:latin typeface="+mn-lt"/>
-                <a:ea typeface="+mn-ea"/>
-                <a:cs typeface="+mn-cs"/>
-              </a:defRPr>
-            </a:lvl9pPr>
-          </a:lstStyle>
-          <a:p>
-            <a:pPr marL="0" indent="0">
-              <a:buNone/>
-            </a:pPr>
-            <a:r>
-              <a:rPr lang="zh-CN" altLang="en-US" sz="1600" b="1" dirty="0">
-                <a:solidFill>
-                  <a:schemeClr val="tx1"/>
-                </a:solidFill>
-                <a:effectLst/>
-                <a:latin typeface="Consolas" panose="020B0609020204030204" pitchFamily="49" charset="0"/>
-              </a:rPr>
-              <a:t>计划实现</a:t>
-            </a:r>
-            <a:br>
-              <a:rPr lang="zh-CN" altLang="en-US" sz="1600" b="0" dirty="0">
-                <a:solidFill>
-                  <a:schemeClr val="tx1"/>
-                </a:solidFill>
-                <a:effectLst/>
-                <a:latin typeface="Consolas" panose="020B0609020204030204" pitchFamily="49" charset="0"/>
-              </a:rPr>
-            </a:br>
-            <a:r>
-              <a:rPr lang="en-US" altLang="zh-CN" sz="1600" b="0" dirty="0">
-                <a:solidFill>
-                  <a:schemeClr val="tx1"/>
-                </a:solidFill>
-                <a:effectLst/>
-                <a:latin typeface="Consolas" panose="020B0609020204030204" pitchFamily="49" charset="0"/>
-              </a:rPr>
-              <a:t>1.</a:t>
-            </a:r>
-            <a:r>
-              <a:rPr lang="zh-CN" altLang="en-US" sz="1600" b="0" dirty="0">
-                <a:solidFill>
-                  <a:schemeClr val="tx1"/>
-                </a:solidFill>
-                <a:effectLst/>
-                <a:latin typeface="Consolas" panose="020B0609020204030204" pitchFamily="49" charset="0"/>
-              </a:rPr>
-              <a:t> 增加</a:t>
-            </a:r>
-            <a:r>
-              <a:rPr lang="en-US" altLang="zh-CN" sz="1600" b="0" dirty="0">
-                <a:solidFill>
-                  <a:schemeClr val="tx1"/>
-                </a:solidFill>
-                <a:effectLst/>
-                <a:latin typeface="Consolas" panose="020B0609020204030204" pitchFamily="49" charset="0"/>
-              </a:rPr>
-              <a:t>rule</a:t>
-            </a:r>
-            <a:r>
-              <a:rPr lang="zh-CN" altLang="en-US" sz="1600" b="0" dirty="0">
-                <a:solidFill>
-                  <a:schemeClr val="tx1"/>
-                </a:solidFill>
-                <a:effectLst/>
-                <a:latin typeface="Consolas" panose="020B0609020204030204" pitchFamily="49" charset="0"/>
-              </a:rPr>
-              <a:t>，采用结构记录下</a:t>
-            </a:r>
-            <a:r>
-              <a:rPr lang="en-US" altLang="zh-CN" sz="1600" b="0" dirty="0">
-                <a:solidFill>
-                  <a:schemeClr val="tx1"/>
-                </a:solidFill>
-                <a:effectLst/>
-                <a:latin typeface="Consolas" panose="020B0609020204030204" pitchFamily="49" charset="0"/>
-              </a:rPr>
-              <a:t>filter</a:t>
-            </a:r>
-            <a:r>
-              <a:rPr lang="zh-CN" altLang="en-US" sz="1600" b="0" dirty="0">
-                <a:solidFill>
-                  <a:schemeClr val="tx1"/>
-                </a:solidFill>
-                <a:effectLst/>
-                <a:latin typeface="Consolas" panose="020B0609020204030204" pitchFamily="49" charset="0"/>
-              </a:rPr>
-              <a:t>中，与</a:t>
-            </a:r>
-            <a:r>
-              <a:rPr lang="en-US" altLang="zh-CN" sz="1600" b="0" dirty="0">
-                <a:solidFill>
-                  <a:schemeClr val="tx1"/>
-                </a:solidFill>
-                <a:effectLst/>
-                <a:latin typeface="Consolas" panose="020B0609020204030204" pitchFamily="49" charset="0"/>
-              </a:rPr>
-              <a:t>path</a:t>
-            </a:r>
-            <a:r>
-              <a:rPr lang="zh-CN" altLang="en-US" sz="1600" b="0" dirty="0">
-                <a:solidFill>
-                  <a:schemeClr val="tx1"/>
-                </a:solidFill>
-                <a:effectLst/>
-                <a:latin typeface="Consolas" panose="020B0609020204030204" pitchFamily="49" charset="0"/>
-              </a:rPr>
-              <a:t>相关的过滤条件。如果有剩余的条件，那么需要保留该</a:t>
-            </a:r>
-            <a:r>
-              <a:rPr lang="en-US" altLang="zh-CN" sz="1600" b="0" dirty="0">
-                <a:solidFill>
-                  <a:schemeClr val="tx1"/>
-                </a:solidFill>
-                <a:effectLst/>
-                <a:latin typeface="Consolas" panose="020B0609020204030204" pitchFamily="49" charset="0"/>
-              </a:rPr>
-              <a:t>filter</a:t>
-            </a:r>
-            <a:r>
-              <a:rPr lang="zh-CN" altLang="en-US" sz="1600" b="0" dirty="0">
-                <a:solidFill>
-                  <a:schemeClr val="tx1"/>
-                </a:solidFill>
-                <a:effectLst/>
-                <a:latin typeface="Consolas" panose="020B0609020204030204" pitchFamily="49" charset="0"/>
-              </a:rPr>
-              <a:t>算子，如果没有，那么可以删除该</a:t>
-            </a:r>
-            <a:r>
-              <a:rPr lang="en-US" altLang="zh-CN" sz="1600" b="0" dirty="0">
-                <a:solidFill>
-                  <a:schemeClr val="tx1"/>
-                </a:solidFill>
-                <a:effectLst/>
-                <a:latin typeface="Consolas" panose="020B0609020204030204" pitchFamily="49" charset="0"/>
-              </a:rPr>
-              <a:t>filter</a:t>
-            </a:r>
-            <a:r>
-              <a:rPr lang="zh-CN" altLang="en-US" sz="1600" b="0" dirty="0">
-                <a:solidFill>
-                  <a:schemeClr val="tx1"/>
-                </a:solidFill>
-                <a:effectLst/>
-                <a:latin typeface="Consolas" panose="020B0609020204030204" pitchFamily="49" charset="0"/>
-              </a:rPr>
-              <a:t>算子。</a:t>
-            </a:r>
-          </a:p>
-          <a:p>
-            <a:pPr marL="0" indent="0">
-              <a:buNone/>
-            </a:pPr>
-            <a:r>
-              <a:rPr lang="en-US" altLang="zh-CN" sz="1600" b="0" dirty="0">
-                <a:solidFill>
-                  <a:schemeClr val="tx1"/>
-                </a:solidFill>
-                <a:effectLst/>
-                <a:latin typeface="Consolas" panose="020B0609020204030204" pitchFamily="49" charset="0"/>
-              </a:rPr>
-              <a:t>2.</a:t>
-            </a:r>
-            <a:r>
-              <a:rPr lang="zh-CN" altLang="en-US" sz="1600" b="0" dirty="0">
-                <a:solidFill>
-                  <a:schemeClr val="tx1"/>
-                </a:solidFill>
-                <a:effectLst/>
-                <a:latin typeface="Consolas" panose="020B0609020204030204" pitchFamily="49" charset="0"/>
-              </a:rPr>
-              <a:t> 记录过滤条件。根据优化场景分析，目前有四种需要处理的条件，定义四种不同的</a:t>
-            </a:r>
-            <a:r>
-              <a:rPr lang="en-US" altLang="zh-CN" sz="1600" b="0" dirty="0" err="1">
-                <a:solidFill>
-                  <a:schemeClr val="tx1"/>
-                </a:solidFill>
-                <a:effectLst/>
-                <a:latin typeface="Consolas" panose="020B0609020204030204" pitchFamily="49" charset="0"/>
-              </a:rPr>
-              <a:t>var_len_expand_predicate</a:t>
-            </a:r>
-            <a:r>
-              <a:rPr lang="zh-CN" altLang="en-US" sz="1600" b="0" dirty="0">
-                <a:solidFill>
-                  <a:schemeClr val="tx1"/>
-                </a:solidFill>
-                <a:effectLst/>
-                <a:latin typeface="Consolas" panose="020B0609020204030204" pitchFamily="49" charset="0"/>
-              </a:rPr>
-              <a:t>类。如果是</a:t>
-            </a:r>
-            <a:r>
-              <a:rPr lang="en-US" altLang="zh-CN" sz="1600" b="0" dirty="0">
-                <a:solidFill>
-                  <a:schemeClr val="tx1"/>
-                </a:solidFill>
-                <a:effectLst/>
-                <a:latin typeface="Consolas" panose="020B0609020204030204" pitchFamily="49" charset="0"/>
-              </a:rPr>
-              <a:t>head</a:t>
-            </a:r>
-            <a:r>
-              <a:rPr lang="zh-CN" altLang="en-US" sz="1600" b="0" dirty="0">
-                <a:solidFill>
-                  <a:schemeClr val="tx1"/>
-                </a:solidFill>
-                <a:effectLst/>
-                <a:latin typeface="Consolas" panose="020B0609020204030204" pitchFamily="49" charset="0"/>
-              </a:rPr>
-              <a:t>和</a:t>
-            </a:r>
-            <a:r>
-              <a:rPr lang="en-US" altLang="zh-CN" sz="1600" b="0" dirty="0">
-                <a:solidFill>
-                  <a:schemeClr val="tx1"/>
-                </a:solidFill>
-                <a:effectLst/>
-                <a:latin typeface="Consolas" panose="020B0609020204030204" pitchFamily="49" charset="0"/>
-              </a:rPr>
-              <a:t>last</a:t>
-            </a:r>
-            <a:r>
-              <a:rPr lang="zh-CN" altLang="en-US" sz="1600" b="0" dirty="0">
-                <a:solidFill>
-                  <a:schemeClr val="tx1"/>
-                </a:solidFill>
-                <a:effectLst/>
-                <a:latin typeface="Consolas" panose="020B0609020204030204" pitchFamily="49" charset="0"/>
-              </a:rPr>
-              <a:t>还需要记录下操作符和相应的操作数。</a:t>
-            </a:r>
-          </a:p>
-          <a:p>
-            <a:pPr marL="0" indent="0">
-              <a:buNone/>
-            </a:pPr>
-            <a:r>
-              <a:rPr lang="en-US" altLang="zh-CN" sz="1600" b="0" dirty="0">
-                <a:solidFill>
-                  <a:schemeClr val="tx1"/>
-                </a:solidFill>
-                <a:effectLst/>
-                <a:latin typeface="Consolas" panose="020B0609020204030204" pitchFamily="49" charset="0"/>
-              </a:rPr>
-              <a:t>3.</a:t>
-            </a:r>
-            <a:r>
-              <a:rPr lang="zh-CN" altLang="en-US" sz="1600" b="0" dirty="0">
-                <a:solidFill>
-                  <a:schemeClr val="tx1"/>
-                </a:solidFill>
-                <a:effectLst/>
-                <a:latin typeface="Consolas" panose="020B0609020204030204" pitchFamily="49" charset="0"/>
-              </a:rPr>
-              <a:t> 记录下</a:t>
-            </a:r>
-            <a:r>
-              <a:rPr lang="en-US" altLang="zh-CN" sz="1600" b="0" dirty="0">
-                <a:solidFill>
-                  <a:schemeClr val="tx1"/>
-                </a:solidFill>
-                <a:effectLst/>
-                <a:latin typeface="Consolas" panose="020B0609020204030204" pitchFamily="49" charset="0"/>
-              </a:rPr>
-              <a:t>hop</a:t>
-            </a:r>
-            <a:r>
-              <a:rPr lang="zh-CN" altLang="en-US" sz="1600" b="0" dirty="0">
-                <a:solidFill>
-                  <a:schemeClr val="tx1"/>
-                </a:solidFill>
-                <a:effectLst/>
-                <a:latin typeface="Consolas" panose="020B0609020204030204" pitchFamily="49" charset="0"/>
-              </a:rPr>
-              <a:t>约束，这个在算子原本的实现中已经完成，需要考虑的是如何使用。</a:t>
-            </a:r>
-            <a:endParaRPr lang="zh-CN" altLang="en-US" sz="1600" dirty="0">
-              <a:solidFill>
-                <a:schemeClr val="tx1"/>
-              </a:solidFill>
-              <a:latin typeface="Microsoft YaHei UI" panose="020B0503020204020204" pitchFamily="34" charset="-122"/>
-              <a:ea typeface="Microsoft YaHei UI" panose="020B0503020204020204" pitchFamily="34" charset="-122"/>
-              <a:cs typeface="Segoe UI" panose="020B0502040204020203" pitchFamily="34" charset="0"/>
-            </a:endParaRPr>
-          </a:p>
-        </p:txBody>
-      </p:sp>
-    </p:spTree>
-    <p:extLst>
-      <p:ext uri="{BB962C8B-B14F-4D97-AF65-F5344CB8AC3E}">
-        <p14:creationId xmlns:p14="http://schemas.microsoft.com/office/powerpoint/2010/main" val="1107001750"/>
-      </p:ext>
-    </p:extLst>
-  </p:cSld>
-  <p:clrMapOvr>
-    <a:masterClrMapping/>
-  </p:clrMapOvr>
-  <mc:AlternateContent xmlns:mc="http://schemas.openxmlformats.org/markup-compatibility/2006" xmlns:p14="http://schemas.microsoft.com/office/powerpoint/2010/main">
-    <mc:Choice Requires="p14">
-      <p:transition p14:dur="10"/>
-    </mc:Choice>
-    <mc:Fallback xmlns="">
-      <p:transition/>
-    </mc:Fallback>
-  </mc:AlternateContent>
-</p:sld>
-</file>
-
-<file path=ppt/slides/slide24.xml><?xml version="1.0" encoding="utf-8"?>
-<p:sld xmlns:a="http://schemas.openxmlformats.org/drawingml/2006/main" xmlns:r="http://schemas.openxmlformats.org/officeDocument/2006/relationships" xmlns:p="http://schemas.openxmlformats.org/presentationml/2006/main">
-  <p:cSld>
-    <p:spTree>
-      <p:nvGrpSpPr>
-        <p:cNvPr id="1" name=""/>
-        <p:cNvGrpSpPr/>
-        <p:nvPr/>
-      </p:nvGrpSpPr>
-      <p:grpSpPr>
-        <a:xfrm>
-          <a:off x="0" y="0"/>
-          <a:ext cx="0" cy="0"/>
-          <a:chOff x="0" y="0"/>
-          <a:chExt cx="0" cy="0"/>
-        </a:xfrm>
-      </p:grpSpPr>
-      <p:sp>
-        <p:nvSpPr>
-          <p:cNvPr id="3" name="标题 2"/>
-          <p:cNvSpPr>
-            <a:spLocks noGrp="1"/>
-          </p:cNvSpPr>
-          <p:nvPr>
-            <p:ph type="title"/>
-          </p:nvPr>
-        </p:nvSpPr>
-        <p:spPr/>
-        <p:txBody>
-          <a:bodyPr rtlCol="0">
-            <a:normAutofit/>
-          </a:bodyPr>
-          <a:lstStyle/>
-          <a:p>
-            <a:r>
-              <a:rPr lang="zh-CN" altLang="en-US" dirty="0">
-                <a:cs typeface="Segoe UI Light" panose="020B0502040204020203" pitchFamily="34" charset="0"/>
-              </a:rPr>
-              <a:t>算法思路 </a:t>
-            </a:r>
-            <a:r>
-              <a:rPr lang="zh-CN" altLang="en-US" dirty="0">
-                <a:effectLst/>
-                <a:latin typeface="Consolas" panose="020B0609020204030204" pitchFamily="49" charset="0"/>
-              </a:rPr>
-              <a:t>修改算子边扩展边剪枝</a:t>
-            </a:r>
-            <a:endParaRPr lang="zh-CN" altLang="en-US" dirty="0">
-              <a:cs typeface="Segoe UI Light" panose="020B0502040204020203" pitchFamily="34" charset="0"/>
-            </a:endParaRPr>
-          </a:p>
-        </p:txBody>
-      </p:sp>
-      <p:sp>
-        <p:nvSpPr>
-          <p:cNvPr id="5" name="内容占位符 4"/>
-          <p:cNvSpPr>
-            <a:spLocks noGrp="1"/>
-          </p:cNvSpPr>
-          <p:nvPr>
-            <p:ph sz="half" idx="4294967295"/>
-          </p:nvPr>
-        </p:nvSpPr>
-        <p:spPr>
-          <a:xfrm>
-            <a:off x="541610" y="1431010"/>
-            <a:ext cx="4557164" cy="4790886"/>
-          </a:xfrm>
-        </p:spPr>
-        <p:txBody>
-          <a:bodyPr vert="horz" lIns="91440" tIns="45720" rIns="91440" bIns="45720" rtlCol="0">
-            <a:normAutofit/>
-          </a:bodyPr>
-          <a:lstStyle/>
-          <a:p>
-            <a:r>
-              <a:rPr lang="zh-CN" altLang="en-US" sz="1600" b="1" dirty="0">
-                <a:effectLst/>
-                <a:latin typeface="Consolas" panose="020B0609020204030204" pitchFamily="49" charset="0"/>
-              </a:rPr>
-              <a:t>目的</a:t>
-            </a:r>
-            <a:br>
-              <a:rPr lang="zh-CN" altLang="en-US" sz="1600" b="0" dirty="0">
-                <a:effectLst/>
-                <a:latin typeface="Consolas" panose="020B0609020204030204" pitchFamily="49" charset="0"/>
-              </a:rPr>
-            </a:br>
-            <a:r>
-              <a:rPr lang="zh-CN" altLang="en-US" sz="1600" b="0" dirty="0">
-                <a:effectLst/>
-                <a:latin typeface="Consolas" panose="020B0609020204030204" pitchFamily="49" charset="0"/>
-              </a:rPr>
-              <a:t>在算子</a:t>
-            </a:r>
-            <a:r>
-              <a:rPr lang="en-US" altLang="zh-CN" sz="1600" b="0" dirty="0" err="1">
-                <a:effectLst/>
-                <a:latin typeface="Consolas" panose="020B0609020204030204" pitchFamily="49" charset="0"/>
-              </a:rPr>
-              <a:t>op_var_len_expand</a:t>
-            </a:r>
-            <a:r>
-              <a:rPr lang="zh-CN" altLang="en-US" sz="1600" b="0" dirty="0">
-                <a:effectLst/>
-                <a:latin typeface="Consolas" panose="020B0609020204030204" pitchFamily="49" charset="0"/>
-              </a:rPr>
-              <a:t>中，会按照</a:t>
-            </a:r>
-            <a:r>
-              <a:rPr lang="en-US" altLang="zh-CN" sz="1600" b="0" dirty="0">
-                <a:effectLst/>
-                <a:latin typeface="Consolas" panose="020B0609020204030204" pitchFamily="49" charset="0"/>
-              </a:rPr>
-              <a:t>hop</a:t>
-            </a:r>
-            <a:r>
-              <a:rPr lang="zh-CN" altLang="en-US" sz="1600" b="0" dirty="0">
-                <a:effectLst/>
-                <a:latin typeface="Consolas" panose="020B0609020204030204" pitchFamily="49" charset="0"/>
-              </a:rPr>
-              <a:t>由小到大的顺序输出所有满足长度的</a:t>
-            </a:r>
-            <a:r>
-              <a:rPr lang="en-US" altLang="zh-CN" sz="1600" b="0" dirty="0">
-                <a:effectLst/>
-                <a:latin typeface="Consolas" panose="020B0609020204030204" pitchFamily="49" charset="0"/>
-              </a:rPr>
-              <a:t>path</a:t>
-            </a:r>
-            <a:r>
-              <a:rPr lang="zh-CN" altLang="en-US" sz="1600" b="0" dirty="0">
-                <a:effectLst/>
-                <a:latin typeface="Consolas" panose="020B0609020204030204" pitchFamily="49" charset="0"/>
-              </a:rPr>
-              <a:t>，但这些</a:t>
-            </a:r>
-            <a:r>
-              <a:rPr lang="en-US" altLang="zh-CN" sz="1600" b="0" dirty="0">
-                <a:effectLst/>
-                <a:latin typeface="Consolas" panose="020B0609020204030204" pitchFamily="49" charset="0"/>
-              </a:rPr>
-              <a:t>path</a:t>
-            </a:r>
-            <a:r>
-              <a:rPr lang="zh-CN" altLang="en-US" sz="1600" b="0" dirty="0">
-                <a:effectLst/>
-                <a:latin typeface="Consolas" panose="020B0609020204030204" pitchFamily="49" charset="0"/>
-              </a:rPr>
-              <a:t>中有大部分会被上层</a:t>
-            </a:r>
-            <a:r>
-              <a:rPr lang="en-US" altLang="zh-CN" sz="1600" b="0" dirty="0">
-                <a:effectLst/>
-                <a:latin typeface="Consolas" panose="020B0609020204030204" pitchFamily="49" charset="0"/>
-              </a:rPr>
-              <a:t>filter</a:t>
-            </a:r>
-            <a:r>
-              <a:rPr lang="zh-CN" altLang="en-US" sz="1600" b="0" dirty="0">
-                <a:effectLst/>
-                <a:latin typeface="Consolas" panose="020B0609020204030204" pitchFamily="49" charset="0"/>
-              </a:rPr>
-              <a:t>过滤，如果能够将约束条件下推到算子中处理，能够节约大部分开销。</a:t>
-            </a:r>
-            <a:endParaRPr lang="zh-CN" altLang="en-US" sz="1600" dirty="0">
-              <a:cs typeface="Segoe UI" panose="020B0502040204020203" pitchFamily="34" charset="0"/>
-            </a:endParaRPr>
-          </a:p>
-        </p:txBody>
-      </p:sp>
-      <p:sp>
-        <p:nvSpPr>
-          <p:cNvPr id="8" name="内容占位符 4">
-            <a:extLst>
-              <a:ext uri="{FF2B5EF4-FFF2-40B4-BE49-F238E27FC236}">
-                <a16:creationId xmlns:a16="http://schemas.microsoft.com/office/drawing/2014/main" id="{29862190-F112-4D96-8611-F43F22B2F8E7}"/>
-              </a:ext>
-            </a:extLst>
-          </p:cNvPr>
-          <p:cNvSpPr txBox="1">
-            <a:spLocks/>
-          </p:cNvSpPr>
-          <p:nvPr/>
-        </p:nvSpPr>
-        <p:spPr>
-          <a:xfrm>
-            <a:off x="6096000" y="1431010"/>
-            <a:ext cx="4557164" cy="4790886"/>
-          </a:xfrm>
-          <a:prstGeom prst="rect">
-            <a:avLst/>
-          </a:prstGeom>
-        </p:spPr>
-        <p:txBody>
-          <a:bodyPr vert="horz" lIns="91440" tIns="45720" rIns="91440" bIns="45720" rtlCol="0">
-            <a:normAutofit lnSpcReduction="10000"/>
-          </a:bodyPr>
-          <a:lstStyle>
-            <a:lvl1pPr marL="0" indent="0" algn="l" defTabSz="914400" rtl="0" eaLnBrk="1" latinLnBrk="0" hangingPunct="1">
-              <a:lnSpc>
-                <a:spcPct val="150000"/>
-              </a:lnSpc>
-              <a:spcBef>
-                <a:spcPts val="1000"/>
-              </a:spcBef>
-              <a:spcAft>
-                <a:spcPts val="1200"/>
-              </a:spcAft>
-              <a:buFontTx/>
-              <a:buNone/>
-              <a:defRPr lang="en-US" sz="1200" kern="1200" dirty="0">
-                <a:solidFill>
-                  <a:schemeClr val="tx1"/>
-                </a:solidFill>
-                <a:latin typeface="Microsoft YaHei UI" panose="020B0503020204020204" pitchFamily="34" charset="-122"/>
-                <a:ea typeface="Microsoft YaHei UI" panose="020B0503020204020204" pitchFamily="34" charset="-122"/>
-                <a:cs typeface="+mn-cs"/>
-              </a:defRPr>
-            </a:lvl1pPr>
-            <a:lvl2pPr marL="228600" indent="-228600" algn="l" defTabSz="914400" rtl="0" eaLnBrk="1" latinLnBrk="0" hangingPunct="1">
-              <a:lnSpc>
-                <a:spcPct val="150000"/>
-              </a:lnSpc>
-              <a:spcBef>
-                <a:spcPts val="1000"/>
-              </a:spcBef>
-              <a:spcAft>
-                <a:spcPts val="1200"/>
-              </a:spcAft>
-              <a:buFont typeface="Arial" panose="020B0604020202020204" pitchFamily="34" charset="0"/>
-              <a:buChar char="•"/>
-              <a:defRPr lang="en-US" sz="1200" kern="1200" dirty="0">
-                <a:solidFill>
-                  <a:schemeClr val="tx1"/>
-                </a:solidFill>
-                <a:latin typeface="Microsoft YaHei UI" panose="020B0503020204020204" pitchFamily="34" charset="-122"/>
-                <a:ea typeface="Microsoft YaHei UI" panose="020B0503020204020204" pitchFamily="34" charset="-122"/>
-                <a:cs typeface="+mn-cs"/>
-              </a:defRPr>
-            </a:lvl2pPr>
-            <a:lvl3pPr marL="685800" indent="-228600" algn="l" defTabSz="914400" rtl="0" eaLnBrk="1" latinLnBrk="0" hangingPunct="1">
-              <a:lnSpc>
-                <a:spcPct val="150000"/>
-              </a:lnSpc>
-              <a:spcBef>
-                <a:spcPts val="1000"/>
-              </a:spcBef>
-              <a:spcAft>
-                <a:spcPts val="1200"/>
-              </a:spcAft>
-              <a:buFont typeface="Arial" panose="020B0604020202020204" pitchFamily="34" charset="0"/>
-              <a:buChar char="•"/>
-              <a:defRPr lang="en-US" sz="1200" kern="1200" dirty="0">
-                <a:solidFill>
-                  <a:schemeClr val="tx1"/>
-                </a:solidFill>
-                <a:latin typeface="Microsoft YaHei UI" panose="020B0503020204020204" pitchFamily="34" charset="-122"/>
-                <a:ea typeface="Microsoft YaHei UI" panose="020B0503020204020204" pitchFamily="34" charset="-122"/>
-                <a:cs typeface="+mn-cs"/>
-              </a:defRPr>
-            </a:lvl3pPr>
-            <a:lvl4pPr marL="1143000" indent="-228600" algn="l" defTabSz="914400" rtl="0" eaLnBrk="1" latinLnBrk="0" hangingPunct="1">
-              <a:lnSpc>
-                <a:spcPct val="150000"/>
-              </a:lnSpc>
-              <a:spcBef>
-                <a:spcPts val="1000"/>
-              </a:spcBef>
-              <a:spcAft>
-                <a:spcPts val="1200"/>
-              </a:spcAft>
-              <a:buFont typeface="Arial" panose="020B0604020202020204" pitchFamily="34" charset="0"/>
-              <a:buChar char="•"/>
-              <a:defRPr lang="en-US" sz="1200" kern="1200" dirty="0" smtClean="0">
-                <a:solidFill>
-                  <a:schemeClr val="tx1"/>
-                </a:solidFill>
-                <a:latin typeface="Microsoft YaHei UI" panose="020B0503020204020204" pitchFamily="34" charset="-122"/>
-                <a:ea typeface="Microsoft YaHei UI" panose="020B0503020204020204" pitchFamily="34" charset="-122"/>
-                <a:cs typeface="+mn-cs"/>
-              </a:defRPr>
-            </a:lvl4pPr>
-            <a:lvl5pPr marL="1600200" indent="-228600" algn="l" defTabSz="914400" rtl="0" eaLnBrk="1" latinLnBrk="0" hangingPunct="1">
-              <a:lnSpc>
-                <a:spcPct val="150000"/>
-              </a:lnSpc>
-              <a:spcBef>
-                <a:spcPts val="1000"/>
-              </a:spcBef>
-              <a:spcAft>
-                <a:spcPts val="1200"/>
-              </a:spcAft>
-              <a:buFont typeface="Arial" panose="020B0604020202020204" pitchFamily="34" charset="0"/>
-              <a:buChar char="•"/>
-              <a:defRPr lang="en-US" sz="1200" kern="1200" dirty="0" smtClean="0">
-                <a:solidFill>
-                  <a:schemeClr val="tx1"/>
-                </a:solidFill>
-                <a:latin typeface="Microsoft YaHei UI" panose="020B0503020204020204" pitchFamily="34" charset="-122"/>
-                <a:ea typeface="Microsoft YaHei UI" panose="020B0503020204020204" pitchFamily="34" charset="-122"/>
-                <a:cs typeface="+mn-cs"/>
-              </a:defRPr>
-            </a:lvl5pPr>
-            <a:lvl6pPr marL="2057400" indent="-228600" algn="l" defTabSz="914400" rtl="0" eaLnBrk="1" latinLnBrk="0" hangingPunct="1">
-              <a:lnSpc>
-                <a:spcPct val="150000"/>
-              </a:lnSpc>
-              <a:spcBef>
-                <a:spcPts val="1000"/>
-              </a:spcBef>
-              <a:spcAft>
-                <a:spcPts val="1200"/>
-              </a:spcAft>
-              <a:buFont typeface="Arial" panose="020B0604020202020204" pitchFamily="34" charset="0"/>
-              <a:buChar char="•"/>
-              <a:defRPr lang="en-US" sz="1200" kern="1200" dirty="0" smtClean="0">
-                <a:solidFill>
-                  <a:schemeClr val="tx1"/>
-                </a:solidFill>
-                <a:latin typeface="+mn-lt"/>
-                <a:ea typeface="+mn-ea"/>
-                <a:cs typeface="+mn-cs"/>
-              </a:defRPr>
-            </a:lvl6pPr>
-            <a:lvl7pPr marL="2514600" indent="-228600" algn="l" defTabSz="914400" rtl="0" eaLnBrk="1" latinLnBrk="0" hangingPunct="1">
-              <a:lnSpc>
-                <a:spcPct val="150000"/>
-              </a:lnSpc>
-              <a:spcBef>
-                <a:spcPts val="1000"/>
-              </a:spcBef>
-              <a:spcAft>
-                <a:spcPts val="1200"/>
-              </a:spcAft>
-              <a:buFont typeface="Arial" panose="020B0604020202020204" pitchFamily="34" charset="0"/>
-              <a:buChar char="•"/>
-              <a:defRPr lang="en-US" sz="1200" kern="1200" dirty="0" smtClean="0">
-                <a:solidFill>
-                  <a:schemeClr val="tx1"/>
-                </a:solidFill>
-                <a:latin typeface="+mn-lt"/>
-                <a:ea typeface="+mn-ea"/>
-                <a:cs typeface="+mn-cs"/>
-              </a:defRPr>
-            </a:lvl7pPr>
-            <a:lvl8pPr marL="2971800" indent="-228600" algn="l" defTabSz="914400" rtl="0" eaLnBrk="1" latinLnBrk="0" hangingPunct="1">
-              <a:lnSpc>
-                <a:spcPct val="150000"/>
-              </a:lnSpc>
-              <a:spcBef>
-                <a:spcPts val="1000"/>
-              </a:spcBef>
-              <a:spcAft>
-                <a:spcPts val="1200"/>
-              </a:spcAft>
-              <a:buFont typeface="Arial" panose="020B0604020202020204" pitchFamily="34" charset="0"/>
-              <a:buChar char="•"/>
-              <a:defRPr lang="en-US" sz="1200" kern="1200" dirty="0" smtClean="0">
-                <a:solidFill>
-                  <a:schemeClr val="tx1"/>
-                </a:solidFill>
-                <a:latin typeface="+mn-lt"/>
-                <a:ea typeface="+mn-ea"/>
-                <a:cs typeface="+mn-cs"/>
-              </a:defRPr>
-            </a:lvl8pPr>
-            <a:lvl9pPr marL="3429000" indent="-228600" algn="l" defTabSz="914400" rtl="0" eaLnBrk="1" latinLnBrk="0" hangingPunct="1">
-              <a:lnSpc>
-                <a:spcPct val="90000"/>
-              </a:lnSpc>
-              <a:spcBef>
-                <a:spcPct val="30000"/>
-              </a:spcBef>
-              <a:buFont typeface="Arial" panose="020B0604020202020204" pitchFamily="34" charset="0"/>
-              <a:buNone/>
-              <a:defRPr sz="1200" kern="1200">
-                <a:solidFill>
-                  <a:schemeClr val="tx1"/>
-                </a:solidFill>
-                <a:latin typeface="+mn-lt"/>
-                <a:ea typeface="+mn-ea"/>
-                <a:cs typeface="+mn-cs"/>
-              </a:defRPr>
-            </a:lvl9pPr>
-          </a:lstStyle>
-          <a:p>
-            <a:r>
-              <a:rPr lang="zh-CN" altLang="en-US" sz="1400" b="1" dirty="0">
-                <a:latin typeface="Consolas" panose="020B0609020204030204" pitchFamily="49" charset="0"/>
-              </a:rPr>
-              <a:t>计划实现</a:t>
-            </a:r>
-            <a:br>
-              <a:rPr lang="zh-CN" altLang="en-US" sz="1400" dirty="0">
-                <a:latin typeface="Consolas" panose="020B0609020204030204" pitchFamily="49" charset="0"/>
-              </a:rPr>
-            </a:br>
-            <a:r>
-              <a:rPr lang="en-US" altLang="zh-CN" sz="1400" dirty="0">
-                <a:latin typeface="Consolas" panose="020B0609020204030204" pitchFamily="49" charset="0"/>
-              </a:rPr>
-              <a:t>1.</a:t>
-            </a:r>
-            <a:r>
-              <a:rPr lang="zh-CN" altLang="en-US" sz="1400" dirty="0">
-                <a:latin typeface="Consolas" panose="020B0609020204030204" pitchFamily="49" charset="0"/>
-              </a:rPr>
-              <a:t> 设计一个数组，并且动态维护之，用于存储记录当前正在处理的</a:t>
-            </a:r>
-            <a:r>
-              <a:rPr lang="en-US" altLang="zh-CN" sz="1400" dirty="0">
-                <a:latin typeface="Consolas" panose="020B0609020204030204" pitchFamily="49" charset="0"/>
-              </a:rPr>
-              <a:t>node</a:t>
-            </a:r>
-            <a:r>
-              <a:rPr lang="zh-CN" altLang="en-US" sz="1400" dirty="0">
-                <a:latin typeface="Consolas" panose="020B0609020204030204" pitchFamily="49" charset="0"/>
-              </a:rPr>
-              <a:t>的指针。</a:t>
-            </a:r>
-          </a:p>
-          <a:p>
-            <a:r>
-              <a:rPr lang="en-US" altLang="zh-CN" sz="1400" dirty="0">
-                <a:latin typeface="Consolas" panose="020B0609020204030204" pitchFamily="49" charset="0"/>
-              </a:rPr>
-              <a:t>2.</a:t>
-            </a:r>
-            <a:r>
-              <a:rPr lang="zh-CN" altLang="en-US" sz="1400" dirty="0">
-                <a:latin typeface="Consolas" panose="020B0609020204030204" pitchFamily="49" charset="0"/>
-              </a:rPr>
-              <a:t> 对于搜索的第一个结点，在加入数组前，检查有无</a:t>
-            </a:r>
-            <a:r>
-              <a:rPr lang="en-US" altLang="zh-CN" sz="1400" dirty="0">
-                <a:latin typeface="Consolas" panose="020B0609020204030204" pitchFamily="49" charset="0"/>
-              </a:rPr>
-              <a:t>head</a:t>
-            </a:r>
-            <a:r>
-              <a:rPr lang="zh-CN" altLang="en-US" sz="1400" dirty="0">
-                <a:latin typeface="Consolas" panose="020B0609020204030204" pitchFamily="49" charset="0"/>
-              </a:rPr>
-              <a:t>约束并判断是否要加入。</a:t>
-            </a:r>
-          </a:p>
-          <a:p>
-            <a:r>
-              <a:rPr lang="en-US" altLang="zh-CN" sz="1400" dirty="0">
-                <a:latin typeface="Consolas" panose="020B0609020204030204" pitchFamily="49" charset="0"/>
-              </a:rPr>
-              <a:t>3.</a:t>
-            </a:r>
-            <a:r>
-              <a:rPr lang="zh-CN" altLang="en-US" sz="1400" dirty="0">
-                <a:latin typeface="Consolas" panose="020B0609020204030204" pitchFamily="49" charset="0"/>
-              </a:rPr>
-              <a:t> 在后续</a:t>
-            </a:r>
-            <a:r>
-              <a:rPr lang="en-US" altLang="zh-CN" sz="1400" dirty="0">
-                <a:latin typeface="Consolas" panose="020B0609020204030204" pitchFamily="49" charset="0"/>
-              </a:rPr>
-              <a:t>expand</a:t>
-            </a:r>
-            <a:r>
-              <a:rPr lang="zh-CN" altLang="en-US" sz="1400" dirty="0">
-                <a:latin typeface="Consolas" panose="020B0609020204030204" pitchFamily="49" charset="0"/>
-              </a:rPr>
-              <a:t>过程中，每当从当前数组最后一位的出边扩展时，加入数组前，判断当前边的时间戳和当前数组最后一位的记录下的时间戳的大小关系。首先需要检查是否满足升序降序顺序。其次，如果有，需要判断是否满足</a:t>
-            </a:r>
-            <a:r>
-              <a:rPr lang="en-US" altLang="zh-CN" sz="1400" dirty="0">
-                <a:latin typeface="Consolas" panose="020B0609020204030204" pitchFamily="49" charset="0"/>
-              </a:rPr>
-              <a:t>head</a:t>
-            </a:r>
-            <a:r>
-              <a:rPr lang="zh-CN" altLang="en-US" sz="1400" dirty="0">
-                <a:latin typeface="Consolas" panose="020B0609020204030204" pitchFamily="49" charset="0"/>
-              </a:rPr>
-              <a:t>约束条件，这是因为可能存在无长度上限约束的</a:t>
-            </a:r>
-            <a:r>
-              <a:rPr lang="en-US" altLang="zh-CN" sz="1400" dirty="0">
-                <a:latin typeface="Consolas" panose="020B0609020204030204" pitchFamily="49" charset="0"/>
-              </a:rPr>
-              <a:t>path</a:t>
-            </a:r>
-            <a:r>
-              <a:rPr lang="zh-CN" altLang="en-US" sz="1400" dirty="0">
-                <a:latin typeface="Consolas" panose="020B0609020204030204" pitchFamily="49" charset="0"/>
-              </a:rPr>
-              <a:t>。</a:t>
-            </a:r>
-            <a:endParaRPr lang="en-US" altLang="zh-CN" sz="1400" dirty="0">
-              <a:latin typeface="Consolas" panose="020B0609020204030204" pitchFamily="49" charset="0"/>
-            </a:endParaRPr>
-          </a:p>
-          <a:p>
-            <a:r>
-              <a:rPr lang="en-US" altLang="zh-CN" sz="1400" dirty="0">
-                <a:latin typeface="Consolas" panose="020B0609020204030204" pitchFamily="49" charset="0"/>
-              </a:rPr>
-              <a:t>4. </a:t>
-            </a:r>
-            <a:r>
-              <a:rPr lang="zh-CN" altLang="en-US" sz="1400" dirty="0">
-                <a:latin typeface="Consolas" panose="020B0609020204030204" pitchFamily="49" charset="0"/>
-              </a:rPr>
-              <a:t>对于最大最小值约束，维护相应的最大最小值，在每次</a:t>
-            </a:r>
-            <a:r>
-              <a:rPr lang="en-US" altLang="zh-CN" sz="1400" dirty="0">
-                <a:latin typeface="Consolas" panose="020B0609020204030204" pitchFamily="49" charset="0"/>
-              </a:rPr>
-              <a:t>expand</a:t>
-            </a:r>
-            <a:r>
-              <a:rPr lang="zh-CN" altLang="en-US" sz="1400" dirty="0">
-                <a:latin typeface="Consolas" panose="020B0609020204030204" pitchFamily="49" charset="0"/>
-              </a:rPr>
-              <a:t>加入数组前检查约束。</a:t>
-            </a:r>
-            <a:endParaRPr lang="zh-CN" altLang="en-US" sz="1400" dirty="0">
-              <a:cs typeface="Segoe UI" panose="020B0502040204020203" pitchFamily="34" charset="0"/>
-            </a:endParaRPr>
-          </a:p>
-        </p:txBody>
-      </p:sp>
-    </p:spTree>
-    <p:extLst>
-      <p:ext uri="{BB962C8B-B14F-4D97-AF65-F5344CB8AC3E}">
-        <p14:creationId xmlns:p14="http://schemas.microsoft.com/office/powerpoint/2010/main" val="958036878"/>
-      </p:ext>
-    </p:extLst>
-  </p:cSld>
-  <p:clrMapOvr>
-    <a:masterClrMapping/>
-  </p:clrMapOvr>
-  <mc:AlternateContent xmlns:mc="http://schemas.openxmlformats.org/markup-compatibility/2006" xmlns:p14="http://schemas.microsoft.com/office/powerpoint/2010/main">
-    <mc:Choice Requires="p14">
-      <p:transition p14:dur="10"/>
-    </mc:Choice>
-    <mc:Fallback xmlns="">
-      <p:transition/>
-    </mc:Fallback>
-  </mc:AlternateContent>
-</p:sld>
-</file>
-
-<file path=ppt/slides/slide25.xml><?xml version="1.0" encoding="utf-8"?>
-<p:sld xmlns:a="http://schemas.openxmlformats.org/drawingml/2006/main" xmlns:r="http://schemas.openxmlformats.org/officeDocument/2006/relationships" xmlns:p="http://schemas.openxmlformats.org/presentationml/2006/main">
-  <p:cSld>
-    <p:spTree>
-      <p:nvGrpSpPr>
-        <p:cNvPr id="1" name=""/>
-        <p:cNvGrpSpPr/>
-        <p:nvPr/>
-      </p:nvGrpSpPr>
-      <p:grpSpPr>
-        <a:xfrm>
-          <a:off x="0" y="0"/>
-          <a:ext cx="0" cy="0"/>
-          <a:chOff x="0" y="0"/>
-          <a:chExt cx="0" cy="0"/>
-        </a:xfrm>
-      </p:grpSpPr>
-      <p:sp>
-        <p:nvSpPr>
-          <p:cNvPr id="2" name="标题 1"/>
-          <p:cNvSpPr>
-            <a:spLocks noGrp="1"/>
-          </p:cNvSpPr>
-          <p:nvPr>
-            <p:ph type="title"/>
-          </p:nvPr>
-        </p:nvSpPr>
-        <p:spPr/>
-        <p:txBody>
-          <a:bodyPr rtlCol="0">
-            <a:normAutofit/>
-          </a:bodyPr>
-          <a:lstStyle/>
-          <a:p>
-            <a:pPr lvl="0" rtl="0"/>
-            <a:r>
-              <a:rPr lang="zh-CN" altLang="en-US" dirty="0">
-                <a:cs typeface="Segoe UI Light" panose="020B0502040204020203" pitchFamily="34" charset="0"/>
-              </a:rPr>
-              <a:t>计划实现</a:t>
-            </a:r>
-            <a:endParaRPr lang="zh-cn" dirty="0">
-              <a:cs typeface="Segoe UI Light" panose="020B0502040204020203" pitchFamily="34" charset="0"/>
-            </a:endParaRPr>
-          </a:p>
-        </p:txBody>
-      </p:sp>
-      <p:sp>
-        <p:nvSpPr>
-          <p:cNvPr id="5" name="内容占位符 4"/>
-          <p:cNvSpPr>
-            <a:spLocks noGrp="1"/>
-          </p:cNvSpPr>
-          <p:nvPr>
-            <p:ph sz="half" idx="4294967295"/>
-          </p:nvPr>
-        </p:nvSpPr>
-        <p:spPr>
-          <a:xfrm>
-            <a:off x="541610" y="1431010"/>
-            <a:ext cx="10943423" cy="3978275"/>
-          </a:xfrm>
-        </p:spPr>
-        <p:txBody>
-          <a:bodyPr vert="horz" lIns="91440" tIns="45720" rIns="91440" bIns="45720" rtlCol="0">
-            <a:normAutofit/>
-          </a:bodyPr>
-          <a:lstStyle/>
-          <a:p>
-            <a:pPr marL="228600" indent="-228600" rtl="0">
-              <a:lnSpc>
-                <a:spcPts val="1800"/>
-              </a:lnSpc>
-              <a:spcBef>
-                <a:spcPts val="1000"/>
-              </a:spcBef>
-              <a:spcAft>
-                <a:spcPts val="2000"/>
-              </a:spcAft>
-              <a:buFont typeface="+mj-lt"/>
-              <a:buAutoNum type="arabicPeriod"/>
-            </a:pPr>
-            <a:r>
-              <a:rPr lang="zh-CN" altLang="en-US" sz="1600" dirty="0">
-                <a:solidFill>
-                  <a:prstClr val="black">
-                    <a:lumMod val="75000"/>
-                    <a:lumOff val="25000"/>
-                  </a:prstClr>
-                </a:solidFill>
-                <a:cs typeface="Segoe UI" panose="020B0502040204020203" pitchFamily="34" charset="0"/>
-              </a:rPr>
-              <a:t>概念验证：自己实现框架，实现非递归</a:t>
-            </a:r>
-            <a:r>
-              <a:rPr lang="en-US" altLang="zh-CN" sz="1600" dirty="0">
-                <a:solidFill>
-                  <a:prstClr val="black">
-                    <a:lumMod val="75000"/>
-                    <a:lumOff val="25000"/>
-                  </a:prstClr>
-                </a:solidFill>
-                <a:cs typeface="Segoe UI" panose="020B0502040204020203" pitchFamily="34" charset="0"/>
-              </a:rPr>
-              <a:t>DFS</a:t>
-            </a:r>
-            <a:r>
-              <a:rPr lang="zh-CN" altLang="en-US" sz="1600" dirty="0">
-                <a:solidFill>
-                  <a:prstClr val="black">
-                    <a:lumMod val="75000"/>
-                    <a:lumOff val="25000"/>
-                  </a:prstClr>
-                </a:solidFill>
-                <a:cs typeface="Segoe UI" panose="020B0502040204020203" pitchFamily="34" charset="0"/>
-              </a:rPr>
-              <a:t>算法，带</a:t>
-            </a:r>
-            <a:r>
-              <a:rPr lang="en-US" altLang="zh-CN" sz="1600" dirty="0">
-                <a:solidFill>
-                  <a:prstClr val="black">
-                    <a:lumMod val="75000"/>
-                    <a:lumOff val="25000"/>
-                  </a:prstClr>
-                </a:solidFill>
-                <a:cs typeface="Segoe UI" panose="020B0502040204020203" pitchFamily="34" charset="0"/>
-              </a:rPr>
-              <a:t>property</a:t>
-            </a:r>
-            <a:r>
-              <a:rPr lang="zh-CN" altLang="en-US" sz="1600" dirty="0">
-                <a:solidFill>
-                  <a:prstClr val="black">
-                    <a:lumMod val="75000"/>
-                    <a:lumOff val="25000"/>
-                  </a:prstClr>
-                </a:solidFill>
-                <a:cs typeface="Segoe UI" panose="020B0502040204020203" pitchFamily="34" charset="0"/>
-              </a:rPr>
-              <a:t>的非递归</a:t>
-            </a:r>
-            <a:r>
-              <a:rPr lang="en-US" altLang="zh-CN" sz="1600" dirty="0">
-                <a:solidFill>
-                  <a:prstClr val="black">
-                    <a:lumMod val="75000"/>
-                    <a:lumOff val="25000"/>
-                  </a:prstClr>
-                </a:solidFill>
-                <a:cs typeface="Segoe UI" panose="020B0502040204020203" pitchFamily="34" charset="0"/>
-              </a:rPr>
-              <a:t>DFS</a:t>
-            </a:r>
-            <a:r>
-              <a:rPr lang="zh-CN" altLang="en-US" sz="1600" dirty="0">
-                <a:solidFill>
-                  <a:prstClr val="black">
-                    <a:lumMod val="75000"/>
-                    <a:lumOff val="25000"/>
-                  </a:prstClr>
-                </a:solidFill>
-                <a:cs typeface="Segoe UI" panose="020B0502040204020203" pitchFamily="34" charset="0"/>
-              </a:rPr>
-              <a:t>算法，带六种函数的非递归</a:t>
-            </a:r>
-            <a:r>
-              <a:rPr lang="en-US" altLang="zh-CN" sz="1600" dirty="0">
-                <a:solidFill>
-                  <a:prstClr val="black">
-                    <a:lumMod val="75000"/>
-                    <a:lumOff val="25000"/>
-                  </a:prstClr>
-                </a:solidFill>
-                <a:cs typeface="Segoe UI" panose="020B0502040204020203" pitchFamily="34" charset="0"/>
-              </a:rPr>
-              <a:t>DFS</a:t>
-            </a:r>
-            <a:r>
-              <a:rPr lang="zh-CN" altLang="en-US" sz="1600" dirty="0">
-                <a:solidFill>
-                  <a:prstClr val="black">
-                    <a:lumMod val="75000"/>
-                    <a:lumOff val="25000"/>
-                  </a:prstClr>
-                </a:solidFill>
-                <a:cs typeface="Segoe UI" panose="020B0502040204020203" pitchFamily="34" charset="0"/>
-              </a:rPr>
-              <a:t>算法 </a:t>
-            </a:r>
-            <a:r>
-              <a:rPr lang="en-US" altLang="zh-CN" sz="1600" dirty="0">
-                <a:solidFill>
-                  <a:prstClr val="black">
-                    <a:lumMod val="75000"/>
-                    <a:lumOff val="25000"/>
-                  </a:prstClr>
-                </a:solidFill>
-                <a:cs typeface="Segoe UI" panose="020B0502040204020203" pitchFamily="34" charset="0"/>
-              </a:rPr>
-              <a:t>5</a:t>
-            </a:r>
-            <a:r>
-              <a:rPr lang="zh-CN" altLang="en-US" sz="1600" dirty="0">
-                <a:solidFill>
-                  <a:prstClr val="black">
-                    <a:lumMod val="75000"/>
-                    <a:lumOff val="25000"/>
-                  </a:prstClr>
-                </a:solidFill>
-                <a:cs typeface="Segoe UI" panose="020B0502040204020203" pitchFamily="34" charset="0"/>
-              </a:rPr>
-              <a:t>天</a:t>
-            </a:r>
-            <a:endParaRPr lang="en-US" altLang="zh-CN" sz="1600" dirty="0">
-              <a:solidFill>
-                <a:prstClr val="black">
-                  <a:lumMod val="75000"/>
-                  <a:lumOff val="25000"/>
-                </a:prstClr>
-              </a:solidFill>
-              <a:cs typeface="Segoe UI" panose="020B0502040204020203" pitchFamily="34" charset="0"/>
-            </a:endParaRPr>
-          </a:p>
-          <a:p>
-            <a:pPr marL="228600" indent="-228600" rtl="0">
-              <a:lnSpc>
-                <a:spcPts val="1800"/>
-              </a:lnSpc>
-              <a:spcBef>
-                <a:spcPts val="1000"/>
-              </a:spcBef>
-              <a:spcAft>
-                <a:spcPts val="2000"/>
-              </a:spcAft>
-              <a:buFont typeface="+mj-lt"/>
-              <a:buAutoNum type="arabicPeriod"/>
-            </a:pPr>
-            <a:r>
-              <a:rPr lang="zh-CN" altLang="en-US" sz="1600" dirty="0">
-                <a:solidFill>
-                  <a:prstClr val="black">
-                    <a:lumMod val="75000"/>
-                    <a:lumOff val="25000"/>
-                  </a:prstClr>
-                </a:solidFill>
-                <a:cs typeface="Segoe UI" panose="020B0502040204020203" pitchFamily="34" charset="0"/>
-              </a:rPr>
-              <a:t>统计指标：修改原</a:t>
-            </a:r>
-            <a:r>
-              <a:rPr lang="en-US" altLang="zh-CN" sz="1600" dirty="0" err="1">
-                <a:solidFill>
-                  <a:prstClr val="black">
-                    <a:lumMod val="75000"/>
-                    <a:lumOff val="25000"/>
-                  </a:prstClr>
-                </a:solidFill>
-                <a:cs typeface="Segoe UI" panose="020B0502040204020203" pitchFamily="34" charset="0"/>
-              </a:rPr>
-              <a:t>tugraph-db</a:t>
-            </a:r>
-            <a:r>
-              <a:rPr lang="zh-CN" altLang="en-US" sz="1600" dirty="0">
-                <a:solidFill>
-                  <a:prstClr val="black">
-                    <a:lumMod val="75000"/>
-                    <a:lumOff val="25000"/>
-                  </a:prstClr>
-                </a:solidFill>
-                <a:cs typeface="Segoe UI" panose="020B0502040204020203" pitchFamily="34" charset="0"/>
-              </a:rPr>
-              <a:t>框架，使获得能够优化的</a:t>
-            </a:r>
-            <a:r>
-              <a:rPr lang="en-US" altLang="zh-CN" sz="1600" dirty="0">
-                <a:solidFill>
-                  <a:prstClr val="black">
-                    <a:lumMod val="75000"/>
-                    <a:lumOff val="25000"/>
-                  </a:prstClr>
-                </a:solidFill>
-                <a:cs typeface="Segoe UI" panose="020B0502040204020203" pitchFamily="34" charset="0"/>
-              </a:rPr>
-              <a:t>query</a:t>
-            </a:r>
-            <a:r>
-              <a:rPr lang="zh-CN" altLang="en-US" sz="1600" dirty="0">
-                <a:solidFill>
-                  <a:prstClr val="black">
-                    <a:lumMod val="75000"/>
-                    <a:lumOff val="25000"/>
-                  </a:prstClr>
-                </a:solidFill>
-                <a:cs typeface="Segoe UI" panose="020B0502040204020203" pitchFamily="34" charset="0"/>
-              </a:rPr>
-              <a:t>的数量指标 </a:t>
-            </a:r>
-            <a:r>
-              <a:rPr lang="en-US" altLang="zh-CN" sz="1600" dirty="0">
-                <a:solidFill>
-                  <a:prstClr val="black">
-                    <a:lumMod val="75000"/>
-                    <a:lumOff val="25000"/>
-                  </a:prstClr>
-                </a:solidFill>
-                <a:cs typeface="Segoe UI" panose="020B0502040204020203" pitchFamily="34" charset="0"/>
-              </a:rPr>
-              <a:t>2</a:t>
-            </a:r>
-            <a:r>
-              <a:rPr lang="zh-CN" altLang="en-US" sz="1600" dirty="0">
-                <a:solidFill>
-                  <a:prstClr val="black">
-                    <a:lumMod val="75000"/>
-                    <a:lumOff val="25000"/>
-                  </a:prstClr>
-                </a:solidFill>
-                <a:cs typeface="Segoe UI" panose="020B0502040204020203" pitchFamily="34" charset="0"/>
-              </a:rPr>
-              <a:t>天</a:t>
-            </a:r>
-            <a:endParaRPr lang="en-US" altLang="zh-CN" sz="1600" dirty="0">
-              <a:solidFill>
-                <a:prstClr val="black">
-                  <a:lumMod val="75000"/>
-                  <a:lumOff val="25000"/>
-                </a:prstClr>
-              </a:solidFill>
-              <a:cs typeface="Segoe UI" panose="020B0502040204020203" pitchFamily="34" charset="0"/>
-            </a:endParaRPr>
-          </a:p>
-          <a:p>
-            <a:pPr marL="228600" indent="-228600" rtl="0">
-              <a:lnSpc>
-                <a:spcPts val="1800"/>
-              </a:lnSpc>
-              <a:spcBef>
-                <a:spcPts val="1000"/>
-              </a:spcBef>
-              <a:spcAft>
-                <a:spcPts val="2000"/>
-              </a:spcAft>
-              <a:buFont typeface="+mj-lt"/>
-              <a:buAutoNum type="arabicPeriod"/>
-            </a:pPr>
-            <a:r>
-              <a:rPr lang="zh-CN" altLang="en-US" sz="1600" dirty="0">
-                <a:solidFill>
-                  <a:prstClr val="black">
-                    <a:lumMod val="75000"/>
-                    <a:lumOff val="25000"/>
-                  </a:prstClr>
-                </a:solidFill>
-                <a:cs typeface="Segoe UI" panose="020B0502040204020203" pitchFamily="34" charset="0"/>
-              </a:rPr>
-              <a:t>在</a:t>
-            </a:r>
-            <a:r>
-              <a:rPr lang="en-US" altLang="zh-CN" sz="1600" dirty="0" err="1">
-                <a:solidFill>
-                  <a:prstClr val="black">
-                    <a:lumMod val="75000"/>
-                    <a:lumOff val="25000"/>
-                  </a:prstClr>
-                </a:solidFill>
-                <a:cs typeface="Segoe UI" panose="020B0502040204020203" pitchFamily="34" charset="0"/>
-              </a:rPr>
-              <a:t>tugraph-db</a:t>
-            </a:r>
-            <a:r>
-              <a:rPr lang="zh-CN" altLang="en-US" sz="1600" dirty="0">
-                <a:solidFill>
-                  <a:prstClr val="black">
-                    <a:lumMod val="75000"/>
-                    <a:lumOff val="25000"/>
-                  </a:prstClr>
-                </a:solidFill>
-                <a:cs typeface="Segoe UI" panose="020B0502040204020203" pitchFamily="34" charset="0"/>
-              </a:rPr>
-              <a:t>框架中实现：</a:t>
-            </a:r>
-            <a:endParaRPr lang="en-US" altLang="zh-CN" sz="1600" dirty="0">
-              <a:solidFill>
-                <a:prstClr val="black">
-                  <a:lumMod val="75000"/>
-                  <a:lumOff val="25000"/>
-                </a:prstClr>
-              </a:solidFill>
-              <a:cs typeface="Segoe UI" panose="020B0502040204020203" pitchFamily="34" charset="0"/>
-            </a:endParaRPr>
-          </a:p>
-          <a:p>
-            <a:pPr marL="400050" lvl="1" indent="-171450">
-              <a:lnSpc>
-                <a:spcPts val="1800"/>
-              </a:lnSpc>
-              <a:spcAft>
-                <a:spcPts val="2000"/>
-              </a:spcAft>
-            </a:pPr>
-            <a:r>
-              <a:rPr lang="en-US" altLang="zh-CN" sz="1600" dirty="0">
-                <a:solidFill>
-                  <a:prstClr val="black">
-                    <a:lumMod val="75000"/>
-                    <a:lumOff val="25000"/>
-                  </a:prstClr>
-                </a:solidFill>
-                <a:cs typeface="Segoe UI" panose="020B0502040204020203" pitchFamily="34" charset="0"/>
-              </a:rPr>
-              <a:t>Rule</a:t>
-            </a:r>
-            <a:r>
-              <a:rPr lang="zh-CN" altLang="en-US" sz="1600" dirty="0">
-                <a:solidFill>
-                  <a:prstClr val="black">
-                    <a:lumMod val="75000"/>
-                    <a:lumOff val="25000"/>
-                  </a:prstClr>
-                </a:solidFill>
-                <a:cs typeface="Segoe UI" panose="020B0502040204020203" pitchFamily="34" charset="0"/>
-              </a:rPr>
-              <a:t>实现：条件下推，设计好存储的结构 </a:t>
-            </a:r>
-            <a:r>
-              <a:rPr lang="en-US" altLang="zh-CN" sz="1600" dirty="0">
-                <a:solidFill>
-                  <a:prstClr val="black">
-                    <a:lumMod val="75000"/>
-                    <a:lumOff val="25000"/>
-                  </a:prstClr>
-                </a:solidFill>
-                <a:cs typeface="Segoe UI" panose="020B0502040204020203" pitchFamily="34" charset="0"/>
-              </a:rPr>
-              <a:t>3</a:t>
-            </a:r>
-            <a:r>
-              <a:rPr lang="zh-CN" altLang="en-US" sz="1600" dirty="0">
-                <a:solidFill>
-                  <a:prstClr val="black">
-                    <a:lumMod val="75000"/>
-                    <a:lumOff val="25000"/>
-                  </a:prstClr>
-                </a:solidFill>
-                <a:cs typeface="Segoe UI" panose="020B0502040204020203" pitchFamily="34" charset="0"/>
-              </a:rPr>
-              <a:t>天</a:t>
-            </a:r>
-            <a:endParaRPr lang="en-US" altLang="zh-CN" sz="1600" dirty="0">
-              <a:solidFill>
-                <a:prstClr val="black">
-                  <a:lumMod val="75000"/>
-                  <a:lumOff val="25000"/>
-                </a:prstClr>
-              </a:solidFill>
-              <a:cs typeface="Segoe UI" panose="020B0502040204020203" pitchFamily="34" charset="0"/>
-            </a:endParaRPr>
-          </a:p>
-          <a:p>
-            <a:pPr marL="400050" lvl="1" indent="-171450">
-              <a:lnSpc>
-                <a:spcPts val="1800"/>
-              </a:lnSpc>
-              <a:spcAft>
-                <a:spcPts val="2000"/>
-              </a:spcAft>
-            </a:pPr>
-            <a:r>
-              <a:rPr lang="zh-CN" altLang="en-US" sz="1600" dirty="0">
-                <a:solidFill>
-                  <a:prstClr val="black">
-                    <a:lumMod val="75000"/>
-                    <a:lumOff val="25000"/>
-                  </a:prstClr>
-                </a:solidFill>
-                <a:cs typeface="Segoe UI" panose="020B0502040204020203" pitchFamily="34" charset="0"/>
-              </a:rPr>
-              <a:t>算子修改：在</a:t>
-            </a:r>
-            <a:r>
-              <a:rPr lang="en-US" altLang="zh-CN" sz="1600" dirty="0" err="1">
-                <a:solidFill>
-                  <a:prstClr val="black">
-                    <a:lumMod val="75000"/>
-                    <a:lumOff val="25000"/>
-                  </a:prstClr>
-                </a:solidFill>
-                <a:cs typeface="Segoe UI" panose="020B0502040204020203" pitchFamily="34" charset="0"/>
-              </a:rPr>
-              <a:t>tugraph-db</a:t>
-            </a:r>
-            <a:r>
-              <a:rPr lang="zh-CN" altLang="en-US" sz="1600" dirty="0">
-                <a:solidFill>
-                  <a:prstClr val="black">
-                    <a:lumMod val="75000"/>
-                    <a:lumOff val="25000"/>
-                  </a:prstClr>
-                </a:solidFill>
-                <a:cs typeface="Segoe UI" panose="020B0502040204020203" pitchFamily="34" charset="0"/>
-              </a:rPr>
-              <a:t>框架中，完成算子修改并通过验证 </a:t>
-            </a:r>
-            <a:r>
-              <a:rPr lang="en-US" altLang="zh-CN" sz="1600" dirty="0">
-                <a:solidFill>
-                  <a:prstClr val="black">
-                    <a:lumMod val="75000"/>
-                    <a:lumOff val="25000"/>
-                  </a:prstClr>
-                </a:solidFill>
-                <a:cs typeface="Segoe UI" panose="020B0502040204020203" pitchFamily="34" charset="0"/>
-              </a:rPr>
-              <a:t>4</a:t>
-            </a:r>
-            <a:r>
-              <a:rPr lang="zh-CN" altLang="en-US" sz="1600" dirty="0">
-                <a:solidFill>
-                  <a:prstClr val="black">
-                    <a:lumMod val="75000"/>
-                    <a:lumOff val="25000"/>
-                  </a:prstClr>
-                </a:solidFill>
-                <a:cs typeface="Segoe UI" panose="020B0502040204020203" pitchFamily="34" charset="0"/>
-              </a:rPr>
-              <a:t>天</a:t>
-            </a:r>
-            <a:endParaRPr lang="en-US" altLang="zh-CN" sz="1600" dirty="0">
-              <a:solidFill>
-                <a:prstClr val="black">
-                  <a:lumMod val="75000"/>
-                  <a:lumOff val="25000"/>
-                </a:prstClr>
-              </a:solidFill>
-              <a:cs typeface="Segoe UI" panose="020B0502040204020203" pitchFamily="34" charset="0"/>
-            </a:endParaRPr>
-          </a:p>
-          <a:p>
-            <a:pPr marL="400050" lvl="1" indent="-171450">
-              <a:lnSpc>
-                <a:spcPts val="1800"/>
-              </a:lnSpc>
-              <a:spcAft>
-                <a:spcPts val="2000"/>
-              </a:spcAft>
-            </a:pPr>
-            <a:r>
-              <a:rPr lang="zh-CN" altLang="en-US" sz="1600" dirty="0">
-                <a:solidFill>
-                  <a:prstClr val="black">
-                    <a:lumMod val="75000"/>
-                    <a:lumOff val="25000"/>
-                  </a:prstClr>
-                </a:solidFill>
-                <a:cs typeface="Segoe UI" panose="020B0502040204020203" pitchFamily="34" charset="0"/>
-              </a:rPr>
-              <a:t>性能评估：</a:t>
-            </a:r>
-            <a:r>
-              <a:rPr lang="en-US" altLang="zh-CN" sz="1600" dirty="0">
-                <a:solidFill>
-                  <a:prstClr val="black">
-                    <a:lumMod val="75000"/>
-                    <a:lumOff val="25000"/>
-                  </a:prstClr>
-                </a:solidFill>
-                <a:cs typeface="Segoe UI" panose="020B0502040204020203" pitchFamily="34" charset="0"/>
-              </a:rPr>
-              <a:t>2</a:t>
-            </a:r>
-            <a:r>
-              <a:rPr lang="zh-CN" altLang="en-US" sz="1600" dirty="0">
-                <a:solidFill>
-                  <a:prstClr val="black">
-                    <a:lumMod val="75000"/>
-                    <a:lumOff val="25000"/>
-                  </a:prstClr>
-                </a:solidFill>
-                <a:cs typeface="Segoe UI" panose="020B0502040204020203" pitchFamily="34" charset="0"/>
-              </a:rPr>
-              <a:t>天</a:t>
-            </a:r>
-            <a:endParaRPr lang="zh-cn" sz="1600" dirty="0">
-              <a:solidFill>
-                <a:prstClr val="black">
-                  <a:lumMod val="75000"/>
-                  <a:lumOff val="25000"/>
-                </a:prstClr>
-              </a:solidFill>
-              <a:cs typeface="Segoe UI" panose="020B0502040204020203" pitchFamily="34" charset="0"/>
-            </a:endParaRPr>
-          </a:p>
-        </p:txBody>
-      </p:sp>
-    </p:spTree>
-    <p:extLst>
-      <p:ext uri="{BB962C8B-B14F-4D97-AF65-F5344CB8AC3E}">
-        <p14:creationId xmlns:p14="http://schemas.microsoft.com/office/powerpoint/2010/main" val="1328676004"/>
-      </p:ext>
-    </p:extLst>
-  </p:cSld>
-  <p:clrMapOvr>
-    <a:masterClrMapping/>
-  </p:clrMapOvr>
-  <mc:AlternateContent xmlns:mc="http://schemas.openxmlformats.org/markup-compatibility/2006" xmlns:p14="http://schemas.microsoft.com/office/powerpoint/2010/main">
-    <mc:Choice Requires="p14">
-      <p:transition p14:dur="10"/>
-    </mc:Choice>
-    <mc:Fallback xmlns="">
-      <p:transition/>
-    </mc:Fallback>
-  </mc:AlternateContent>
-</p:sld>
-</file>
-
-<file path=ppt/slides/slide26.xml><?xml version="1.0" encoding="utf-8"?>
-<p:sld xmlns:a="http://schemas.openxmlformats.org/drawingml/2006/main" xmlns:r="http://schemas.openxmlformats.org/officeDocument/2006/relationships" xmlns:p="http://schemas.openxmlformats.org/presentationml/2006/main">
-  <p:cSld>
-    <p:spTree>
-      <p:nvGrpSpPr>
-        <p:cNvPr id="1" name=""/>
-        <p:cNvGrpSpPr/>
-        <p:nvPr/>
-      </p:nvGrpSpPr>
-      <p:grpSpPr>
-        <a:xfrm>
-          <a:off x="0" y="0"/>
-          <a:ext cx="0" cy="0"/>
-          <a:chOff x="0" y="0"/>
-          <a:chExt cx="0" cy="0"/>
-        </a:xfrm>
-      </p:grpSpPr>
-      <p:sp>
-        <p:nvSpPr>
-          <p:cNvPr id="10" name="标题 9"/>
-          <p:cNvSpPr>
-            <a:spLocks noGrp="1"/>
-          </p:cNvSpPr>
-          <p:nvPr>
-            <p:ph type="title"/>
-          </p:nvPr>
-        </p:nvSpPr>
-        <p:spPr/>
-        <p:txBody>
-          <a:bodyPr rtlCol="0">
-            <a:normAutofit/>
-          </a:bodyPr>
-          <a:lstStyle/>
-          <a:p>
-            <a:pPr rtl="0"/>
-            <a:r>
-              <a:rPr lang="zh-CN" altLang="en-US" dirty="0">
-                <a:cs typeface="Segoe UI Light" panose="020B0502040204020203" pitchFamily="34" charset="0"/>
-              </a:rPr>
-              <a:t>感谢倾听</a:t>
-            </a:r>
-          </a:p>
-        </p:txBody>
-      </p:sp>
-      <p:sp>
-        <p:nvSpPr>
-          <p:cNvPr id="5" name="内容占位符 4"/>
-          <p:cNvSpPr>
-            <a:spLocks noGrp="1"/>
-          </p:cNvSpPr>
-          <p:nvPr>
-            <p:ph sz="half" idx="4294967295"/>
-          </p:nvPr>
-        </p:nvSpPr>
-        <p:spPr>
-          <a:xfrm>
-            <a:off x="541611" y="2614427"/>
-            <a:ext cx="9442648" cy="3978275"/>
-          </a:xfrm>
-        </p:spPr>
-        <p:txBody>
-          <a:bodyPr rtlCol="0">
-            <a:normAutofit/>
-          </a:bodyPr>
-          <a:lstStyle/>
-          <a:p>
-            <a:pPr marL="0" indent="0" rtl="0">
-              <a:lnSpc>
-                <a:spcPts val="3600"/>
-              </a:lnSpc>
-              <a:spcAft>
-                <a:spcPts val="0"/>
-              </a:spcAft>
-              <a:buNone/>
-            </a:pPr>
-            <a:r>
-              <a:rPr lang="en-US" altLang="zh-CN" sz="2000" dirty="0" err="1">
-                <a:latin typeface="Microsoft YaHei UI Light" panose="020B0502040204020203" pitchFamily="34" charset="-122"/>
-                <a:ea typeface="Microsoft YaHei UI Light" panose="020B0502040204020203" pitchFamily="34" charset="-122"/>
-                <a:cs typeface="Segoe UI Light" panose="020B0502040204020203" pitchFamily="34" charset="0"/>
-              </a:rPr>
-              <a:t>Baxujin</a:t>
-            </a:r>
-            <a:endParaRPr lang="en-US" altLang="zh-CN" sz="2000" dirty="0">
-              <a:latin typeface="Microsoft YaHei UI Light" panose="020B0502040204020203" pitchFamily="34" charset="-122"/>
-              <a:ea typeface="Microsoft YaHei UI Light" panose="020B0502040204020203" pitchFamily="34" charset="-122"/>
-              <a:cs typeface="Segoe UI Light" panose="020B0502040204020203" pitchFamily="34" charset="0"/>
-            </a:endParaRPr>
-          </a:p>
-          <a:p>
-            <a:pPr marL="0" indent="0" rtl="0">
-              <a:lnSpc>
-                <a:spcPts val="3600"/>
-              </a:lnSpc>
-              <a:spcAft>
-                <a:spcPts val="0"/>
-              </a:spcAft>
-              <a:buNone/>
-            </a:pPr>
-            <a:r>
-              <a:rPr lang="en-US" altLang="zh-CN" sz="2000" dirty="0">
-                <a:latin typeface="Microsoft YaHei UI Light" panose="020B0502040204020203" pitchFamily="34" charset="-122"/>
-                <a:ea typeface="Microsoft YaHei UI Light" panose="020B0502040204020203" pitchFamily="34" charset="-122"/>
-                <a:cs typeface="Segoe UI Light" panose="020B0502040204020203" pitchFamily="34" charset="0"/>
-              </a:rPr>
-              <a:t>24/03/20</a:t>
-            </a:r>
-            <a:endParaRPr lang="zh-CN" altLang="en-US" sz="2000" dirty="0">
-              <a:latin typeface="Microsoft YaHei UI Light" panose="020B0502040204020203" pitchFamily="34" charset="-122"/>
-              <a:ea typeface="Microsoft YaHei UI Light" panose="020B0502040204020203" pitchFamily="34" charset="-122"/>
-              <a:cs typeface="Segoe UI Light" panose="020B0502040204020203" pitchFamily="34" charset="0"/>
-            </a:endParaRPr>
-          </a:p>
-        </p:txBody>
-      </p:sp>
-    </p:spTree>
-    <p:extLst>
-      <p:ext uri="{BB962C8B-B14F-4D97-AF65-F5344CB8AC3E}">
-        <p14:creationId xmlns:p14="http://schemas.microsoft.com/office/powerpoint/2010/main" val="893025881"/>
-      </p:ext>
-    </p:extLst>
-  </p:cSld>
-  <p:clrMapOvr>
-    <a:masterClrMapping/>
-  </p:clrMapOvr>
-  <mc:AlternateContent xmlns:mc="http://schemas.openxmlformats.org/markup-compatibility/2006" xmlns:p15="http://schemas.microsoft.com/office/powerpoint/2012/main">
-    <mc:Choice Requires="p15">
-      <p:transition xmlns:p14="http://schemas.microsoft.com/office/powerpoint/2010/main" spd="slow" p14:dur="2000">
-        <p15:prstTrans prst="drape"/>
-      </p:transition>
-    </mc:Choice>
-    <mc:Fallback xmlns="">
-      <p:transition xmlns:p14="http://schemas.microsoft.com/office/powerpoint/2010/main" spd="slow">
-        <p:fade/>
-      </p:transition>
-    </mc:Fallback>
-  </mc:AlternateContent>
-</p:sld>
-</file>
-
-<file path=ppt/slides/slide3.xml><?xml version="1.0" encoding="utf-8"?>
-<p:sld xmlns:a="http://schemas.openxmlformats.org/drawingml/2006/main" xmlns:r="http://schemas.openxmlformats.org/officeDocument/2006/relationships" xmlns:p="http://schemas.openxmlformats.org/presentationml/2006/main">
-  <p:cSld>
-    <p:spTree>
-      <p:nvGrpSpPr>
-        <p:cNvPr id="1" name=""/>
-        <p:cNvGrpSpPr/>
-        <p:nvPr/>
-      </p:nvGrpSpPr>
-      <p:grpSpPr>
-        <a:xfrm>
-          <a:off x="0" y="0"/>
-          <a:ext cx="0" cy="0"/>
-          <a:chOff x="0" y="0"/>
-          <a:chExt cx="0" cy="0"/>
-        </a:xfrm>
-      </p:grpSpPr>
-      <p:sp>
-        <p:nvSpPr>
-          <p:cNvPr id="2" name="标题 1">
-            <a:extLst>
-              <a:ext uri="{FF2B5EF4-FFF2-40B4-BE49-F238E27FC236}">
-                <a16:creationId xmlns:a16="http://schemas.microsoft.com/office/drawing/2014/main" id="{5859C19E-8D73-4357-9C95-1DCBFAE220B0}"/>
-              </a:ext>
-            </a:extLst>
-          </p:cNvPr>
-          <p:cNvSpPr>
-            <a:spLocks noGrp="1"/>
-          </p:cNvSpPr>
-          <p:nvPr>
-            <p:ph type="title"/>
-          </p:nvPr>
-        </p:nvSpPr>
-        <p:spPr/>
-        <p:txBody>
-          <a:bodyPr/>
-          <a:lstStyle/>
-          <a:p>
-            <a:r>
-              <a:rPr lang="zh-CN" altLang="en-US" dirty="0"/>
-              <a:t>解决方案 </a:t>
-            </a:r>
-            <a:r>
-              <a:rPr lang="en-US" altLang="zh-CN" dirty="0"/>
-              <a:t>step2</a:t>
-            </a:r>
-            <a:endParaRPr lang="zh-CN" altLang="en-US" dirty="0"/>
-          </a:p>
-        </p:txBody>
-      </p:sp>
-      <p:sp>
-        <p:nvSpPr>
-          <p:cNvPr id="3" name="内容占位符 2">
-            <a:extLst>
-              <a:ext uri="{FF2B5EF4-FFF2-40B4-BE49-F238E27FC236}">
-                <a16:creationId xmlns:a16="http://schemas.microsoft.com/office/drawing/2014/main" id="{FFD62A50-FFD5-4D37-9753-A2EE10FF9582}"/>
-              </a:ext>
-            </a:extLst>
-          </p:cNvPr>
-          <p:cNvSpPr>
-            <a:spLocks noGrp="1"/>
-          </p:cNvSpPr>
-          <p:nvPr>
-            <p:ph sz="quarter" idx="10"/>
-          </p:nvPr>
-        </p:nvSpPr>
-        <p:spPr>
-          <a:xfrm>
-            <a:off x="539496" y="1405975"/>
-            <a:ext cx="10941304" cy="3977640"/>
-          </a:xfrm>
-        </p:spPr>
-        <p:txBody>
-          <a:bodyPr>
-            <a:normAutofit/>
-          </a:bodyPr>
-          <a:lstStyle/>
-          <a:p>
-            <a:pPr marL="342900" indent="-342900">
-              <a:buFont typeface="+mj-lt"/>
-              <a:buAutoNum type="arabicPeriod"/>
-            </a:pPr>
-            <a:r>
-              <a:rPr lang="zh-CN" altLang="en-US" sz="1600" b="0" dirty="0">
-                <a:solidFill>
-                  <a:schemeClr val="tx1"/>
-                </a:solidFill>
-                <a:effectLst/>
-                <a:latin typeface="Consolas" panose="020B0609020204030204" pitchFamily="49" charset="0"/>
-              </a:rPr>
-              <a:t>完成</a:t>
-            </a:r>
-            <a:r>
-              <a:rPr lang="en-US" altLang="zh-CN" sz="1600" b="0" dirty="0">
-                <a:solidFill>
-                  <a:schemeClr val="tx1"/>
-                </a:solidFill>
-                <a:effectLst/>
-                <a:latin typeface="Consolas" panose="020B0609020204030204" pitchFamily="49" charset="0"/>
-              </a:rPr>
-              <a:t>rule </a:t>
-            </a:r>
-            <a:r>
-              <a:rPr lang="en-US" altLang="zh-CN" sz="1600" b="0" dirty="0" err="1">
-                <a:solidFill>
-                  <a:schemeClr val="tx1"/>
-                </a:solidFill>
-                <a:effectLst/>
-                <a:latin typeface="Consolas" panose="020B0609020204030204" pitchFamily="49" charset="0"/>
-              </a:rPr>
-              <a:t>edge_filter_pushdown_varlenexpand</a:t>
-            </a:r>
-            <a:r>
-              <a:rPr lang="en-US" altLang="zh-CN" sz="1600" dirty="0">
-                <a:solidFill>
-                  <a:schemeClr val="tx1"/>
-                </a:solidFill>
-                <a:latin typeface="Consolas" panose="020B0609020204030204" pitchFamily="49" charset="0"/>
-              </a:rPr>
-              <a:t>.</a:t>
-            </a:r>
-            <a:endParaRPr lang="en-US" altLang="zh-CN" sz="1600" b="0" dirty="0">
-              <a:solidFill>
-                <a:schemeClr val="tx1"/>
-              </a:solidFill>
-              <a:effectLst/>
-              <a:latin typeface="Consolas" panose="020B0609020204030204" pitchFamily="49" charset="0"/>
-            </a:endParaRPr>
-          </a:p>
-          <a:p>
-            <a:pPr marL="342900" indent="-342900">
-              <a:buFont typeface="+mj-lt"/>
-              <a:buAutoNum type="arabicPeriod"/>
-            </a:pPr>
-            <a:r>
-              <a:rPr lang="zh-CN" altLang="en-US" sz="1600" dirty="0">
-                <a:solidFill>
-                  <a:schemeClr val="tx1"/>
-                </a:solidFill>
-                <a:latin typeface="Consolas" panose="020B0609020204030204" pitchFamily="49" charset="0"/>
-              </a:rPr>
-              <a:t>在</a:t>
-            </a:r>
-            <a:r>
-              <a:rPr lang="en-US" altLang="zh-CN" sz="1600" dirty="0">
-                <a:solidFill>
-                  <a:schemeClr val="tx1"/>
-                </a:solidFill>
-                <a:latin typeface="Consolas" panose="020B0609020204030204" pitchFamily="49" charset="0"/>
-              </a:rPr>
-              <a:t>push down edge filter</a:t>
-            </a:r>
-            <a:r>
-              <a:rPr lang="zh-CN" altLang="en-US" sz="1600" dirty="0">
-                <a:solidFill>
-                  <a:schemeClr val="tx1"/>
-                </a:solidFill>
-                <a:latin typeface="Consolas" panose="020B0609020204030204" pitchFamily="49" charset="0"/>
-              </a:rPr>
-              <a:t>的基础上修改实现，首先定位到</a:t>
-            </a:r>
-            <a:r>
-              <a:rPr lang="en-US" altLang="zh-CN" sz="1600" dirty="0" err="1">
-                <a:solidFill>
-                  <a:schemeClr val="tx1"/>
-                </a:solidFill>
-                <a:latin typeface="Consolas" panose="020B0609020204030204" pitchFamily="49" charset="0"/>
-              </a:rPr>
-              <a:t>op_filter</a:t>
-            </a:r>
-            <a:r>
-              <a:rPr lang="en-US" altLang="zh-CN" sz="1600" dirty="0">
-                <a:solidFill>
-                  <a:schemeClr val="tx1"/>
-                </a:solidFill>
-                <a:latin typeface="Consolas" panose="020B0609020204030204" pitchFamily="49" charset="0"/>
-              </a:rPr>
-              <a:t>-&gt;</a:t>
-            </a:r>
-            <a:r>
-              <a:rPr lang="en-US" altLang="zh-CN" sz="1600" dirty="0" err="1">
-                <a:solidFill>
-                  <a:schemeClr val="tx1"/>
-                </a:solidFill>
-                <a:latin typeface="Consolas" panose="020B0609020204030204" pitchFamily="49" charset="0"/>
-              </a:rPr>
-              <a:t>op_var_len_expand</a:t>
-            </a:r>
-            <a:r>
-              <a:rPr lang="zh-CN" altLang="en-US" sz="1600" dirty="0">
-                <a:solidFill>
-                  <a:schemeClr val="tx1"/>
-                </a:solidFill>
-                <a:latin typeface="Consolas" panose="020B0609020204030204" pitchFamily="49" charset="0"/>
-              </a:rPr>
-              <a:t>的结构，扫描</a:t>
-            </a:r>
-            <a:r>
-              <a:rPr lang="en-US" altLang="zh-CN" sz="1600" dirty="0">
-                <a:solidFill>
-                  <a:schemeClr val="tx1"/>
-                </a:solidFill>
-                <a:latin typeface="Consolas" panose="020B0609020204030204" pitchFamily="49" charset="0"/>
-              </a:rPr>
-              <a:t>filter</a:t>
-            </a:r>
-            <a:r>
-              <a:rPr lang="zh-CN" altLang="en-US" sz="1600" dirty="0">
-                <a:solidFill>
-                  <a:schemeClr val="tx1"/>
-                </a:solidFill>
-                <a:latin typeface="Consolas" panose="020B0609020204030204" pitchFamily="49" charset="0"/>
-              </a:rPr>
-              <a:t>将其中的条件，按照作用在边上与否分离，再将与不定跳有关的条件</a:t>
-            </a:r>
-            <a:r>
-              <a:rPr lang="en-US" altLang="zh-CN" sz="1600" dirty="0">
-                <a:solidFill>
-                  <a:schemeClr val="tx1"/>
-                </a:solidFill>
-                <a:latin typeface="Consolas" panose="020B0609020204030204" pitchFamily="49" charset="0"/>
-              </a:rPr>
-              <a:t>pushdown</a:t>
-            </a:r>
-            <a:r>
-              <a:rPr lang="zh-CN" altLang="en-US" sz="1600" dirty="0">
-                <a:solidFill>
-                  <a:schemeClr val="tx1"/>
-                </a:solidFill>
-                <a:latin typeface="Consolas" panose="020B0609020204030204" pitchFamily="49" charset="0"/>
-              </a:rPr>
-              <a:t>到算子中解析。</a:t>
-            </a:r>
-            <a:endParaRPr lang="en-US" altLang="zh-CN" sz="1600" dirty="0">
-              <a:solidFill>
-                <a:schemeClr val="tx1"/>
-              </a:solidFill>
-              <a:latin typeface="Consolas" panose="020B0609020204030204" pitchFamily="49" charset="0"/>
-            </a:endParaRPr>
-          </a:p>
-          <a:p>
-            <a:pPr marL="342900" indent="-342900">
-              <a:buFont typeface="+mj-lt"/>
-              <a:buAutoNum type="arabicPeriod"/>
-            </a:pPr>
-            <a:r>
-              <a:rPr lang="zh-CN" altLang="en-US" sz="1600" dirty="0">
-                <a:solidFill>
-                  <a:schemeClr val="tx1"/>
-                </a:solidFill>
-                <a:latin typeface="Consolas" panose="020B0609020204030204" pitchFamily="49" charset="0"/>
-              </a:rPr>
-              <a:t>算子解析</a:t>
-            </a:r>
-            <a:r>
-              <a:rPr lang="en-US" altLang="zh-CN" sz="1600" dirty="0">
-                <a:solidFill>
-                  <a:schemeClr val="tx1"/>
-                </a:solidFill>
-                <a:latin typeface="Consolas" panose="020B0609020204030204" pitchFamily="49" charset="0"/>
-              </a:rPr>
-              <a:t>filter</a:t>
-            </a:r>
-            <a:r>
-              <a:rPr lang="zh-CN" altLang="en-US" sz="1600" dirty="0">
-                <a:solidFill>
-                  <a:schemeClr val="tx1"/>
-                </a:solidFill>
-                <a:latin typeface="Consolas" panose="020B0609020204030204" pitchFamily="49" charset="0"/>
-              </a:rPr>
-              <a:t>，</a:t>
-            </a:r>
-            <a:r>
-              <a:rPr lang="zh-CN" altLang="en-US" sz="1600" b="0" dirty="0">
-                <a:solidFill>
-                  <a:schemeClr val="tx1"/>
-                </a:solidFill>
-                <a:effectLst/>
-                <a:latin typeface="Consolas" panose="020B0609020204030204" pitchFamily="49" charset="0"/>
-              </a:rPr>
-              <a:t>对作用在</a:t>
-            </a:r>
-            <a:r>
-              <a:rPr lang="en-US" altLang="zh-CN" sz="1600" b="0" dirty="0" err="1">
-                <a:solidFill>
-                  <a:schemeClr val="tx1"/>
-                </a:solidFill>
-                <a:effectLst/>
-                <a:latin typeface="Consolas" panose="020B0609020204030204" pitchFamily="49" charset="0"/>
-              </a:rPr>
-              <a:t>path.</a:t>
-            </a:r>
-            <a:r>
-              <a:rPr lang="en-US" altLang="zh-CN" sz="1600" dirty="0" err="1">
-                <a:solidFill>
-                  <a:schemeClr val="tx1"/>
-                </a:solidFill>
-                <a:latin typeface="Consolas" panose="020B0609020204030204" pitchFamily="49" charset="0"/>
-              </a:rPr>
-              <a:t>timestamp</a:t>
-            </a:r>
-            <a:r>
-              <a:rPr lang="zh-CN" altLang="en-US" sz="1600" dirty="0">
-                <a:solidFill>
-                  <a:schemeClr val="tx1"/>
-                </a:solidFill>
-                <a:latin typeface="Consolas" panose="020B0609020204030204" pitchFamily="49" charset="0"/>
-              </a:rPr>
-              <a:t>上的</a:t>
-            </a:r>
-            <a:r>
-              <a:rPr lang="en-US" altLang="zh-CN" sz="1600" dirty="0">
-                <a:solidFill>
-                  <a:schemeClr val="tx1"/>
-                </a:solidFill>
-                <a:latin typeface="Consolas" panose="020B0609020204030204" pitchFamily="49" charset="0"/>
-              </a:rPr>
-              <a:t>6</a:t>
-            </a:r>
-            <a:r>
-              <a:rPr lang="zh-CN" altLang="en-US" sz="1600" dirty="0">
-                <a:solidFill>
-                  <a:schemeClr val="tx1"/>
-                </a:solidFill>
-                <a:latin typeface="Consolas" panose="020B0609020204030204" pitchFamily="49" charset="0"/>
-              </a:rPr>
-              <a:t>种函数</a:t>
-            </a:r>
-            <a:r>
-              <a:rPr lang="en-US" altLang="zh-CN" sz="1600" dirty="0">
-                <a:solidFill>
-                  <a:schemeClr val="tx1"/>
-                </a:solidFill>
-                <a:latin typeface="Consolas" panose="020B0609020204030204" pitchFamily="49" charset="0"/>
-              </a:rPr>
-              <a:t>filter</a:t>
-            </a:r>
-            <a:r>
-              <a:rPr lang="zh-CN" altLang="en-US" sz="1600" dirty="0">
-                <a:solidFill>
-                  <a:schemeClr val="tx1"/>
-                </a:solidFill>
-                <a:latin typeface="Consolas" panose="020B0609020204030204" pitchFamily="49" charset="0"/>
-              </a:rPr>
-              <a:t>，分别处理。构建</a:t>
-            </a:r>
-            <a:r>
-              <a:rPr lang="en-US" altLang="zh-CN" sz="1600" dirty="0">
-                <a:solidFill>
-                  <a:schemeClr val="tx1"/>
-                </a:solidFill>
-                <a:latin typeface="Consolas" panose="020B0609020204030204" pitchFamily="49" charset="0"/>
-              </a:rPr>
-              <a:t>Predicate</a:t>
-            </a:r>
-            <a:r>
-              <a:rPr lang="zh-CN" altLang="en-US" sz="1600" dirty="0">
-                <a:solidFill>
-                  <a:schemeClr val="tx1"/>
-                </a:solidFill>
-                <a:latin typeface="Consolas" panose="020B0609020204030204" pitchFamily="49" charset="0"/>
-              </a:rPr>
-              <a:t>类，用于不同子类对应不同函数类型，其中保存比较运算符以及操作数。</a:t>
-            </a:r>
-            <a:br>
-              <a:rPr lang="zh-CN" altLang="en-US" sz="1600" b="0" dirty="0">
-                <a:solidFill>
-                  <a:schemeClr val="tx1"/>
-                </a:solidFill>
-                <a:effectLst/>
-                <a:latin typeface="Consolas" panose="020B0609020204030204" pitchFamily="49" charset="0"/>
-              </a:rPr>
-            </a:br>
-            <a:endParaRPr lang="zh-CN" altLang="en-US" sz="1600" dirty="0">
-              <a:solidFill>
-                <a:schemeClr val="tx1"/>
-              </a:solidFill>
-            </a:endParaRPr>
-          </a:p>
-        </p:txBody>
-      </p:sp>
-      <p:pic>
-        <p:nvPicPr>
-          <p:cNvPr id="5" name="图片 4">
-            <a:extLst>
-              <a:ext uri="{FF2B5EF4-FFF2-40B4-BE49-F238E27FC236}">
-                <a16:creationId xmlns:a16="http://schemas.microsoft.com/office/drawing/2014/main" id="{D837D8CD-815F-4799-95F0-F7BFB41A4EF5}"/>
-              </a:ext>
-            </a:extLst>
-          </p:cNvPr>
-          <p:cNvPicPr>
-            <a:picLocks noChangeAspect="1"/>
-          </p:cNvPicPr>
-          <p:nvPr/>
-        </p:nvPicPr>
-        <p:blipFill>
-          <a:blip r:embed="rId2"/>
-          <a:stretch>
-            <a:fillRect/>
-          </a:stretch>
-        </p:blipFill>
-        <p:spPr>
-          <a:xfrm>
-            <a:off x="5813003" y="3640729"/>
-            <a:ext cx="5647952" cy="2552073"/>
-          </a:xfrm>
-          <a:prstGeom prst="rect">
-            <a:avLst/>
-          </a:prstGeom>
-        </p:spPr>
-      </p:pic>
-    </p:spTree>
-    <p:extLst>
-      <p:ext uri="{BB962C8B-B14F-4D97-AF65-F5344CB8AC3E}">
-        <p14:creationId xmlns:p14="http://schemas.microsoft.com/office/powerpoint/2010/main" val="527464042"/>
-      </p:ext>
-    </p:extLst>
-  </p:cSld>
-  <p:clrMapOvr>
-    <a:masterClrMapping/>
-  </p:clrMapOvr>
-</p:sld>
-</file>
-
-<file path=ppt/slides/slide4.xml><?xml version="1.0" encoding="utf-8"?>
-<p:sld xmlns:a="http://schemas.openxmlformats.org/drawingml/2006/main" xmlns:r="http://schemas.openxmlformats.org/officeDocument/2006/relationships" xmlns:p="http://schemas.openxmlformats.org/presentationml/2006/main">
-  <p:cSld>
-    <p:spTree>
-      <p:nvGrpSpPr>
-        <p:cNvPr id="1" name=""/>
-        <p:cNvGrpSpPr/>
-        <p:nvPr/>
-      </p:nvGrpSpPr>
-      <p:grpSpPr>
-        <a:xfrm>
-          <a:off x="0" y="0"/>
-          <a:ext cx="0" cy="0"/>
-          <a:chOff x="0" y="0"/>
-          <a:chExt cx="0" cy="0"/>
-        </a:xfrm>
-      </p:grpSpPr>
-      <p:sp>
-        <p:nvSpPr>
-          <p:cNvPr id="2" name="标题 1">
-            <a:extLst>
-              <a:ext uri="{FF2B5EF4-FFF2-40B4-BE49-F238E27FC236}">
-                <a16:creationId xmlns:a16="http://schemas.microsoft.com/office/drawing/2014/main" id="{5859C19E-8D73-4357-9C95-1DCBFAE220B0}"/>
-              </a:ext>
-            </a:extLst>
-          </p:cNvPr>
-          <p:cNvSpPr>
-            <a:spLocks noGrp="1"/>
-          </p:cNvSpPr>
-          <p:nvPr>
-            <p:ph type="title"/>
-          </p:nvPr>
-        </p:nvSpPr>
-        <p:spPr/>
-        <p:txBody>
-          <a:bodyPr/>
-          <a:lstStyle/>
-          <a:p>
-            <a:r>
-              <a:rPr lang="zh-CN" altLang="en-US" dirty="0"/>
-              <a:t>解决方案 </a:t>
-            </a:r>
-            <a:r>
-              <a:rPr lang="en-US" altLang="zh-CN" dirty="0"/>
-              <a:t>step3</a:t>
-            </a:r>
-            <a:endParaRPr lang="zh-CN" altLang="en-US" dirty="0"/>
-          </a:p>
-        </p:txBody>
-      </p:sp>
-      <p:sp>
-        <p:nvSpPr>
-          <p:cNvPr id="3" name="内容占位符 2">
-            <a:extLst>
-              <a:ext uri="{FF2B5EF4-FFF2-40B4-BE49-F238E27FC236}">
-                <a16:creationId xmlns:a16="http://schemas.microsoft.com/office/drawing/2014/main" id="{FFD62A50-FFD5-4D37-9753-A2EE10FF9582}"/>
-              </a:ext>
-            </a:extLst>
-          </p:cNvPr>
-          <p:cNvSpPr>
-            <a:spLocks noGrp="1"/>
-          </p:cNvSpPr>
-          <p:nvPr>
-            <p:ph sz="quarter" idx="10"/>
-          </p:nvPr>
-        </p:nvSpPr>
-        <p:spPr>
-          <a:xfrm>
-            <a:off x="539496" y="1405975"/>
-            <a:ext cx="10941304" cy="3977640"/>
-          </a:xfrm>
-        </p:spPr>
-        <p:txBody>
-          <a:bodyPr>
-            <a:normAutofit/>
-          </a:bodyPr>
-          <a:lstStyle/>
-          <a:p>
-            <a:pPr marL="342900" indent="-342900">
-              <a:buFont typeface="+mj-lt"/>
-              <a:buAutoNum type="arabicPeriod"/>
-            </a:pPr>
-            <a:r>
-              <a:rPr lang="zh-CN" altLang="en-US" sz="1600" dirty="0">
-                <a:solidFill>
-                  <a:schemeClr val="tx1"/>
-                </a:solidFill>
-                <a:latin typeface="Consolas" panose="020B0609020204030204" pitchFamily="49" charset="0"/>
-              </a:rPr>
-              <a:t>在</a:t>
-            </a:r>
-            <a:r>
-              <a:rPr lang="en-US" altLang="zh-CN" sz="1600" dirty="0">
-                <a:solidFill>
-                  <a:schemeClr val="tx1"/>
-                </a:solidFill>
-                <a:latin typeface="Consolas" panose="020B0609020204030204" pitchFamily="49" charset="0"/>
-              </a:rPr>
-              <a:t>step1</a:t>
-            </a:r>
-            <a:r>
-              <a:rPr lang="zh-CN" altLang="en-US" sz="1600" dirty="0">
-                <a:solidFill>
-                  <a:schemeClr val="tx1"/>
-                </a:solidFill>
-                <a:latin typeface="Consolas" panose="020B0609020204030204" pitchFamily="49" charset="0"/>
-              </a:rPr>
-              <a:t>的基础上修改，在每次入栈后，运行检查，只有通过所有条件的</a:t>
-            </a:r>
-            <a:r>
-              <a:rPr lang="en-US" altLang="zh-CN" sz="1600" dirty="0">
-                <a:solidFill>
-                  <a:schemeClr val="tx1"/>
-                </a:solidFill>
-                <a:latin typeface="Consolas" panose="020B0609020204030204" pitchFamily="49" charset="0"/>
-              </a:rPr>
-              <a:t>path</a:t>
-            </a:r>
-            <a:r>
-              <a:rPr lang="zh-CN" altLang="en-US" sz="1600" dirty="0">
-                <a:solidFill>
-                  <a:schemeClr val="tx1"/>
-                </a:solidFill>
-                <a:latin typeface="Consolas" panose="020B0609020204030204" pitchFamily="49" charset="0"/>
-              </a:rPr>
-              <a:t>才会保留。一旦发现当前已经不满足条件了，如升序降序或者最大值最小值要求等，那么执行出栈和</a:t>
-            </a:r>
-            <a:r>
-              <a:rPr lang="en-US" altLang="zh-CN" sz="1600" dirty="0">
-                <a:solidFill>
-                  <a:schemeClr val="tx1"/>
-                </a:solidFill>
-                <a:latin typeface="Consolas" panose="020B0609020204030204" pitchFamily="49" charset="0"/>
-              </a:rPr>
-              <a:t>continue</a:t>
-            </a:r>
-            <a:r>
-              <a:rPr lang="zh-CN" altLang="en-US" sz="1600" dirty="0">
-                <a:solidFill>
-                  <a:schemeClr val="tx1"/>
-                </a:solidFill>
-                <a:latin typeface="Consolas" panose="020B0609020204030204" pitchFamily="49" charset="0"/>
-              </a:rPr>
-              <a:t>的操作，搜索当前点的下一条边，起到了提前过滤的作用。</a:t>
-            </a:r>
-            <a:endParaRPr lang="en-US" altLang="zh-CN" sz="1600" dirty="0">
-              <a:solidFill>
-                <a:schemeClr val="tx1"/>
-              </a:solidFill>
-              <a:latin typeface="Consolas" panose="020B0609020204030204" pitchFamily="49" charset="0"/>
-            </a:endParaRPr>
-          </a:p>
-          <a:p>
-            <a:pPr marL="342900" indent="-342900">
-              <a:buFont typeface="+mj-lt"/>
-              <a:buAutoNum type="arabicPeriod"/>
-            </a:pPr>
-            <a:r>
-              <a:rPr lang="zh-CN" altLang="en-US" sz="1600" b="0" dirty="0">
-                <a:solidFill>
-                  <a:schemeClr val="tx1"/>
-                </a:solidFill>
-                <a:effectLst/>
-                <a:latin typeface="Consolas" panose="020B0609020204030204" pitchFamily="49" charset="0"/>
-              </a:rPr>
-              <a:t>设计没有采用增量维护的方式，而是每一次会检查当前</a:t>
-            </a:r>
-            <a:r>
-              <a:rPr lang="en-US" altLang="zh-CN" sz="1600" b="0" dirty="0">
-                <a:solidFill>
-                  <a:schemeClr val="tx1"/>
-                </a:solidFill>
-                <a:effectLst/>
-                <a:latin typeface="Consolas" panose="020B0609020204030204" pitchFamily="49" charset="0"/>
-              </a:rPr>
-              <a:t>path</a:t>
-            </a:r>
-            <a:r>
-              <a:rPr lang="zh-CN" altLang="en-US" sz="1600" b="0" dirty="0">
-                <a:solidFill>
-                  <a:schemeClr val="tx1"/>
-                </a:solidFill>
-                <a:effectLst/>
-                <a:latin typeface="Consolas" panose="020B0609020204030204" pitchFamily="49" charset="0"/>
-              </a:rPr>
-              <a:t>的所有边</a:t>
-            </a:r>
-            <a:r>
-              <a:rPr lang="zh-CN" altLang="en-US" sz="1600" dirty="0">
-                <a:solidFill>
-                  <a:schemeClr val="tx1"/>
-                </a:solidFill>
-                <a:latin typeface="Consolas" panose="020B0609020204030204" pitchFamily="49" charset="0"/>
-              </a:rPr>
-              <a:t>，例如：要求最小值在某个范围内，就全部扫描找到最小值，再判断是否满足条件。</a:t>
-            </a:r>
-            <a:r>
-              <a:rPr lang="zh-CN" altLang="en-US" sz="1600" b="0" dirty="0">
-                <a:solidFill>
-                  <a:schemeClr val="tx1"/>
-                </a:solidFill>
-                <a:effectLst/>
-                <a:latin typeface="Consolas" panose="020B0609020204030204" pitchFamily="49" charset="0"/>
-              </a:rPr>
-              <a:t>好处在于可以方便迁移到难以实现增量维护的条件要求。</a:t>
-            </a:r>
-            <a:br>
-              <a:rPr lang="zh-CN" altLang="en-US" sz="1600" b="0" dirty="0">
-                <a:solidFill>
-                  <a:schemeClr val="tx1"/>
-                </a:solidFill>
-                <a:effectLst/>
-                <a:latin typeface="Consolas" panose="020B0609020204030204" pitchFamily="49" charset="0"/>
-              </a:rPr>
-            </a:br>
-            <a:endParaRPr lang="zh-CN" altLang="en-US" sz="1600" dirty="0">
-              <a:solidFill>
-                <a:schemeClr val="tx1"/>
-              </a:solidFill>
-            </a:endParaRPr>
-          </a:p>
-        </p:txBody>
-      </p:sp>
-      <p:pic>
-        <p:nvPicPr>
-          <p:cNvPr id="6" name="图片 5">
-            <a:extLst>
-              <a:ext uri="{FF2B5EF4-FFF2-40B4-BE49-F238E27FC236}">
-                <a16:creationId xmlns:a16="http://schemas.microsoft.com/office/drawing/2014/main" id="{4A712C00-DDE9-4050-A619-7D54DBDE90AF}"/>
-              </a:ext>
-            </a:extLst>
-          </p:cNvPr>
-          <p:cNvPicPr>
-            <a:picLocks noChangeAspect="1"/>
-          </p:cNvPicPr>
-          <p:nvPr/>
-        </p:nvPicPr>
-        <p:blipFill>
-          <a:blip r:embed="rId2"/>
-          <a:stretch>
-            <a:fillRect/>
-          </a:stretch>
-        </p:blipFill>
-        <p:spPr>
-          <a:xfrm>
-            <a:off x="813236" y="3968732"/>
-            <a:ext cx="6063311" cy="2087979"/>
-          </a:xfrm>
-          <a:prstGeom prst="rect">
-            <a:avLst/>
-          </a:prstGeom>
-        </p:spPr>
-      </p:pic>
-    </p:spTree>
-    <p:extLst>
-      <p:ext uri="{BB962C8B-B14F-4D97-AF65-F5344CB8AC3E}">
-        <p14:creationId xmlns:p14="http://schemas.microsoft.com/office/powerpoint/2010/main" val="3829620442"/>
-      </p:ext>
-    </p:extLst>
-  </p:cSld>
-  <p:clrMapOvr>
-    <a:masterClrMapping/>
-  </p:clrMapOvr>
-</p:sld>
-</file>
-
-<file path=ppt/slides/slide5.xml><?xml version="1.0" encoding="utf-8"?>
+<file path=ppt/slides/slide6.xml><?xml version="1.0" encoding="utf-8"?>
 <p:sld xmlns:a="http://schemas.openxmlformats.org/drawingml/2006/main" xmlns:r="http://schemas.openxmlformats.org/officeDocument/2006/relationships" xmlns:p="http://schemas.openxmlformats.org/presentationml/2006/main">
   <p:cSld>
     <p:spTree>
@@ -9183,7 +7072,7 @@
 </p:sld>
 </file>
 
-<file path=ppt/slides/slide6.xml><?xml version="1.0" encoding="utf-8"?>
+<file path=ppt/slides/slide7.xml><?xml version="1.0" encoding="utf-8"?>
 <p:sld xmlns:a="http://schemas.openxmlformats.org/drawingml/2006/main" xmlns:r="http://schemas.openxmlformats.org/officeDocument/2006/relationships" xmlns:p="http://schemas.openxmlformats.org/presentationml/2006/main">
   <p:cSld>
     <p:spTree>
@@ -9356,7 +7245,7 @@
 </p:sld>
 </file>
 
-<file path=ppt/slides/slide7.xml><?xml version="1.0" encoding="utf-8"?>
+<file path=ppt/slides/slide8.xml><?xml version="1.0" encoding="utf-8"?>
 <p:sld xmlns:a="http://schemas.openxmlformats.org/drawingml/2006/main" xmlns:r="http://schemas.openxmlformats.org/officeDocument/2006/relationships" xmlns:p="http://schemas.openxmlformats.org/presentationml/2006/main">
   <p:cSld>
     <p:spTree>
@@ -9424,8 +7313,8 @@
         </p:blipFill>
         <p:spPr>
           <a:xfrm>
-            <a:off x="632357" y="1342087"/>
-            <a:ext cx="6666940" cy="4087988"/>
+            <a:off x="936606" y="1242571"/>
+            <a:ext cx="6461720" cy="3962153"/>
           </a:xfrm>
           <a:prstGeom prst="rect">
             <a:avLst/>
@@ -9447,14 +7336,14 @@
           <p:nvPr>
             <p:extLst>
               <p:ext uri="{D42A27DB-BD31-4B8C-83A1-F6EECF244321}">
-                <p14:modId xmlns:p14="http://schemas.microsoft.com/office/powerpoint/2010/main" val="4255491354"/>
+                <p14:modId xmlns:p14="http://schemas.microsoft.com/office/powerpoint/2010/main" val="3123419913"/>
               </p:ext>
             </p:extLst>
           </p:nvPr>
         </p:nvGraphicFramePr>
         <p:xfrm>
-          <a:off x="632357" y="5600595"/>
-          <a:ext cx="8241300" cy="731520"/>
+          <a:off x="936606" y="5359159"/>
+          <a:ext cx="9584856" cy="1097280"/>
         </p:xfrm>
         <a:graphic>
           <a:graphicData uri="http://schemas.openxmlformats.org/drawingml/2006/table">
@@ -9463,14 +7352,21 @@
                 <a:tableStyleId>{5C22544A-7EE6-4342-B048-85BDC9FD1C3A}</a:tableStyleId>
               </a:tblPr>
               <a:tblGrid>
-                <a:gridCol w="4120650">
+                <a:gridCol w="3194952">
+                  <a:extLst>
+                    <a:ext uri="{9D8B030D-6E8A-4147-A177-3AD203B41FA5}">
+                      <a16:colId xmlns:a16="http://schemas.microsoft.com/office/drawing/2014/main" val="61509632"/>
+                    </a:ext>
+                  </a:extLst>
+                </a:gridCol>
+                <a:gridCol w="3194952">
                   <a:extLst>
                     <a:ext uri="{9D8B030D-6E8A-4147-A177-3AD203B41FA5}">
                       <a16:colId xmlns:a16="http://schemas.microsoft.com/office/drawing/2014/main" val="413606176"/>
                     </a:ext>
                   </a:extLst>
                 </a:gridCol>
-                <a:gridCol w="4120650">
+                <a:gridCol w="3194952">
                   <a:extLst>
                     <a:ext uri="{9D8B030D-6E8A-4147-A177-3AD203B41FA5}">
                       <a16:colId xmlns:a16="http://schemas.microsoft.com/office/drawing/2014/main" val="3271263835"/>
@@ -9479,6 +7375,16 @@
                 </a:gridCol>
               </a:tblGrid>
               <a:tr h="300458">
+                <a:tc>
+                  <a:txBody>
+                    <a:bodyPr/>
+                    <a:lstStyle/>
+                    <a:p>
+                      <a:endParaRPr lang="zh-CN" altLang="en-US" dirty="0"/>
+                    </a:p>
+                  </a:txBody>
+                  <a:tcPr/>
+                </a:tc>
                 <a:tc>
                   <a:txBody>
                     <a:bodyPr/>
@@ -9546,6 +7452,20 @@
                     <a:p>
                       <a:r>
                         <a:rPr lang="en-US" altLang="zh-CN" dirty="0"/>
+                        <a:t>Average Time(s)</a:t>
+                      </a:r>
+                      <a:endParaRPr lang="zh-CN" altLang="en-US" dirty="0"/>
+                    </a:p>
+                  </a:txBody>
+                  <a:tcPr/>
+                </a:tc>
+                <a:tc>
+                  <a:txBody>
+                    <a:bodyPr/>
+                    <a:lstStyle/>
+                    <a:p>
+                      <a:r>
+                        <a:rPr lang="en-US" altLang="zh-CN" dirty="0"/>
                         <a:t>0.00407s</a:t>
                       </a:r>
                       <a:endParaRPr lang="zh-CN" altLang="en-US" dirty="0"/>
@@ -9562,7 +7482,6 @@
                         <a:rPr lang="en-US" altLang="zh-CN" dirty="0"/>
                         <a:t>0.00312s</a:t>
                       </a:r>
-                      <a:endParaRPr lang="zh-CN" altLang="en-US" dirty="0"/>
                     </a:p>
                   </a:txBody>
                   <a:tcPr/>
@@ -9570,6 +7489,54 @@
                 <a:extLst>
                   <a:ext uri="{0D108BD9-81ED-4DB2-BD59-A6C34878D82A}">
                     <a16:rowId xmlns:a16="http://schemas.microsoft.com/office/drawing/2014/main" val="1255447802"/>
+                  </a:ext>
+                </a:extLst>
+              </a:tr>
+              <a:tr h="232049">
+                <a:tc>
+                  <a:txBody>
+                    <a:bodyPr/>
+                    <a:lstStyle/>
+                    <a:p>
+                      <a:r>
+                        <a:rPr lang="en-US" altLang="zh-CN" dirty="0"/>
+                        <a:t>Number of Visited Edges</a:t>
+                      </a:r>
+                      <a:endParaRPr lang="zh-CN" altLang="en-US" dirty="0"/>
+                    </a:p>
+                  </a:txBody>
+                  <a:tcPr/>
+                </a:tc>
+                <a:tc>
+                  <a:txBody>
+                    <a:bodyPr/>
+                    <a:lstStyle/>
+                    <a:p>
+                      <a:r>
+                        <a:rPr lang="en-US" altLang="zh-CN" dirty="0"/>
+                        <a:t>122</a:t>
+                      </a:r>
+                      <a:endParaRPr lang="zh-CN" altLang="en-US" dirty="0"/>
+                    </a:p>
+                  </a:txBody>
+                  <a:tcPr/>
+                </a:tc>
+                <a:tc>
+                  <a:txBody>
+                    <a:bodyPr/>
+                    <a:lstStyle/>
+                    <a:p>
+                      <a:r>
+                        <a:rPr lang="en-US" altLang="zh-CN" dirty="0"/>
+                        <a:t>69</a:t>
+                      </a:r>
+                    </a:p>
+                  </a:txBody>
+                  <a:tcPr/>
+                </a:tc>
+                <a:extLst>
+                  <a:ext uri="{0D108BD9-81ED-4DB2-BD59-A6C34878D82A}">
+                    <a16:rowId xmlns:a16="http://schemas.microsoft.com/office/drawing/2014/main" val="996668268"/>
                   </a:ext>
                 </a:extLst>
               </a:tr>
@@ -9590,7 +7557,7 @@
 </p:sld>
 </file>
 
-<file path=ppt/slides/slide8.xml><?xml version="1.0" encoding="utf-8"?>
+<file path=ppt/slides/slide9.xml><?xml version="1.0" encoding="utf-8"?>
 <p:sld xmlns:a="http://schemas.openxmlformats.org/drawingml/2006/main" xmlns:r="http://schemas.openxmlformats.org/officeDocument/2006/relationships" xmlns:p="http://schemas.openxmlformats.org/presentationml/2006/main">
   <p:cSld>
     <p:spTree>
@@ -9700,161 +7667,6 @@
     <p:extLst>
       <p:ext uri="{BB962C8B-B14F-4D97-AF65-F5344CB8AC3E}">
         <p14:creationId xmlns:p14="http://schemas.microsoft.com/office/powerpoint/2010/main" val="2752613479"/>
-      </p:ext>
-    </p:extLst>
-  </p:cSld>
-  <p:clrMapOvr>
-    <a:masterClrMapping/>
-  </p:clrMapOvr>
-</p:sld>
-</file>
-
-<file path=ppt/slides/slide9.xml><?xml version="1.0" encoding="utf-8"?>
-<p:sld xmlns:a="http://schemas.openxmlformats.org/drawingml/2006/main" xmlns:r="http://schemas.openxmlformats.org/officeDocument/2006/relationships" xmlns:p="http://schemas.openxmlformats.org/presentationml/2006/main">
-  <p:cSld>
-    <p:spTree>
-      <p:nvGrpSpPr>
-        <p:cNvPr id="1" name=""/>
-        <p:cNvGrpSpPr/>
-        <p:nvPr/>
-      </p:nvGrpSpPr>
-      <p:grpSpPr>
-        <a:xfrm>
-          <a:off x="0" y="0"/>
-          <a:ext cx="0" cy="0"/>
-          <a:chOff x="0" y="0"/>
-          <a:chExt cx="0" cy="0"/>
-        </a:xfrm>
-      </p:grpSpPr>
-      <p:sp>
-        <p:nvSpPr>
-          <p:cNvPr id="2" name="标题 1">
-            <a:extLst>
-              <a:ext uri="{FF2B5EF4-FFF2-40B4-BE49-F238E27FC236}">
-                <a16:creationId xmlns:a16="http://schemas.microsoft.com/office/drawing/2014/main" id="{0101B8AD-7B2E-4B6C-8101-3819280863D1}"/>
-              </a:ext>
-            </a:extLst>
-          </p:cNvPr>
-          <p:cNvSpPr>
-            <a:spLocks noGrp="1"/>
-          </p:cNvSpPr>
-          <p:nvPr>
-            <p:ph type="title"/>
-          </p:nvPr>
-        </p:nvSpPr>
-        <p:spPr/>
-        <p:txBody>
-          <a:bodyPr/>
-          <a:lstStyle/>
-          <a:p>
-            <a:r>
-              <a:rPr lang="en-US" altLang="zh-CN" dirty="0"/>
-              <a:t>CR2</a:t>
-            </a:r>
-            <a:endParaRPr lang="zh-CN" altLang="en-US" dirty="0"/>
-          </a:p>
-        </p:txBody>
-      </p:sp>
-      <p:pic>
-        <p:nvPicPr>
-          <p:cNvPr id="7" name="图片 6">
-            <a:extLst>
-              <a:ext uri="{FF2B5EF4-FFF2-40B4-BE49-F238E27FC236}">
-                <a16:creationId xmlns:a16="http://schemas.microsoft.com/office/drawing/2014/main" id="{9AD2ACD2-49C2-42FA-8108-F8B453C32E12}"/>
-              </a:ext>
-            </a:extLst>
-          </p:cNvPr>
-          <p:cNvPicPr>
-            <a:picLocks noChangeAspect="1"/>
-          </p:cNvPicPr>
-          <p:nvPr/>
-        </p:nvPicPr>
-        <p:blipFill>
-          <a:blip r:embed="rId2"/>
-          <a:stretch>
-            <a:fillRect/>
-          </a:stretch>
-        </p:blipFill>
-        <p:spPr>
-          <a:xfrm>
-            <a:off x="5954345" y="663902"/>
-            <a:ext cx="4703936" cy="2373847"/>
-          </a:xfrm>
-          <a:prstGeom prst="rect">
-            <a:avLst/>
-          </a:prstGeom>
-        </p:spPr>
-      </p:pic>
-      <p:pic>
-        <p:nvPicPr>
-          <p:cNvPr id="4" name="图片 3">
-            <a:extLst>
-              <a:ext uri="{FF2B5EF4-FFF2-40B4-BE49-F238E27FC236}">
-                <a16:creationId xmlns:a16="http://schemas.microsoft.com/office/drawing/2014/main" id="{CB0729D2-3D79-4E82-A037-FF13BE0A20E1}"/>
-              </a:ext>
-            </a:extLst>
-          </p:cNvPr>
-          <p:cNvPicPr>
-            <a:picLocks noChangeAspect="1"/>
-          </p:cNvPicPr>
-          <p:nvPr/>
-        </p:nvPicPr>
-        <p:blipFill>
-          <a:blip r:embed="rId3"/>
-          <a:stretch>
-            <a:fillRect/>
-          </a:stretch>
-        </p:blipFill>
-        <p:spPr>
-          <a:xfrm>
-            <a:off x="435428" y="3429000"/>
-            <a:ext cx="11321143" cy="2624428"/>
-          </a:xfrm>
-          <a:prstGeom prst="rect">
-            <a:avLst/>
-          </a:prstGeom>
-        </p:spPr>
-      </p:pic>
-      <p:sp>
-        <p:nvSpPr>
-          <p:cNvPr id="8" name="文本框 7">
-            <a:extLst>
-              <a:ext uri="{FF2B5EF4-FFF2-40B4-BE49-F238E27FC236}">
-                <a16:creationId xmlns:a16="http://schemas.microsoft.com/office/drawing/2014/main" id="{D7CA6B71-59EB-4865-8510-786B008BBE98}"/>
-              </a:ext>
-            </a:extLst>
-          </p:cNvPr>
-          <p:cNvSpPr txBox="1"/>
-          <p:nvPr/>
-        </p:nvSpPr>
-        <p:spPr>
-          <a:xfrm>
-            <a:off x="584745" y="2883860"/>
-            <a:ext cx="1361789" cy="307777"/>
-          </a:xfrm>
-          <a:prstGeom prst="rect">
-            <a:avLst/>
-          </a:prstGeom>
-          <a:noFill/>
-        </p:spPr>
-        <p:txBody>
-          <a:bodyPr wrap="square" rtlCol="0">
-            <a:spAutoFit/>
-          </a:bodyPr>
-          <a:lstStyle/>
-          <a:p>
-            <a:r>
-              <a:rPr lang="en-US" altLang="zh-CN" sz="1400" dirty="0"/>
-              <a:t>Previous Plan:</a:t>
-            </a:r>
-            <a:endParaRPr lang="zh-CN" altLang="en-US" sz="1400" dirty="0"/>
-          </a:p>
-        </p:txBody>
-      </p:sp>
-    </p:spTree>
-    <p:extLst>
-      <p:ext uri="{BB962C8B-B14F-4D97-AF65-F5344CB8AC3E}">
-        <p14:creationId xmlns:p14="http://schemas.microsoft.com/office/powerpoint/2010/main" val="823803985"/>
       </p:ext>
     </p:extLst>
   </p:cSld>
